--- a/profile/videos.pptx
+++ b/profile/videos.pptx
@@ -5,8 +5,13 @@
     <p:sldMasterId id="2147483648" r:id="rId1"/>
   </p:sldMasterIdLst>
   <p:sldIdLst>
-    <p:sldId id="257" r:id="rId2"/>
-    <p:sldId id="258" r:id="rId3"/>
+    <p:sldId id="259" r:id="rId2"/>
+    <p:sldId id="261" r:id="rId3"/>
+    <p:sldId id="260" r:id="rId4"/>
+    <p:sldId id="257" r:id="rId5"/>
+    <p:sldId id="258" r:id="rId6"/>
+    <p:sldId id="262" r:id="rId7"/>
+    <p:sldId id="263" r:id="rId8"/>
   </p:sldIdLst>
   <p:sldSz cx="12192000" cy="6858000"/>
   <p:notesSz cx="6858000" cy="9144000"/>
@@ -105,6 +110,11 @@
       </a:defRPr>
     </a:lvl9pPr>
   </p:defaultTextStyle>
+  <p:extLst>
+    <p:ext uri="{EFAFB233-063F-42B5-8137-9DF3F51BA10A}">
+      <p15:sldGuideLst xmlns:p15="http://schemas.microsoft.com/office/powerpoint/2012/main"/>
+    </p:ext>
+  </p:extLst>
 </p:presentation>
 </file>
 
@@ -255,7 +265,7 @@
           <a:p>
             <a:fld id="{CC5EC264-877E-48AA-A18E-F35EA6439AE0}" type="datetimeFigureOut">
               <a:rPr lang="en-US" smtClean="0"/>
-              <a:t>2/2/2022</a:t>
+              <a:t>7/22/2023</a:t>
             </a:fld>
             <a:endParaRPr lang="en-US"/>
           </a:p>
@@ -453,7 +463,7 @@
           <a:p>
             <a:fld id="{CC5EC264-877E-48AA-A18E-F35EA6439AE0}" type="datetimeFigureOut">
               <a:rPr lang="en-US" smtClean="0"/>
-              <a:t>2/2/2022</a:t>
+              <a:t>7/22/2023</a:t>
             </a:fld>
             <a:endParaRPr lang="en-US"/>
           </a:p>
@@ -661,7 +671,7 @@
           <a:p>
             <a:fld id="{CC5EC264-877E-48AA-A18E-F35EA6439AE0}" type="datetimeFigureOut">
               <a:rPr lang="en-US" smtClean="0"/>
-              <a:t>2/2/2022</a:t>
+              <a:t>7/22/2023</a:t>
             </a:fld>
             <a:endParaRPr lang="en-US"/>
           </a:p>
@@ -859,7 +869,7 @@
           <a:p>
             <a:fld id="{CC5EC264-877E-48AA-A18E-F35EA6439AE0}" type="datetimeFigureOut">
               <a:rPr lang="en-US" smtClean="0"/>
-              <a:t>2/2/2022</a:t>
+              <a:t>7/22/2023</a:t>
             </a:fld>
             <a:endParaRPr lang="en-US"/>
           </a:p>
@@ -1134,7 +1144,7 @@
           <a:p>
             <a:fld id="{CC5EC264-877E-48AA-A18E-F35EA6439AE0}" type="datetimeFigureOut">
               <a:rPr lang="en-US" smtClean="0"/>
-              <a:t>2/2/2022</a:t>
+              <a:t>7/22/2023</a:t>
             </a:fld>
             <a:endParaRPr lang="en-US"/>
           </a:p>
@@ -1399,7 +1409,7 @@
           <a:p>
             <a:fld id="{CC5EC264-877E-48AA-A18E-F35EA6439AE0}" type="datetimeFigureOut">
               <a:rPr lang="en-US" smtClean="0"/>
-              <a:t>2/2/2022</a:t>
+              <a:t>7/22/2023</a:t>
             </a:fld>
             <a:endParaRPr lang="en-US"/>
           </a:p>
@@ -1811,7 +1821,7 @@
           <a:p>
             <a:fld id="{CC5EC264-877E-48AA-A18E-F35EA6439AE0}" type="datetimeFigureOut">
               <a:rPr lang="en-US" smtClean="0"/>
-              <a:t>2/2/2022</a:t>
+              <a:t>7/22/2023</a:t>
             </a:fld>
             <a:endParaRPr lang="en-US"/>
           </a:p>
@@ -1952,7 +1962,7 @@
           <a:p>
             <a:fld id="{CC5EC264-877E-48AA-A18E-F35EA6439AE0}" type="datetimeFigureOut">
               <a:rPr lang="en-US" smtClean="0"/>
-              <a:t>2/2/2022</a:t>
+              <a:t>7/22/2023</a:t>
             </a:fld>
             <a:endParaRPr lang="en-US"/>
           </a:p>
@@ -2065,7 +2075,7 @@
           <a:p>
             <a:fld id="{CC5EC264-877E-48AA-A18E-F35EA6439AE0}" type="datetimeFigureOut">
               <a:rPr lang="en-US" smtClean="0"/>
-              <a:t>2/2/2022</a:t>
+              <a:t>7/22/2023</a:t>
             </a:fld>
             <a:endParaRPr lang="en-US"/>
           </a:p>
@@ -2376,7 +2386,7 @@
           <a:p>
             <a:fld id="{CC5EC264-877E-48AA-A18E-F35EA6439AE0}" type="datetimeFigureOut">
               <a:rPr lang="en-US" smtClean="0"/>
-              <a:t>2/2/2022</a:t>
+              <a:t>7/22/2023</a:t>
             </a:fld>
             <a:endParaRPr lang="en-US"/>
           </a:p>
@@ -2664,7 +2674,7 @@
           <a:p>
             <a:fld id="{CC5EC264-877E-48AA-A18E-F35EA6439AE0}" type="datetimeFigureOut">
               <a:rPr lang="en-US" smtClean="0"/>
-              <a:t>2/2/2022</a:t>
+              <a:t>7/22/2023</a:t>
             </a:fld>
             <a:endParaRPr lang="en-US"/>
           </a:p>
@@ -2905,7 +2915,7 @@
           <a:p>
             <a:fld id="{CC5EC264-877E-48AA-A18E-F35EA6439AE0}" type="datetimeFigureOut">
               <a:rPr lang="en-US" smtClean="0"/>
-              <a:t>2/2/2022</a:t>
+              <a:t>7/22/2023</a:t>
             </a:fld>
             <a:endParaRPr lang="en-US"/>
           </a:p>
@@ -3322,6 +3332,3872 @@
           <a:chExt cx="0" cy="0"/>
         </a:xfrm>
       </p:grpSpPr>
+      <p:grpSp>
+        <p:nvGrpSpPr>
+          <p:cNvPr id="28" name="Group 27">
+            <a:extLst>
+              <a:ext uri="{FF2B5EF4-FFF2-40B4-BE49-F238E27FC236}">
+                <a16:creationId xmlns:a16="http://schemas.microsoft.com/office/drawing/2014/main" id="{001B1574-98F7-44BD-BB8B-3F6C8E611A73}"/>
+              </a:ext>
+            </a:extLst>
+          </p:cNvPr>
+          <p:cNvGrpSpPr/>
+          <p:nvPr/>
+        </p:nvGrpSpPr>
+        <p:grpSpPr>
+          <a:xfrm>
+            <a:off x="1778655" y="1381836"/>
+            <a:ext cx="1460914" cy="886599"/>
+            <a:chOff x="3926133" y="1295899"/>
+            <a:chExt cx="1460914" cy="886599"/>
+          </a:xfrm>
+        </p:grpSpPr>
+        <p:pic>
+          <p:nvPicPr>
+            <p:cNvPr id="6" name="Picture 5">
+              <a:extLst>
+                <a:ext uri="{FF2B5EF4-FFF2-40B4-BE49-F238E27FC236}">
+                  <a16:creationId xmlns:a16="http://schemas.microsoft.com/office/drawing/2014/main" id="{17CE16AA-FCAC-485B-9F23-6E8369B4604C}"/>
+                </a:ext>
+              </a:extLst>
+            </p:cNvPr>
+            <p:cNvPicPr>
+              <a:picLocks noChangeAspect="1"/>
+            </p:cNvPicPr>
+            <p:nvPr/>
+          </p:nvPicPr>
+          <p:blipFill>
+            <a:blip r:embed="rId2">
+              <a:extLst>
+                <a:ext uri="{28A0092B-C50C-407E-A947-70E740481C1C}">
+                  <a14:useLocalDpi xmlns:a14="http://schemas.microsoft.com/office/drawing/2010/main" val="0"/>
+                </a:ext>
+              </a:extLst>
+            </a:blip>
+            <a:stretch>
+              <a:fillRect/>
+            </a:stretch>
+          </p:blipFill>
+          <p:spPr>
+            <a:xfrm>
+              <a:off x="4351789" y="1295899"/>
+              <a:ext cx="609600" cy="609600"/>
+            </a:xfrm>
+            <a:prstGeom prst="rect">
+              <a:avLst/>
+            </a:prstGeom>
+          </p:spPr>
+        </p:pic>
+        <p:pic>
+          <p:nvPicPr>
+            <p:cNvPr id="15" name="Picture 14">
+              <a:extLst>
+                <a:ext uri="{FF2B5EF4-FFF2-40B4-BE49-F238E27FC236}">
+                  <a16:creationId xmlns:a16="http://schemas.microsoft.com/office/drawing/2014/main" id="{8FAA4787-7B20-4D47-8BF3-7E0B2607D361}"/>
+                </a:ext>
+              </a:extLst>
+            </p:cNvPr>
+            <p:cNvPicPr>
+              <a:picLocks noChangeAspect="1"/>
+            </p:cNvPicPr>
+            <p:nvPr/>
+          </p:nvPicPr>
+          <p:blipFill>
+            <a:blip r:embed="rId3">
+              <a:extLst>
+                <a:ext uri="{28A0092B-C50C-407E-A947-70E740481C1C}">
+                  <a14:useLocalDpi xmlns:a14="http://schemas.microsoft.com/office/drawing/2010/main" val="0"/>
+                </a:ext>
+              </a:extLst>
+            </a:blip>
+            <a:stretch>
+              <a:fillRect/>
+            </a:stretch>
+          </p:blipFill>
+          <p:spPr>
+            <a:xfrm>
+              <a:off x="4431215" y="1348306"/>
+              <a:ext cx="374838" cy="374838"/>
+            </a:xfrm>
+            <a:prstGeom prst="rect">
+              <a:avLst/>
+            </a:prstGeom>
+          </p:spPr>
+        </p:pic>
+        <p:sp>
+          <p:nvSpPr>
+            <p:cNvPr id="16" name="TextBox 15">
+              <a:extLst>
+                <a:ext uri="{FF2B5EF4-FFF2-40B4-BE49-F238E27FC236}">
+                  <a16:creationId xmlns:a16="http://schemas.microsoft.com/office/drawing/2014/main" id="{FD75BEB1-B6FC-4665-B47A-F171012AF42C}"/>
+                </a:ext>
+              </a:extLst>
+            </p:cNvPr>
+            <p:cNvSpPr txBox="1"/>
+            <p:nvPr/>
+          </p:nvSpPr>
+          <p:spPr>
+            <a:xfrm>
+              <a:off x="3926133" y="1905499"/>
+              <a:ext cx="1460914" cy="276999"/>
+            </a:xfrm>
+            <a:prstGeom prst="rect">
+              <a:avLst/>
+            </a:prstGeom>
+            <a:noFill/>
+          </p:spPr>
+          <p:txBody>
+            <a:bodyPr wrap="none" rtlCol="0">
+              <a:spAutoFit/>
+            </a:bodyPr>
+            <a:lstStyle/>
+            <a:p>
+              <a:pPr algn="ctr"/>
+              <a:r>
+                <a:rPr lang="en-US" sz="1200" dirty="0"/>
+                <a:t>Office Add-in (VSTO)</a:t>
+              </a:r>
+            </a:p>
+          </p:txBody>
+        </p:sp>
+      </p:grpSp>
+      <p:grpSp>
+        <p:nvGrpSpPr>
+          <p:cNvPr id="78" name="Group 77">
+            <a:extLst>
+              <a:ext uri="{FF2B5EF4-FFF2-40B4-BE49-F238E27FC236}">
+                <a16:creationId xmlns:a16="http://schemas.microsoft.com/office/drawing/2014/main" id="{5561DB1F-84EF-418A-A28B-985AFF26203D}"/>
+              </a:ext>
+            </a:extLst>
+          </p:cNvPr>
+          <p:cNvGrpSpPr/>
+          <p:nvPr/>
+        </p:nvGrpSpPr>
+        <p:grpSpPr>
+          <a:xfrm>
+            <a:off x="3780918" y="1101271"/>
+            <a:ext cx="3445000" cy="1831333"/>
+            <a:chOff x="3803274" y="900828"/>
+            <a:chExt cx="3445000" cy="1831333"/>
+          </a:xfrm>
+        </p:grpSpPr>
+        <p:sp>
+          <p:nvSpPr>
+            <p:cNvPr id="5" name="TextBox 4">
+              <a:extLst>
+                <a:ext uri="{FF2B5EF4-FFF2-40B4-BE49-F238E27FC236}">
+                  <a16:creationId xmlns:a16="http://schemas.microsoft.com/office/drawing/2014/main" id="{BCD493E7-5227-4AEF-9A0B-5BCBBEEAE8B1}"/>
+                </a:ext>
+              </a:extLst>
+            </p:cNvPr>
+            <p:cNvSpPr txBox="1"/>
+            <p:nvPr/>
+          </p:nvSpPr>
+          <p:spPr>
+            <a:xfrm>
+              <a:off x="4784055" y="900828"/>
+              <a:ext cx="1151277" cy="307777"/>
+            </a:xfrm>
+            <a:prstGeom prst="rect">
+              <a:avLst/>
+            </a:prstGeom>
+            <a:noFill/>
+          </p:spPr>
+          <p:txBody>
+            <a:bodyPr wrap="none" rtlCol="0">
+              <a:spAutoFit/>
+            </a:bodyPr>
+            <a:lstStyle/>
+            <a:p>
+              <a:pPr algn="ctr"/>
+              <a:r>
+                <a:rPr lang="en-US" sz="1400" dirty="0"/>
+                <a:t>PLM Solution</a:t>
+              </a:r>
+            </a:p>
+          </p:txBody>
+        </p:sp>
+        <p:pic>
+          <p:nvPicPr>
+            <p:cNvPr id="12" name="Picture 11">
+              <a:extLst>
+                <a:ext uri="{FF2B5EF4-FFF2-40B4-BE49-F238E27FC236}">
+                  <a16:creationId xmlns:a16="http://schemas.microsoft.com/office/drawing/2014/main" id="{4F6048FD-8ABD-482A-B1F3-8669CF4F6EF0}"/>
+                </a:ext>
+              </a:extLst>
+            </p:cNvPr>
+            <p:cNvPicPr>
+              <a:picLocks noChangeAspect="1"/>
+            </p:cNvPicPr>
+            <p:nvPr/>
+          </p:nvPicPr>
+          <p:blipFill>
+            <a:blip r:embed="rId4">
+              <a:extLst>
+                <a:ext uri="{28A0092B-C50C-407E-A947-70E740481C1C}">
+                  <a14:useLocalDpi xmlns:a14="http://schemas.microsoft.com/office/drawing/2010/main" val="0"/>
+                </a:ext>
+              </a:extLst>
+            </a:blip>
+            <a:stretch>
+              <a:fillRect/>
+            </a:stretch>
+          </p:blipFill>
+          <p:spPr>
+            <a:xfrm>
+              <a:off x="6420813" y="1469004"/>
+              <a:ext cx="731754" cy="731754"/>
+            </a:xfrm>
+            <a:prstGeom prst="rect">
+              <a:avLst/>
+            </a:prstGeom>
+          </p:spPr>
+        </p:pic>
+        <p:sp>
+          <p:nvSpPr>
+            <p:cNvPr id="13" name="TextBox 12">
+              <a:extLst>
+                <a:ext uri="{FF2B5EF4-FFF2-40B4-BE49-F238E27FC236}">
+                  <a16:creationId xmlns:a16="http://schemas.microsoft.com/office/drawing/2014/main" id="{C536C4FA-EFF6-4572-A952-95D1FF0FC75D}"/>
+                </a:ext>
+              </a:extLst>
+            </p:cNvPr>
+            <p:cNvSpPr txBox="1"/>
+            <p:nvPr/>
+          </p:nvSpPr>
+          <p:spPr>
+            <a:xfrm>
+              <a:off x="6390908" y="2200758"/>
+              <a:ext cx="791050" cy="276999"/>
+            </a:xfrm>
+            <a:prstGeom prst="rect">
+              <a:avLst/>
+            </a:prstGeom>
+            <a:noFill/>
+          </p:spPr>
+          <p:txBody>
+            <a:bodyPr wrap="none" rtlCol="0">
+              <a:spAutoFit/>
+            </a:bodyPr>
+            <a:lstStyle/>
+            <a:p>
+              <a:pPr algn="ctr"/>
+              <a:r>
+                <a:rPr lang="en-US" sz="1200" dirty="0"/>
+                <a:t>Metadata</a:t>
+              </a:r>
+            </a:p>
+          </p:txBody>
+        </p:sp>
+        <p:sp>
+          <p:nvSpPr>
+            <p:cNvPr id="17" name="Rectangle: Rounded Corners 16">
+              <a:extLst>
+                <a:ext uri="{FF2B5EF4-FFF2-40B4-BE49-F238E27FC236}">
+                  <a16:creationId xmlns:a16="http://schemas.microsoft.com/office/drawing/2014/main" id="{CF6EEF64-2677-41A5-B199-97C635228EE4}"/>
+                </a:ext>
+              </a:extLst>
+            </p:cNvPr>
+            <p:cNvSpPr/>
+            <p:nvPr/>
+          </p:nvSpPr>
+          <p:spPr>
+            <a:xfrm>
+              <a:off x="3803274" y="1255982"/>
+              <a:ext cx="3445000" cy="1476179"/>
+            </a:xfrm>
+            <a:prstGeom prst="roundRect">
+              <a:avLst>
+                <a:gd name="adj" fmla="val 10417"/>
+              </a:avLst>
+            </a:prstGeom>
+            <a:noFill/>
+          </p:spPr>
+          <p:style>
+            <a:lnRef idx="2">
+              <a:schemeClr val="accent1">
+                <a:shade val="50000"/>
+              </a:schemeClr>
+            </a:lnRef>
+            <a:fillRef idx="1">
+              <a:schemeClr val="accent1"/>
+            </a:fillRef>
+            <a:effectRef idx="0">
+              <a:schemeClr val="accent1"/>
+            </a:effectRef>
+            <a:fontRef idx="minor">
+              <a:schemeClr val="lt1"/>
+            </a:fontRef>
+          </p:style>
+          <p:txBody>
+            <a:bodyPr rtlCol="0" anchor="ctr"/>
+            <a:lstStyle/>
+            <a:p>
+              <a:pPr algn="ctr"/>
+              <a:endParaRPr lang="en-US"/>
+            </a:p>
+          </p:txBody>
+        </p:sp>
+        <p:pic>
+          <p:nvPicPr>
+            <p:cNvPr id="18" name="Picture 17">
+              <a:extLst>
+                <a:ext uri="{FF2B5EF4-FFF2-40B4-BE49-F238E27FC236}">
+                  <a16:creationId xmlns:a16="http://schemas.microsoft.com/office/drawing/2014/main" id="{5584D373-1E9E-40A5-A2A3-F5E9E0C010EE}"/>
+                </a:ext>
+              </a:extLst>
+            </p:cNvPr>
+            <p:cNvPicPr>
+              <a:picLocks noChangeAspect="1"/>
+            </p:cNvPicPr>
+            <p:nvPr/>
+          </p:nvPicPr>
+          <p:blipFill>
+            <a:blip r:embed="rId5">
+              <a:extLst>
+                <a:ext uri="{28A0092B-C50C-407E-A947-70E740481C1C}">
+                  <a14:useLocalDpi xmlns:a14="http://schemas.microsoft.com/office/drawing/2010/main" val="0"/>
+                </a:ext>
+              </a:extLst>
+            </a:blip>
+            <a:stretch>
+              <a:fillRect/>
+            </a:stretch>
+          </p:blipFill>
+          <p:spPr>
+            <a:xfrm>
+              <a:off x="4784055" y="1399910"/>
+              <a:ext cx="762000" cy="762000"/>
+            </a:xfrm>
+            <a:prstGeom prst="rect">
+              <a:avLst/>
+            </a:prstGeom>
+          </p:spPr>
+        </p:pic>
+        <p:sp>
+          <p:nvSpPr>
+            <p:cNvPr id="19" name="TextBox 18">
+              <a:extLst>
+                <a:ext uri="{FF2B5EF4-FFF2-40B4-BE49-F238E27FC236}">
+                  <a16:creationId xmlns:a16="http://schemas.microsoft.com/office/drawing/2014/main" id="{1A2FABC3-3011-4318-B6F5-C03D2F25F0B6}"/>
+                </a:ext>
+              </a:extLst>
+            </p:cNvPr>
+            <p:cNvSpPr txBox="1"/>
+            <p:nvPr/>
+          </p:nvSpPr>
+          <p:spPr>
+            <a:xfrm>
+              <a:off x="4718527" y="2149073"/>
+              <a:ext cx="874470" cy="461665"/>
+            </a:xfrm>
+            <a:prstGeom prst="rect">
+              <a:avLst/>
+            </a:prstGeom>
+            <a:noFill/>
+          </p:spPr>
+          <p:txBody>
+            <a:bodyPr wrap="none" rtlCol="0">
+              <a:spAutoFit/>
+            </a:bodyPr>
+            <a:lstStyle/>
+            <a:p>
+              <a:pPr algn="ctr"/>
+              <a:r>
+                <a:rPr lang="en-US" sz="1200" dirty="0"/>
+                <a:t>(IIS) Web</a:t>
+              </a:r>
+            </a:p>
+            <a:p>
+              <a:pPr algn="ctr"/>
+              <a:r>
+                <a:rPr lang="en-US" sz="1200" dirty="0"/>
+                <a:t>application</a:t>
+              </a:r>
+            </a:p>
+          </p:txBody>
+        </p:sp>
+        <p:pic>
+          <p:nvPicPr>
+            <p:cNvPr id="20" name="Picture 19">
+              <a:extLst>
+                <a:ext uri="{FF2B5EF4-FFF2-40B4-BE49-F238E27FC236}">
+                  <a16:creationId xmlns:a16="http://schemas.microsoft.com/office/drawing/2014/main" id="{DDEAF0ED-CF39-4ABE-AC79-F1B0C607BEE3}"/>
+                </a:ext>
+              </a:extLst>
+            </p:cNvPr>
+            <p:cNvPicPr>
+              <a:picLocks noChangeAspect="1"/>
+            </p:cNvPicPr>
+            <p:nvPr/>
+          </p:nvPicPr>
+          <p:blipFill>
+            <a:blip r:embed="rId6">
+              <a:extLst>
+                <a:ext uri="{28A0092B-C50C-407E-A947-70E740481C1C}">
+                  <a14:useLocalDpi xmlns:a14="http://schemas.microsoft.com/office/drawing/2010/main" val="0"/>
+                </a:ext>
+              </a:extLst>
+            </a:blip>
+            <a:stretch>
+              <a:fillRect/>
+            </a:stretch>
+          </p:blipFill>
+          <p:spPr>
+            <a:xfrm>
+              <a:off x="5644269" y="1469004"/>
+              <a:ext cx="623982" cy="623982"/>
+            </a:xfrm>
+            <a:prstGeom prst="rect">
+              <a:avLst/>
+            </a:prstGeom>
+          </p:spPr>
+        </p:pic>
+        <p:sp>
+          <p:nvSpPr>
+            <p:cNvPr id="21" name="TextBox 20">
+              <a:extLst>
+                <a:ext uri="{FF2B5EF4-FFF2-40B4-BE49-F238E27FC236}">
+                  <a16:creationId xmlns:a16="http://schemas.microsoft.com/office/drawing/2014/main" id="{174D8030-640E-4667-9DE5-B38AF95388EB}"/>
+                </a:ext>
+              </a:extLst>
+            </p:cNvPr>
+            <p:cNvSpPr txBox="1"/>
+            <p:nvPr/>
+          </p:nvSpPr>
+          <p:spPr>
+            <a:xfrm>
+              <a:off x="5627228" y="2098135"/>
+              <a:ext cx="658064" cy="461665"/>
+            </a:xfrm>
+            <a:prstGeom prst="rect">
+              <a:avLst/>
+            </a:prstGeom>
+            <a:noFill/>
+          </p:spPr>
+          <p:txBody>
+            <a:bodyPr wrap="none" rtlCol="0">
+              <a:spAutoFit/>
+            </a:bodyPr>
+            <a:lstStyle/>
+            <a:p>
+              <a:pPr algn="ctr"/>
+              <a:r>
+                <a:rPr lang="en-US" sz="1200" dirty="0"/>
+                <a:t>File</a:t>
+              </a:r>
+            </a:p>
+            <a:p>
+              <a:pPr algn="ctr"/>
+              <a:r>
+                <a:rPr lang="en-US" sz="1200" dirty="0"/>
+                <a:t>Storage</a:t>
+              </a:r>
+            </a:p>
+          </p:txBody>
+        </p:sp>
+        <p:pic>
+          <p:nvPicPr>
+            <p:cNvPr id="22" name="Picture 21">
+              <a:extLst>
+                <a:ext uri="{FF2B5EF4-FFF2-40B4-BE49-F238E27FC236}">
+                  <a16:creationId xmlns:a16="http://schemas.microsoft.com/office/drawing/2014/main" id="{AB08E3FB-9D68-41D2-BA6C-0DAD85B18984}"/>
+                </a:ext>
+              </a:extLst>
+            </p:cNvPr>
+            <p:cNvPicPr>
+              <a:picLocks noChangeAspect="1"/>
+            </p:cNvPicPr>
+            <p:nvPr/>
+          </p:nvPicPr>
+          <p:blipFill>
+            <a:blip r:embed="rId5">
+              <a:extLst>
+                <a:ext uri="{28A0092B-C50C-407E-A947-70E740481C1C}">
+                  <a14:useLocalDpi xmlns:a14="http://schemas.microsoft.com/office/drawing/2010/main" val="0"/>
+                </a:ext>
+              </a:extLst>
+            </a:blip>
+            <a:stretch>
+              <a:fillRect/>
+            </a:stretch>
+          </p:blipFill>
+          <p:spPr>
+            <a:xfrm>
+              <a:off x="3912139" y="1399584"/>
+              <a:ext cx="762000" cy="762000"/>
+            </a:xfrm>
+            <a:prstGeom prst="rect">
+              <a:avLst/>
+            </a:prstGeom>
+          </p:spPr>
+        </p:pic>
+        <p:sp>
+          <p:nvSpPr>
+            <p:cNvPr id="23" name="TextBox 22">
+              <a:extLst>
+                <a:ext uri="{FF2B5EF4-FFF2-40B4-BE49-F238E27FC236}">
+                  <a16:creationId xmlns:a16="http://schemas.microsoft.com/office/drawing/2014/main" id="{E59E148A-6A91-4AEC-9330-C27A8529117A}"/>
+                </a:ext>
+              </a:extLst>
+            </p:cNvPr>
+            <p:cNvSpPr txBox="1"/>
+            <p:nvPr/>
+          </p:nvSpPr>
+          <p:spPr>
+            <a:xfrm>
+              <a:off x="4009557" y="2148747"/>
+              <a:ext cx="583750" cy="461665"/>
+            </a:xfrm>
+            <a:prstGeom prst="rect">
+              <a:avLst/>
+            </a:prstGeom>
+            <a:noFill/>
+          </p:spPr>
+          <p:txBody>
+            <a:bodyPr wrap="none" rtlCol="0">
+              <a:spAutoFit/>
+            </a:bodyPr>
+            <a:lstStyle/>
+            <a:p>
+              <a:pPr algn="ctr"/>
+              <a:r>
+                <a:rPr lang="en-US" sz="1200" dirty="0"/>
+                <a:t>Auth</a:t>
+              </a:r>
+            </a:p>
+            <a:p>
+              <a:pPr algn="ctr"/>
+              <a:r>
+                <a:rPr lang="en-US" sz="1200" dirty="0"/>
+                <a:t>Server</a:t>
+              </a:r>
+            </a:p>
+          </p:txBody>
+        </p:sp>
+      </p:grpSp>
+      <p:pic>
+        <p:nvPicPr>
+          <p:cNvPr id="24" name="Picture 23">
+            <a:extLst>
+              <a:ext uri="{FF2B5EF4-FFF2-40B4-BE49-F238E27FC236}">
+                <a16:creationId xmlns:a16="http://schemas.microsoft.com/office/drawing/2014/main" id="{D10DA53A-109F-4F8F-88E9-8EC5E162EAE7}"/>
+              </a:ext>
+            </a:extLst>
+          </p:cNvPr>
+          <p:cNvPicPr>
+            <a:picLocks noChangeAspect="1"/>
+          </p:cNvPicPr>
+          <p:nvPr/>
+        </p:nvPicPr>
+        <p:blipFill>
+          <a:blip r:embed="rId2">
+            <a:extLst>
+              <a:ext uri="{28A0092B-C50C-407E-A947-70E740481C1C}">
+                <a14:useLocalDpi xmlns:a14="http://schemas.microsoft.com/office/drawing/2010/main" val="0"/>
+              </a:ext>
+            </a:extLst>
+          </a:blip>
+          <a:stretch>
+            <a:fillRect/>
+          </a:stretch>
+        </p:blipFill>
+        <p:spPr>
+          <a:xfrm>
+            <a:off x="2194864" y="2240978"/>
+            <a:ext cx="609600" cy="609600"/>
+          </a:xfrm>
+          <a:prstGeom prst="rect">
+            <a:avLst/>
+          </a:prstGeom>
+        </p:spPr>
+      </p:pic>
+      <p:sp>
+        <p:nvSpPr>
+          <p:cNvPr id="25" name="TextBox 24">
+            <a:extLst>
+              <a:ext uri="{FF2B5EF4-FFF2-40B4-BE49-F238E27FC236}">
+                <a16:creationId xmlns:a16="http://schemas.microsoft.com/office/drawing/2014/main" id="{2723E31E-2C3E-4048-8D2B-2F4ACB4B490D}"/>
+              </a:ext>
+            </a:extLst>
+          </p:cNvPr>
+          <p:cNvSpPr txBox="1"/>
+          <p:nvPr/>
+        </p:nvSpPr>
+        <p:spPr>
+          <a:xfrm>
+            <a:off x="2039530" y="2890111"/>
+            <a:ext cx="963342" cy="276999"/>
+          </a:xfrm>
+          <a:prstGeom prst="rect">
+            <a:avLst/>
+          </a:prstGeom>
+          <a:noFill/>
+        </p:spPr>
+        <p:txBody>
+          <a:bodyPr wrap="none" rtlCol="0">
+            <a:spAutoFit/>
+          </a:bodyPr>
+          <a:lstStyle/>
+          <a:p>
+            <a:pPr algn="ctr"/>
+            <a:r>
+              <a:rPr lang="en-US" sz="1200" dirty="0"/>
+              <a:t>PDF Preview</a:t>
+            </a:r>
+          </a:p>
+        </p:txBody>
+      </p:sp>
+      <p:cxnSp>
+        <p:nvCxnSpPr>
+          <p:cNvPr id="26" name="Straight Arrow Connector 25">
+            <a:extLst>
+              <a:ext uri="{FF2B5EF4-FFF2-40B4-BE49-F238E27FC236}">
+                <a16:creationId xmlns:a16="http://schemas.microsoft.com/office/drawing/2014/main" id="{9AAAD2DD-0CAA-48F8-8EF5-0B55FA551A47}"/>
+              </a:ext>
+            </a:extLst>
+          </p:cNvPr>
+          <p:cNvCxnSpPr>
+            <a:cxnSpLocks/>
+            <a:stCxn id="6" idx="3"/>
+          </p:cNvCxnSpPr>
+          <p:nvPr/>
+        </p:nvCxnSpPr>
+        <p:spPr>
+          <a:xfrm>
+            <a:off x="2813911" y="1686636"/>
+            <a:ext cx="953155" cy="18334"/>
+          </a:xfrm>
+          <a:prstGeom prst="straightConnector1">
+            <a:avLst/>
+          </a:prstGeom>
+          <a:ln>
+            <a:tailEnd type="triangle"/>
+          </a:ln>
+        </p:spPr>
+        <p:style>
+          <a:lnRef idx="1">
+            <a:schemeClr val="accent1"/>
+          </a:lnRef>
+          <a:fillRef idx="0">
+            <a:schemeClr val="accent1"/>
+          </a:fillRef>
+          <a:effectRef idx="0">
+            <a:schemeClr val="accent1"/>
+          </a:effectRef>
+          <a:fontRef idx="minor">
+            <a:schemeClr val="tx1"/>
+          </a:fontRef>
+        </p:style>
+      </p:cxnSp>
+      <p:cxnSp>
+        <p:nvCxnSpPr>
+          <p:cNvPr id="38" name="Straight Arrow Connector 37">
+            <a:extLst>
+              <a:ext uri="{FF2B5EF4-FFF2-40B4-BE49-F238E27FC236}">
+                <a16:creationId xmlns:a16="http://schemas.microsoft.com/office/drawing/2014/main" id="{2DEAF496-BA52-480C-993F-5AE0AE42993D}"/>
+              </a:ext>
+            </a:extLst>
+          </p:cNvPr>
+          <p:cNvCxnSpPr>
+            <a:cxnSpLocks/>
+            <a:endCxn id="24" idx="3"/>
+          </p:cNvCxnSpPr>
+          <p:nvPr/>
+        </p:nvCxnSpPr>
+        <p:spPr>
+          <a:xfrm flipH="1">
+            <a:off x="2804464" y="2545778"/>
+            <a:ext cx="983265" cy="0"/>
+          </a:xfrm>
+          <a:prstGeom prst="straightConnector1">
+            <a:avLst/>
+          </a:prstGeom>
+          <a:ln>
+            <a:tailEnd type="triangle"/>
+          </a:ln>
+        </p:spPr>
+        <p:style>
+          <a:lnRef idx="1">
+            <a:schemeClr val="accent1"/>
+          </a:lnRef>
+          <a:fillRef idx="0">
+            <a:schemeClr val="accent1"/>
+          </a:fillRef>
+          <a:effectRef idx="0">
+            <a:schemeClr val="accent1"/>
+          </a:effectRef>
+          <a:fontRef idx="minor">
+            <a:schemeClr val="tx1"/>
+          </a:fontRef>
+        </p:style>
+      </p:cxnSp>
+      <p:cxnSp>
+        <p:nvCxnSpPr>
+          <p:cNvPr id="44" name="Straight Arrow Connector 43">
+            <a:extLst>
+              <a:ext uri="{FF2B5EF4-FFF2-40B4-BE49-F238E27FC236}">
+                <a16:creationId xmlns:a16="http://schemas.microsoft.com/office/drawing/2014/main" id="{989F920E-4945-4A66-8389-42CE82BB7861}"/>
+              </a:ext>
+            </a:extLst>
+          </p:cNvPr>
+          <p:cNvCxnSpPr>
+            <a:cxnSpLocks/>
+            <a:stCxn id="70" idx="3"/>
+            <a:endCxn id="34" idx="1"/>
+          </p:cNvCxnSpPr>
+          <p:nvPr/>
+        </p:nvCxnSpPr>
+        <p:spPr>
+          <a:xfrm flipV="1">
+            <a:off x="8118946" y="2002586"/>
+            <a:ext cx="835040" cy="8195"/>
+          </a:xfrm>
+          <a:prstGeom prst="straightConnector1">
+            <a:avLst/>
+          </a:prstGeom>
+          <a:ln>
+            <a:tailEnd type="triangle"/>
+          </a:ln>
+        </p:spPr>
+        <p:style>
+          <a:lnRef idx="1">
+            <a:schemeClr val="accent1"/>
+          </a:lnRef>
+          <a:fillRef idx="0">
+            <a:schemeClr val="accent1"/>
+          </a:fillRef>
+          <a:effectRef idx="0">
+            <a:schemeClr val="accent1"/>
+          </a:effectRef>
+          <a:fontRef idx="minor">
+            <a:schemeClr val="tx1"/>
+          </a:fontRef>
+        </p:style>
+      </p:cxnSp>
+      <p:grpSp>
+        <p:nvGrpSpPr>
+          <p:cNvPr id="77" name="Group 76">
+            <a:extLst>
+              <a:ext uri="{FF2B5EF4-FFF2-40B4-BE49-F238E27FC236}">
+                <a16:creationId xmlns:a16="http://schemas.microsoft.com/office/drawing/2014/main" id="{3854598B-8715-40EC-9A22-01AAFEE0F2BC}"/>
+              </a:ext>
+            </a:extLst>
+          </p:cNvPr>
+          <p:cNvGrpSpPr/>
+          <p:nvPr/>
+        </p:nvGrpSpPr>
+        <p:grpSpPr>
+          <a:xfrm>
+            <a:off x="8950274" y="1227948"/>
+            <a:ext cx="2980887" cy="1260269"/>
+            <a:chOff x="8950274" y="1227948"/>
+            <a:chExt cx="2980887" cy="1260269"/>
+          </a:xfrm>
+        </p:grpSpPr>
+        <p:sp>
+          <p:nvSpPr>
+            <p:cNvPr id="11" name="TextBox 10">
+              <a:extLst>
+                <a:ext uri="{FF2B5EF4-FFF2-40B4-BE49-F238E27FC236}">
+                  <a16:creationId xmlns:a16="http://schemas.microsoft.com/office/drawing/2014/main" id="{4BF01805-5AD5-4956-96FF-3370939E304E}"/>
+                </a:ext>
+              </a:extLst>
+            </p:cNvPr>
+            <p:cNvSpPr txBox="1"/>
+            <p:nvPr/>
+          </p:nvSpPr>
+          <p:spPr>
+            <a:xfrm>
+              <a:off x="9788968" y="1227948"/>
+              <a:ext cx="1303498" cy="307777"/>
+            </a:xfrm>
+            <a:prstGeom prst="rect">
+              <a:avLst/>
+            </a:prstGeom>
+            <a:noFill/>
+          </p:spPr>
+          <p:txBody>
+            <a:bodyPr wrap="none" rtlCol="0">
+              <a:spAutoFit/>
+            </a:bodyPr>
+            <a:lstStyle/>
+            <a:p>
+              <a:pPr algn="ctr"/>
+              <a:r>
+                <a:rPr lang="en-US" sz="1400" dirty="0"/>
+                <a:t>PDF Converters</a:t>
+              </a:r>
+            </a:p>
+          </p:txBody>
+        </p:sp>
+        <p:pic>
+          <p:nvPicPr>
+            <p:cNvPr id="34" name="Picture 33">
+              <a:extLst>
+                <a:ext uri="{FF2B5EF4-FFF2-40B4-BE49-F238E27FC236}">
+                  <a16:creationId xmlns:a16="http://schemas.microsoft.com/office/drawing/2014/main" id="{18A2DFE0-5F30-4AC2-A3E3-969552E0580E}"/>
+                </a:ext>
+              </a:extLst>
+            </p:cNvPr>
+            <p:cNvPicPr>
+              <a:picLocks noChangeAspect="1"/>
+            </p:cNvPicPr>
+            <p:nvPr/>
+          </p:nvPicPr>
+          <p:blipFill>
+            <a:blip r:embed="rId5">
+              <a:extLst>
+                <a:ext uri="{28A0092B-C50C-407E-A947-70E740481C1C}">
+                  <a14:useLocalDpi xmlns:a14="http://schemas.microsoft.com/office/drawing/2010/main" val="0"/>
+                </a:ext>
+              </a:extLst>
+            </a:blip>
+            <a:stretch>
+              <a:fillRect/>
+            </a:stretch>
+          </p:blipFill>
+          <p:spPr>
+            <a:xfrm>
+              <a:off x="8953986" y="1621586"/>
+              <a:ext cx="762000" cy="762000"/>
+            </a:xfrm>
+            <a:prstGeom prst="rect">
+              <a:avLst/>
+            </a:prstGeom>
+          </p:spPr>
+        </p:pic>
+        <p:pic>
+          <p:nvPicPr>
+            <p:cNvPr id="35" name="Picture 34">
+              <a:extLst>
+                <a:ext uri="{FF2B5EF4-FFF2-40B4-BE49-F238E27FC236}">
+                  <a16:creationId xmlns:a16="http://schemas.microsoft.com/office/drawing/2014/main" id="{C80247F6-9E32-46BB-AF0F-4695512D6D2D}"/>
+                </a:ext>
+              </a:extLst>
+            </p:cNvPr>
+            <p:cNvPicPr>
+              <a:picLocks noChangeAspect="1"/>
+            </p:cNvPicPr>
+            <p:nvPr/>
+          </p:nvPicPr>
+          <p:blipFill>
+            <a:blip r:embed="rId5">
+              <a:extLst>
+                <a:ext uri="{28A0092B-C50C-407E-A947-70E740481C1C}">
+                  <a14:useLocalDpi xmlns:a14="http://schemas.microsoft.com/office/drawing/2010/main" val="0"/>
+                </a:ext>
+              </a:extLst>
+            </a:blip>
+            <a:stretch>
+              <a:fillRect/>
+            </a:stretch>
+          </p:blipFill>
+          <p:spPr>
+            <a:xfrm>
+              <a:off x="9705505" y="1623508"/>
+              <a:ext cx="762000" cy="762000"/>
+            </a:xfrm>
+            <a:prstGeom prst="rect">
+              <a:avLst/>
+            </a:prstGeom>
+          </p:spPr>
+        </p:pic>
+        <p:pic>
+          <p:nvPicPr>
+            <p:cNvPr id="36" name="Picture 35">
+              <a:extLst>
+                <a:ext uri="{FF2B5EF4-FFF2-40B4-BE49-F238E27FC236}">
+                  <a16:creationId xmlns:a16="http://schemas.microsoft.com/office/drawing/2014/main" id="{8DE0281F-223F-4A2D-8ECF-C0F1ED31AC5E}"/>
+                </a:ext>
+              </a:extLst>
+            </p:cNvPr>
+            <p:cNvPicPr>
+              <a:picLocks noChangeAspect="1"/>
+            </p:cNvPicPr>
+            <p:nvPr/>
+          </p:nvPicPr>
+          <p:blipFill>
+            <a:blip r:embed="rId5">
+              <a:extLst>
+                <a:ext uri="{28A0092B-C50C-407E-A947-70E740481C1C}">
+                  <a14:useLocalDpi xmlns:a14="http://schemas.microsoft.com/office/drawing/2010/main" val="0"/>
+                </a:ext>
+              </a:extLst>
+            </a:blip>
+            <a:stretch>
+              <a:fillRect/>
+            </a:stretch>
+          </p:blipFill>
+          <p:spPr>
+            <a:xfrm>
+              <a:off x="10366200" y="1619033"/>
+              <a:ext cx="762000" cy="762000"/>
+            </a:xfrm>
+            <a:prstGeom prst="rect">
+              <a:avLst/>
+            </a:prstGeom>
+          </p:spPr>
+        </p:pic>
+        <p:pic>
+          <p:nvPicPr>
+            <p:cNvPr id="37" name="Picture 36">
+              <a:extLst>
+                <a:ext uri="{FF2B5EF4-FFF2-40B4-BE49-F238E27FC236}">
+                  <a16:creationId xmlns:a16="http://schemas.microsoft.com/office/drawing/2014/main" id="{83A06484-61FA-4FD9-A875-706F6A34570F}"/>
+                </a:ext>
+              </a:extLst>
+            </p:cNvPr>
+            <p:cNvPicPr>
+              <a:picLocks noChangeAspect="1"/>
+            </p:cNvPicPr>
+            <p:nvPr/>
+          </p:nvPicPr>
+          <p:blipFill>
+            <a:blip r:embed="rId5">
+              <a:extLst>
+                <a:ext uri="{28A0092B-C50C-407E-A947-70E740481C1C}">
+                  <a14:useLocalDpi xmlns:a14="http://schemas.microsoft.com/office/drawing/2010/main" val="0"/>
+                </a:ext>
+              </a:extLst>
+            </a:blip>
+            <a:stretch>
+              <a:fillRect/>
+            </a:stretch>
+          </p:blipFill>
+          <p:spPr>
+            <a:xfrm>
+              <a:off x="11128200" y="1619033"/>
+              <a:ext cx="762000" cy="762000"/>
+            </a:xfrm>
+            <a:prstGeom prst="rect">
+              <a:avLst/>
+            </a:prstGeom>
+          </p:spPr>
+        </p:pic>
+        <p:pic>
+          <p:nvPicPr>
+            <p:cNvPr id="40" name="Picture 39">
+              <a:extLst>
+                <a:ext uri="{FF2B5EF4-FFF2-40B4-BE49-F238E27FC236}">
+                  <a16:creationId xmlns:a16="http://schemas.microsoft.com/office/drawing/2014/main" id="{706D7230-CC01-4AEF-BCD1-87A05C43AE71}"/>
+                </a:ext>
+              </a:extLst>
+            </p:cNvPr>
+            <p:cNvPicPr>
+              <a:picLocks noChangeAspect="1"/>
+            </p:cNvPicPr>
+            <p:nvPr/>
+          </p:nvPicPr>
+          <p:blipFill>
+            <a:blip r:embed="rId7">
+              <a:extLst>
+                <a:ext uri="{28A0092B-C50C-407E-A947-70E740481C1C}">
+                  <a14:useLocalDpi xmlns:a14="http://schemas.microsoft.com/office/drawing/2010/main" val="0"/>
+                </a:ext>
+              </a:extLst>
+            </a:blip>
+            <a:stretch>
+              <a:fillRect/>
+            </a:stretch>
+          </p:blipFill>
+          <p:spPr>
+            <a:xfrm>
+              <a:off x="9264648" y="1619033"/>
+              <a:ext cx="350033" cy="350033"/>
+            </a:xfrm>
+            <a:prstGeom prst="rect">
+              <a:avLst/>
+            </a:prstGeom>
+          </p:spPr>
+        </p:pic>
+        <p:pic>
+          <p:nvPicPr>
+            <p:cNvPr id="41" name="Picture 40">
+              <a:extLst>
+                <a:ext uri="{FF2B5EF4-FFF2-40B4-BE49-F238E27FC236}">
+                  <a16:creationId xmlns:a16="http://schemas.microsoft.com/office/drawing/2014/main" id="{48FFA006-5ECD-4FF7-8080-DBF2560774FF}"/>
+                </a:ext>
+              </a:extLst>
+            </p:cNvPr>
+            <p:cNvPicPr>
+              <a:picLocks noChangeAspect="1"/>
+            </p:cNvPicPr>
+            <p:nvPr/>
+          </p:nvPicPr>
+          <p:blipFill>
+            <a:blip r:embed="rId7">
+              <a:extLst>
+                <a:ext uri="{28A0092B-C50C-407E-A947-70E740481C1C}">
+                  <a14:useLocalDpi xmlns:a14="http://schemas.microsoft.com/office/drawing/2010/main" val="0"/>
+                </a:ext>
+              </a:extLst>
+            </a:blip>
+            <a:stretch>
+              <a:fillRect/>
+            </a:stretch>
+          </p:blipFill>
+          <p:spPr>
+            <a:xfrm>
+              <a:off x="10024959" y="1627825"/>
+              <a:ext cx="350033" cy="350033"/>
+            </a:xfrm>
+            <a:prstGeom prst="rect">
+              <a:avLst/>
+            </a:prstGeom>
+          </p:spPr>
+        </p:pic>
+        <p:pic>
+          <p:nvPicPr>
+            <p:cNvPr id="42" name="Picture 41">
+              <a:extLst>
+                <a:ext uri="{FF2B5EF4-FFF2-40B4-BE49-F238E27FC236}">
+                  <a16:creationId xmlns:a16="http://schemas.microsoft.com/office/drawing/2014/main" id="{73F8F9CC-49D8-40E2-BFD5-52F6606AF8EB}"/>
+                </a:ext>
+              </a:extLst>
+            </p:cNvPr>
+            <p:cNvPicPr>
+              <a:picLocks noChangeAspect="1"/>
+            </p:cNvPicPr>
+            <p:nvPr/>
+          </p:nvPicPr>
+          <p:blipFill>
+            <a:blip r:embed="rId7">
+              <a:extLst>
+                <a:ext uri="{28A0092B-C50C-407E-A947-70E740481C1C}">
+                  <a14:useLocalDpi xmlns:a14="http://schemas.microsoft.com/office/drawing/2010/main" val="0"/>
+                </a:ext>
+              </a:extLst>
+            </a:blip>
+            <a:stretch>
+              <a:fillRect/>
+            </a:stretch>
+          </p:blipFill>
+          <p:spPr>
+            <a:xfrm>
+              <a:off x="10680573" y="1621282"/>
+              <a:ext cx="350033" cy="350033"/>
+            </a:xfrm>
+            <a:prstGeom prst="rect">
+              <a:avLst/>
+            </a:prstGeom>
+          </p:spPr>
+        </p:pic>
+        <p:pic>
+          <p:nvPicPr>
+            <p:cNvPr id="43" name="Picture 42">
+              <a:extLst>
+                <a:ext uri="{FF2B5EF4-FFF2-40B4-BE49-F238E27FC236}">
+                  <a16:creationId xmlns:a16="http://schemas.microsoft.com/office/drawing/2014/main" id="{787C3779-9F90-4829-91C8-1EEB8F0F36A2}"/>
+                </a:ext>
+              </a:extLst>
+            </p:cNvPr>
+            <p:cNvPicPr>
+              <a:picLocks noChangeAspect="1"/>
+            </p:cNvPicPr>
+            <p:nvPr/>
+          </p:nvPicPr>
+          <p:blipFill>
+            <a:blip r:embed="rId7">
+              <a:extLst>
+                <a:ext uri="{28A0092B-C50C-407E-A947-70E740481C1C}">
+                  <a14:useLocalDpi xmlns:a14="http://schemas.microsoft.com/office/drawing/2010/main" val="0"/>
+                </a:ext>
+              </a:extLst>
+            </a:blip>
+            <a:stretch>
+              <a:fillRect/>
+            </a:stretch>
+          </p:blipFill>
+          <p:spPr>
+            <a:xfrm>
+              <a:off x="11440884" y="1630074"/>
+              <a:ext cx="350033" cy="350033"/>
+            </a:xfrm>
+            <a:prstGeom prst="rect">
+              <a:avLst/>
+            </a:prstGeom>
+          </p:spPr>
+        </p:pic>
+        <p:sp>
+          <p:nvSpPr>
+            <p:cNvPr id="63" name="Rectangle: Rounded Corners 62">
+              <a:extLst>
+                <a:ext uri="{FF2B5EF4-FFF2-40B4-BE49-F238E27FC236}">
+                  <a16:creationId xmlns:a16="http://schemas.microsoft.com/office/drawing/2014/main" id="{A342F8F1-6E3E-4EA1-B548-5BE2CB9D57E4}"/>
+                </a:ext>
+              </a:extLst>
+            </p:cNvPr>
+            <p:cNvSpPr/>
+            <p:nvPr/>
+          </p:nvSpPr>
+          <p:spPr>
+            <a:xfrm>
+              <a:off x="8950274" y="1545660"/>
+              <a:ext cx="2980887" cy="942557"/>
+            </a:xfrm>
+            <a:prstGeom prst="roundRect">
+              <a:avLst>
+                <a:gd name="adj" fmla="val 10417"/>
+              </a:avLst>
+            </a:prstGeom>
+            <a:noFill/>
+          </p:spPr>
+          <p:style>
+            <a:lnRef idx="2">
+              <a:schemeClr val="accent1">
+                <a:shade val="50000"/>
+              </a:schemeClr>
+            </a:lnRef>
+            <a:fillRef idx="1">
+              <a:schemeClr val="accent1"/>
+            </a:fillRef>
+            <a:effectRef idx="0">
+              <a:schemeClr val="accent1"/>
+            </a:effectRef>
+            <a:fontRef idx="minor">
+              <a:schemeClr val="lt1"/>
+            </a:fontRef>
+          </p:style>
+          <p:txBody>
+            <a:bodyPr rtlCol="0" anchor="ctr"/>
+            <a:lstStyle/>
+            <a:p>
+              <a:pPr algn="ctr"/>
+              <a:endParaRPr lang="en-US"/>
+            </a:p>
+          </p:txBody>
+        </p:sp>
+      </p:grpSp>
+      <p:cxnSp>
+        <p:nvCxnSpPr>
+          <p:cNvPr id="68" name="Straight Arrow Connector 67">
+            <a:extLst>
+              <a:ext uri="{FF2B5EF4-FFF2-40B4-BE49-F238E27FC236}">
+                <a16:creationId xmlns:a16="http://schemas.microsoft.com/office/drawing/2014/main" id="{DC266B9C-CF19-4BAE-8227-58CDA2B50310}"/>
+              </a:ext>
+            </a:extLst>
+          </p:cNvPr>
+          <p:cNvCxnSpPr>
+            <a:cxnSpLocks/>
+            <a:stCxn id="12" idx="3"/>
+            <a:endCxn id="70" idx="1"/>
+          </p:cNvCxnSpPr>
+          <p:nvPr/>
+        </p:nvCxnSpPr>
+        <p:spPr>
+          <a:xfrm flipV="1">
+            <a:off x="7130211" y="2010781"/>
+            <a:ext cx="528341" cy="24543"/>
+          </a:xfrm>
+          <a:prstGeom prst="straightConnector1">
+            <a:avLst/>
+          </a:prstGeom>
+          <a:ln>
+            <a:tailEnd type="triangle"/>
+          </a:ln>
+        </p:spPr>
+        <p:style>
+          <a:lnRef idx="1">
+            <a:schemeClr val="accent1"/>
+          </a:lnRef>
+          <a:fillRef idx="0">
+            <a:schemeClr val="accent1"/>
+          </a:fillRef>
+          <a:effectRef idx="0">
+            <a:schemeClr val="accent1"/>
+          </a:effectRef>
+          <a:fontRef idx="minor">
+            <a:schemeClr val="tx1"/>
+          </a:fontRef>
+        </p:style>
+      </p:cxnSp>
+      <p:pic>
+        <p:nvPicPr>
+          <p:cNvPr id="70" name="Picture 69">
+            <a:extLst>
+              <a:ext uri="{FF2B5EF4-FFF2-40B4-BE49-F238E27FC236}">
+                <a16:creationId xmlns:a16="http://schemas.microsoft.com/office/drawing/2014/main" id="{F1179BEB-465E-4016-BB4B-5508E85C10D8}"/>
+              </a:ext>
+            </a:extLst>
+          </p:cNvPr>
+          <p:cNvPicPr>
+            <a:picLocks noChangeAspect="1"/>
+          </p:cNvPicPr>
+          <p:nvPr/>
+        </p:nvPicPr>
+        <p:blipFill>
+          <a:blip r:embed="rId8">
+            <a:extLst>
+              <a:ext uri="{28A0092B-C50C-407E-A947-70E740481C1C}">
+                <a14:useLocalDpi xmlns:a14="http://schemas.microsoft.com/office/drawing/2010/main" val="0"/>
+              </a:ext>
+            </a:extLst>
+          </a:blip>
+          <a:stretch>
+            <a:fillRect/>
+          </a:stretch>
+        </p:blipFill>
+        <p:spPr>
+          <a:xfrm>
+            <a:off x="7658552" y="1780584"/>
+            <a:ext cx="460394" cy="460394"/>
+          </a:xfrm>
+          <a:prstGeom prst="rect">
+            <a:avLst/>
+          </a:prstGeom>
+        </p:spPr>
+      </p:pic>
+    </p:spTree>
+    <p:extLst>
+      <p:ext uri="{BB962C8B-B14F-4D97-AF65-F5344CB8AC3E}">
+        <p14:creationId xmlns:p14="http://schemas.microsoft.com/office/powerpoint/2010/main" val="645986160"/>
+      </p:ext>
+    </p:extLst>
+  </p:cSld>
+  <p:clrMapOvr>
+    <a:masterClrMapping/>
+  </p:clrMapOvr>
+</p:sld>
+</file>
+
+<file path=ppt/slides/slide2.xml><?xml version="1.0" encoding="utf-8"?>
+<p:sld xmlns:a="http://schemas.openxmlformats.org/drawingml/2006/main" xmlns:r="http://schemas.openxmlformats.org/officeDocument/2006/relationships" xmlns:p="http://schemas.openxmlformats.org/presentationml/2006/main">
+  <p:cSld>
+    <p:spTree>
+      <p:nvGrpSpPr>
+        <p:cNvPr id="1" name=""/>
+        <p:cNvGrpSpPr/>
+        <p:nvPr/>
+      </p:nvGrpSpPr>
+      <p:grpSpPr>
+        <a:xfrm>
+          <a:off x="0" y="0"/>
+          <a:ext cx="0" cy="0"/>
+          <a:chOff x="0" y="0"/>
+          <a:chExt cx="0" cy="0"/>
+        </a:xfrm>
+      </p:grpSpPr>
+      <p:grpSp>
+        <p:nvGrpSpPr>
+          <p:cNvPr id="42" name="Group 41">
+            <a:extLst>
+              <a:ext uri="{FF2B5EF4-FFF2-40B4-BE49-F238E27FC236}">
+                <a16:creationId xmlns:a16="http://schemas.microsoft.com/office/drawing/2014/main" id="{03F6461B-EA26-4262-872E-049FC5E16C1C}"/>
+              </a:ext>
+            </a:extLst>
+          </p:cNvPr>
+          <p:cNvGrpSpPr/>
+          <p:nvPr/>
+        </p:nvGrpSpPr>
+        <p:grpSpPr>
+          <a:xfrm>
+            <a:off x="5626099" y="1677865"/>
+            <a:ext cx="2156247" cy="1297224"/>
+            <a:chOff x="5670549" y="1849315"/>
+            <a:chExt cx="2156247" cy="1297224"/>
+          </a:xfrm>
+        </p:grpSpPr>
+        <p:pic>
+          <p:nvPicPr>
+            <p:cNvPr id="4" name="Picture 3">
+              <a:extLst>
+                <a:ext uri="{FF2B5EF4-FFF2-40B4-BE49-F238E27FC236}">
+                  <a16:creationId xmlns:a16="http://schemas.microsoft.com/office/drawing/2014/main" id="{D499E95D-62F2-4864-BDE2-06A5B6A67635}"/>
+                </a:ext>
+              </a:extLst>
+            </p:cNvPr>
+            <p:cNvPicPr>
+              <a:picLocks noChangeAspect="1"/>
+            </p:cNvPicPr>
+            <p:nvPr/>
+          </p:nvPicPr>
+          <p:blipFill>
+            <a:blip r:embed="rId2">
+              <a:extLst>
+                <a:ext uri="{28A0092B-C50C-407E-A947-70E740481C1C}">
+                  <a14:useLocalDpi xmlns:a14="http://schemas.microsoft.com/office/drawing/2010/main" val="0"/>
+                </a:ext>
+              </a:extLst>
+            </a:blip>
+            <a:stretch>
+              <a:fillRect/>
+            </a:stretch>
+          </p:blipFill>
+          <p:spPr>
+            <a:xfrm>
+              <a:off x="6007100" y="2004473"/>
+              <a:ext cx="762000" cy="762000"/>
+            </a:xfrm>
+            <a:prstGeom prst="rect">
+              <a:avLst/>
+            </a:prstGeom>
+          </p:spPr>
+        </p:pic>
+        <p:sp>
+          <p:nvSpPr>
+            <p:cNvPr id="5" name="TextBox 4">
+              <a:extLst>
+                <a:ext uri="{FF2B5EF4-FFF2-40B4-BE49-F238E27FC236}">
+                  <a16:creationId xmlns:a16="http://schemas.microsoft.com/office/drawing/2014/main" id="{8AD4F542-5798-4D27-892C-FD9335671861}"/>
+                </a:ext>
+              </a:extLst>
+            </p:cNvPr>
+            <p:cNvSpPr txBox="1"/>
+            <p:nvPr/>
+          </p:nvSpPr>
+          <p:spPr>
+            <a:xfrm>
+              <a:off x="5789660" y="2753636"/>
+              <a:ext cx="1213474" cy="276999"/>
+            </a:xfrm>
+            <a:prstGeom prst="rect">
+              <a:avLst/>
+            </a:prstGeom>
+            <a:noFill/>
+          </p:spPr>
+          <p:txBody>
+            <a:bodyPr wrap="none" rtlCol="0">
+              <a:spAutoFit/>
+            </a:bodyPr>
+            <a:lstStyle/>
+            <a:p>
+              <a:pPr algn="ctr"/>
+              <a:r>
+                <a:rPr lang="en-US" sz="1200" dirty="0"/>
+                <a:t>Web Application</a:t>
+              </a:r>
+            </a:p>
+          </p:txBody>
+        </p:sp>
+        <p:pic>
+          <p:nvPicPr>
+            <p:cNvPr id="6" name="Picture 5">
+              <a:extLst>
+                <a:ext uri="{FF2B5EF4-FFF2-40B4-BE49-F238E27FC236}">
+                  <a16:creationId xmlns:a16="http://schemas.microsoft.com/office/drawing/2014/main" id="{A49D8F95-50C5-4323-90A3-3B8411CC85DB}"/>
+                </a:ext>
+              </a:extLst>
+            </p:cNvPr>
+            <p:cNvPicPr>
+              <a:picLocks noChangeAspect="1"/>
+            </p:cNvPicPr>
+            <p:nvPr/>
+          </p:nvPicPr>
+          <p:blipFill>
+            <a:blip r:embed="rId3">
+              <a:extLst>
+                <a:ext uri="{28A0092B-C50C-407E-A947-70E740481C1C}">
+                  <a14:useLocalDpi xmlns:a14="http://schemas.microsoft.com/office/drawing/2010/main" val="0"/>
+                </a:ext>
+              </a:extLst>
+            </a:blip>
+            <a:stretch>
+              <a:fillRect/>
+            </a:stretch>
+          </p:blipFill>
+          <p:spPr>
+            <a:xfrm>
+              <a:off x="6931205" y="2004473"/>
+              <a:ext cx="731754" cy="731754"/>
+            </a:xfrm>
+            <a:prstGeom prst="rect">
+              <a:avLst/>
+            </a:prstGeom>
+          </p:spPr>
+        </p:pic>
+        <p:sp>
+          <p:nvSpPr>
+            <p:cNvPr id="7" name="TextBox 6">
+              <a:extLst>
+                <a:ext uri="{FF2B5EF4-FFF2-40B4-BE49-F238E27FC236}">
+                  <a16:creationId xmlns:a16="http://schemas.microsoft.com/office/drawing/2014/main" id="{AB50734B-640C-4F1D-ACC7-ACBF01CEF0E0}"/>
+                </a:ext>
+              </a:extLst>
+            </p:cNvPr>
+            <p:cNvSpPr txBox="1"/>
+            <p:nvPr/>
+          </p:nvSpPr>
+          <p:spPr>
+            <a:xfrm>
+              <a:off x="6913580" y="2736227"/>
+              <a:ext cx="766493" cy="276999"/>
+            </a:xfrm>
+            <a:prstGeom prst="rect">
+              <a:avLst/>
+            </a:prstGeom>
+            <a:noFill/>
+          </p:spPr>
+          <p:txBody>
+            <a:bodyPr wrap="none" rtlCol="0">
+              <a:spAutoFit/>
+            </a:bodyPr>
+            <a:lstStyle/>
+            <a:p>
+              <a:pPr algn="ctr"/>
+              <a:r>
+                <a:rPr lang="en-US" sz="1200" dirty="0"/>
+                <a:t>Database</a:t>
+              </a:r>
+            </a:p>
+          </p:txBody>
+        </p:sp>
+        <p:sp>
+          <p:nvSpPr>
+            <p:cNvPr id="8" name="Rectangle: Rounded Corners 7">
+              <a:extLst>
+                <a:ext uri="{FF2B5EF4-FFF2-40B4-BE49-F238E27FC236}">
+                  <a16:creationId xmlns:a16="http://schemas.microsoft.com/office/drawing/2014/main" id="{0C9D02C5-2D4D-40C5-868A-C0D60D94E380}"/>
+                </a:ext>
+              </a:extLst>
+            </p:cNvPr>
+            <p:cNvSpPr/>
+            <p:nvPr/>
+          </p:nvSpPr>
+          <p:spPr>
+            <a:xfrm>
+              <a:off x="5670549" y="1849315"/>
+              <a:ext cx="2156247" cy="1297224"/>
+            </a:xfrm>
+            <a:prstGeom prst="roundRect">
+              <a:avLst>
+                <a:gd name="adj" fmla="val 10417"/>
+              </a:avLst>
+            </a:prstGeom>
+            <a:noFill/>
+          </p:spPr>
+          <p:style>
+            <a:lnRef idx="2">
+              <a:schemeClr val="accent1">
+                <a:shade val="50000"/>
+              </a:schemeClr>
+            </a:lnRef>
+            <a:fillRef idx="1">
+              <a:schemeClr val="accent1"/>
+            </a:fillRef>
+            <a:effectRef idx="0">
+              <a:schemeClr val="accent1"/>
+            </a:effectRef>
+            <a:fontRef idx="minor">
+              <a:schemeClr val="lt1"/>
+            </a:fontRef>
+          </p:style>
+          <p:txBody>
+            <a:bodyPr rtlCol="0" anchor="ctr"/>
+            <a:lstStyle/>
+            <a:p>
+              <a:pPr algn="ctr"/>
+              <a:endParaRPr lang="en-US"/>
+            </a:p>
+          </p:txBody>
+        </p:sp>
+      </p:grpSp>
+      <p:sp>
+        <p:nvSpPr>
+          <p:cNvPr id="9" name="TextBox 8">
+            <a:extLst>
+              <a:ext uri="{FF2B5EF4-FFF2-40B4-BE49-F238E27FC236}">
+                <a16:creationId xmlns:a16="http://schemas.microsoft.com/office/drawing/2014/main" id="{8A6E0D99-5634-4B01-A909-77C04E802910}"/>
+              </a:ext>
+            </a:extLst>
+          </p:cNvPr>
+          <p:cNvSpPr txBox="1"/>
+          <p:nvPr/>
+        </p:nvSpPr>
+        <p:spPr>
+          <a:xfrm>
+            <a:off x="6561297" y="1352679"/>
+            <a:ext cx="463588" cy="307777"/>
+          </a:xfrm>
+          <a:prstGeom prst="rect">
+            <a:avLst/>
+          </a:prstGeom>
+          <a:noFill/>
+        </p:spPr>
+        <p:txBody>
+          <a:bodyPr wrap="none" rtlCol="0">
+            <a:spAutoFit/>
+          </a:bodyPr>
+          <a:lstStyle/>
+          <a:p>
+            <a:pPr algn="ctr"/>
+            <a:r>
+              <a:rPr lang="en-US" sz="1400" dirty="0"/>
+              <a:t>ERP</a:t>
+            </a:r>
+          </a:p>
+        </p:txBody>
+      </p:sp>
+      <p:grpSp>
+        <p:nvGrpSpPr>
+          <p:cNvPr id="28" name="Group 27">
+            <a:extLst>
+              <a:ext uri="{FF2B5EF4-FFF2-40B4-BE49-F238E27FC236}">
+                <a16:creationId xmlns:a16="http://schemas.microsoft.com/office/drawing/2014/main" id="{3538E026-C51C-4B96-82B0-4B97B19202C4}"/>
+              </a:ext>
+            </a:extLst>
+          </p:cNvPr>
+          <p:cNvGrpSpPr/>
+          <p:nvPr/>
+        </p:nvGrpSpPr>
+        <p:grpSpPr>
+          <a:xfrm>
+            <a:off x="1352010" y="1335812"/>
+            <a:ext cx="3505740" cy="1694823"/>
+            <a:chOff x="869372" y="1524787"/>
+            <a:chExt cx="3505740" cy="1694823"/>
+          </a:xfrm>
+        </p:grpSpPr>
+        <p:grpSp>
+          <p:nvGrpSpPr>
+            <p:cNvPr id="10" name="Group 9">
+              <a:extLst>
+                <a:ext uri="{FF2B5EF4-FFF2-40B4-BE49-F238E27FC236}">
+                  <a16:creationId xmlns:a16="http://schemas.microsoft.com/office/drawing/2014/main" id="{D803485D-F235-4046-8C1D-57669A185D23}"/>
+                </a:ext>
+              </a:extLst>
+            </p:cNvPr>
+            <p:cNvGrpSpPr/>
+            <p:nvPr/>
+          </p:nvGrpSpPr>
+          <p:grpSpPr>
+            <a:xfrm>
+              <a:off x="869372" y="1524787"/>
+              <a:ext cx="3505740" cy="1694823"/>
+              <a:chOff x="3021309" y="951082"/>
+              <a:chExt cx="3505740" cy="1694823"/>
+            </a:xfrm>
+          </p:grpSpPr>
+          <p:sp>
+            <p:nvSpPr>
+              <p:cNvPr id="11" name="TextBox 10">
+                <a:extLst>
+                  <a:ext uri="{FF2B5EF4-FFF2-40B4-BE49-F238E27FC236}">
+                    <a16:creationId xmlns:a16="http://schemas.microsoft.com/office/drawing/2014/main" id="{6C026ADF-92A7-4F75-90ED-063AE6B2ECC4}"/>
+                  </a:ext>
+                </a:extLst>
+              </p:cNvPr>
+              <p:cNvSpPr txBox="1"/>
+              <p:nvPr/>
+            </p:nvSpPr>
+            <p:spPr>
+              <a:xfrm>
+                <a:off x="4902327" y="951082"/>
+                <a:ext cx="506870" cy="307777"/>
+              </a:xfrm>
+              <a:prstGeom prst="rect">
+                <a:avLst/>
+              </a:prstGeom>
+              <a:noFill/>
+            </p:spPr>
+            <p:txBody>
+              <a:bodyPr wrap="none" rtlCol="0">
+                <a:spAutoFit/>
+              </a:bodyPr>
+              <a:lstStyle/>
+              <a:p>
+                <a:pPr algn="ctr"/>
+                <a:r>
+                  <a:rPr lang="en-US" sz="1400" dirty="0"/>
+                  <a:t>PLM</a:t>
+                </a:r>
+              </a:p>
+            </p:txBody>
+          </p:sp>
+          <p:sp>
+            <p:nvSpPr>
+              <p:cNvPr id="14" name="Rectangle: Rounded Corners 13">
+                <a:extLst>
+                  <a:ext uri="{FF2B5EF4-FFF2-40B4-BE49-F238E27FC236}">
+                    <a16:creationId xmlns:a16="http://schemas.microsoft.com/office/drawing/2014/main" id="{DD9C0E30-C6CE-481A-B9F2-8550C78527AA}"/>
+                  </a:ext>
+                </a:extLst>
+              </p:cNvPr>
+              <p:cNvSpPr/>
+              <p:nvPr/>
+            </p:nvSpPr>
+            <p:spPr>
+              <a:xfrm>
+                <a:off x="3714038" y="1237510"/>
+                <a:ext cx="2813011" cy="1408395"/>
+              </a:xfrm>
+              <a:prstGeom prst="roundRect">
+                <a:avLst>
+                  <a:gd name="adj" fmla="val 10417"/>
+                </a:avLst>
+              </a:prstGeom>
+              <a:noFill/>
+            </p:spPr>
+            <p:style>
+              <a:lnRef idx="2">
+                <a:schemeClr val="accent1">
+                  <a:shade val="50000"/>
+                </a:schemeClr>
+              </a:lnRef>
+              <a:fillRef idx="1">
+                <a:schemeClr val="accent1"/>
+              </a:fillRef>
+              <a:effectRef idx="0">
+                <a:schemeClr val="accent1"/>
+              </a:effectRef>
+              <a:fontRef idx="minor">
+                <a:schemeClr val="lt1"/>
+              </a:fontRef>
+            </p:style>
+            <p:txBody>
+              <a:bodyPr rtlCol="0" anchor="ctr"/>
+              <a:lstStyle/>
+              <a:p>
+                <a:pPr algn="ctr"/>
+                <a:endParaRPr lang="en-US"/>
+              </a:p>
+            </p:txBody>
+          </p:sp>
+          <p:pic>
+            <p:nvPicPr>
+              <p:cNvPr id="15" name="Picture 14">
+                <a:extLst>
+                  <a:ext uri="{FF2B5EF4-FFF2-40B4-BE49-F238E27FC236}">
+                    <a16:creationId xmlns:a16="http://schemas.microsoft.com/office/drawing/2014/main" id="{BF5F58C8-BD95-4F87-8B2D-2FD56BCBBF6E}"/>
+                  </a:ext>
+                </a:extLst>
+              </p:cNvPr>
+              <p:cNvPicPr>
+                <a:picLocks noChangeAspect="1"/>
+              </p:cNvPicPr>
+              <p:nvPr/>
+            </p:nvPicPr>
+            <p:blipFill>
+              <a:blip r:embed="rId2">
+                <a:extLst>
+                  <a:ext uri="{28A0092B-C50C-407E-A947-70E740481C1C}">
+                    <a14:useLocalDpi xmlns:a14="http://schemas.microsoft.com/office/drawing/2010/main" val="0"/>
+                  </a:ext>
+                </a:extLst>
+              </a:blip>
+              <a:stretch>
+                <a:fillRect/>
+              </a:stretch>
+            </p:blipFill>
+            <p:spPr>
+              <a:xfrm>
+                <a:off x="4784055" y="1399910"/>
+                <a:ext cx="762000" cy="762000"/>
+              </a:xfrm>
+              <a:prstGeom prst="rect">
+                <a:avLst/>
+              </a:prstGeom>
+            </p:spPr>
+          </p:pic>
+          <p:sp>
+            <p:nvSpPr>
+              <p:cNvPr id="16" name="TextBox 15">
+                <a:extLst>
+                  <a:ext uri="{FF2B5EF4-FFF2-40B4-BE49-F238E27FC236}">
+                    <a16:creationId xmlns:a16="http://schemas.microsoft.com/office/drawing/2014/main" id="{C7297638-BCAA-45D4-B6A3-BF17EB60BA93}"/>
+                  </a:ext>
+                </a:extLst>
+              </p:cNvPr>
+              <p:cNvSpPr txBox="1"/>
+              <p:nvPr/>
+            </p:nvSpPr>
+            <p:spPr>
+              <a:xfrm>
+                <a:off x="4718527" y="2149073"/>
+                <a:ext cx="874470" cy="461665"/>
+              </a:xfrm>
+              <a:prstGeom prst="rect">
+                <a:avLst/>
+              </a:prstGeom>
+              <a:noFill/>
+            </p:spPr>
+            <p:txBody>
+              <a:bodyPr wrap="none" rtlCol="0">
+                <a:spAutoFit/>
+              </a:bodyPr>
+              <a:lstStyle/>
+              <a:p>
+                <a:pPr algn="ctr"/>
+                <a:r>
+                  <a:rPr lang="en-US" sz="1200" dirty="0"/>
+                  <a:t>(IIS) Web</a:t>
+                </a:r>
+              </a:p>
+              <a:p>
+                <a:pPr algn="ctr"/>
+                <a:r>
+                  <a:rPr lang="en-US" sz="1200" dirty="0"/>
+                  <a:t>application</a:t>
+                </a:r>
+              </a:p>
+            </p:txBody>
+          </p:sp>
+          <p:sp>
+            <p:nvSpPr>
+              <p:cNvPr id="23" name="TextBox 22">
+                <a:extLst>
+                  <a:ext uri="{FF2B5EF4-FFF2-40B4-BE49-F238E27FC236}">
+                    <a16:creationId xmlns:a16="http://schemas.microsoft.com/office/drawing/2014/main" id="{F027195D-C535-4F21-A4CF-2066DDAADD9B}"/>
+                  </a:ext>
+                </a:extLst>
+              </p:cNvPr>
+              <p:cNvSpPr txBox="1"/>
+              <p:nvPr/>
+            </p:nvSpPr>
+            <p:spPr>
+              <a:xfrm>
+                <a:off x="3935192" y="2116430"/>
+                <a:ext cx="823239" cy="276999"/>
+              </a:xfrm>
+              <a:prstGeom prst="rect">
+                <a:avLst/>
+              </a:prstGeom>
+              <a:noFill/>
+            </p:spPr>
+            <p:txBody>
+              <a:bodyPr wrap="none" rtlCol="0">
+                <a:spAutoFit/>
+              </a:bodyPr>
+              <a:lstStyle/>
+              <a:p>
+                <a:pPr algn="ctr"/>
+                <a:r>
+                  <a:rPr lang="en-US" sz="1200" dirty="0"/>
+                  <a:t>Dxf parser</a:t>
+                </a:r>
+              </a:p>
+            </p:txBody>
+          </p:sp>
+          <p:sp>
+            <p:nvSpPr>
+              <p:cNvPr id="29" name="TextBox 28">
+                <a:extLst>
+                  <a:ext uri="{FF2B5EF4-FFF2-40B4-BE49-F238E27FC236}">
+                    <a16:creationId xmlns:a16="http://schemas.microsoft.com/office/drawing/2014/main" id="{DA84F55A-5938-4575-B653-4799EC536EC3}"/>
+                  </a:ext>
+                </a:extLst>
+              </p:cNvPr>
+              <p:cNvSpPr txBox="1"/>
+              <p:nvPr/>
+            </p:nvSpPr>
+            <p:spPr>
+              <a:xfrm>
+                <a:off x="3021309" y="2161910"/>
+                <a:ext cx="450764" cy="276999"/>
+              </a:xfrm>
+              <a:prstGeom prst="rect">
+                <a:avLst/>
+              </a:prstGeom>
+              <a:noFill/>
+            </p:spPr>
+            <p:txBody>
+              <a:bodyPr wrap="none" rtlCol="0">
+                <a:spAutoFit/>
+              </a:bodyPr>
+              <a:lstStyle/>
+              <a:p>
+                <a:pPr algn="ctr"/>
+                <a:r>
+                  <a:rPr lang="en-US" sz="1200" dirty="0"/>
+                  <a:t>CAD</a:t>
+                </a:r>
+              </a:p>
+            </p:txBody>
+          </p:sp>
+          <p:pic>
+            <p:nvPicPr>
+              <p:cNvPr id="44" name="Picture 43">
+                <a:extLst>
+                  <a:ext uri="{FF2B5EF4-FFF2-40B4-BE49-F238E27FC236}">
+                    <a16:creationId xmlns:a16="http://schemas.microsoft.com/office/drawing/2014/main" id="{C8F8B140-D510-42C6-B9E7-1EC01E24E804}"/>
+                  </a:ext>
+                </a:extLst>
+              </p:cNvPr>
+              <p:cNvPicPr>
+                <a:picLocks noChangeAspect="1"/>
+              </p:cNvPicPr>
+              <p:nvPr/>
+            </p:nvPicPr>
+            <p:blipFill>
+              <a:blip r:embed="rId2">
+                <a:extLst>
+                  <a:ext uri="{28A0092B-C50C-407E-A947-70E740481C1C}">
+                    <a14:useLocalDpi xmlns:a14="http://schemas.microsoft.com/office/drawing/2010/main" val="0"/>
+                  </a:ext>
+                </a:extLst>
+              </a:blip>
+              <a:stretch>
+                <a:fillRect/>
+              </a:stretch>
+            </p:blipFill>
+            <p:spPr>
+              <a:xfrm>
+                <a:off x="5628478" y="1375258"/>
+                <a:ext cx="762000" cy="762000"/>
+              </a:xfrm>
+              <a:prstGeom prst="rect">
+                <a:avLst/>
+              </a:prstGeom>
+            </p:spPr>
+          </p:pic>
+          <p:sp>
+            <p:nvSpPr>
+              <p:cNvPr id="45" name="TextBox 44">
+                <a:extLst>
+                  <a:ext uri="{FF2B5EF4-FFF2-40B4-BE49-F238E27FC236}">
+                    <a16:creationId xmlns:a16="http://schemas.microsoft.com/office/drawing/2014/main" id="{6B00355F-19D7-4007-8CA5-66A2C604458B}"/>
+                  </a:ext>
+                </a:extLst>
+              </p:cNvPr>
+              <p:cNvSpPr txBox="1"/>
+              <p:nvPr/>
+            </p:nvSpPr>
+            <p:spPr>
+              <a:xfrm>
+                <a:off x="5635568" y="2124421"/>
+                <a:ext cx="729239" cy="461665"/>
+              </a:xfrm>
+              <a:prstGeom prst="rect">
+                <a:avLst/>
+              </a:prstGeom>
+              <a:noFill/>
+            </p:spPr>
+            <p:txBody>
+              <a:bodyPr wrap="none" rtlCol="0">
+                <a:spAutoFit/>
+              </a:bodyPr>
+              <a:lstStyle/>
+              <a:p>
+                <a:pPr algn="ctr"/>
+                <a:r>
+                  <a:rPr lang="en-US" sz="1200" dirty="0"/>
+                  <a:t>API</a:t>
+                </a:r>
+              </a:p>
+              <a:p>
+                <a:pPr algn="ctr"/>
+                <a:r>
+                  <a:rPr lang="en-US" sz="1200" dirty="0"/>
+                  <a:t>Gateway</a:t>
+                </a:r>
+              </a:p>
+            </p:txBody>
+          </p:sp>
+        </p:grpSp>
+        <p:pic>
+          <p:nvPicPr>
+            <p:cNvPr id="22" name="Picture 21" descr="A yellow and white file with black text&#10;&#10;Description automatically generated">
+              <a:extLst>
+                <a:ext uri="{FF2B5EF4-FFF2-40B4-BE49-F238E27FC236}">
+                  <a16:creationId xmlns:a16="http://schemas.microsoft.com/office/drawing/2014/main" id="{D2A317AA-9CE7-4060-B90F-54F7C882932F}"/>
+                </a:ext>
+              </a:extLst>
+            </p:cNvPr>
+            <p:cNvPicPr>
+              <a:picLocks noChangeAspect="1"/>
+            </p:cNvPicPr>
+            <p:nvPr/>
+          </p:nvPicPr>
+          <p:blipFill>
+            <a:blip r:embed="rId4">
+              <a:extLst>
+                <a:ext uri="{28A0092B-C50C-407E-A947-70E740481C1C}">
+                  <a14:useLocalDpi xmlns:a14="http://schemas.microsoft.com/office/drawing/2010/main" val="0"/>
+                </a:ext>
+              </a:extLst>
+            </a:blip>
+            <a:stretch>
+              <a:fillRect/>
+            </a:stretch>
+          </p:blipFill>
+          <p:spPr>
+            <a:xfrm>
+              <a:off x="1866770" y="2178050"/>
+              <a:ext cx="532913" cy="532913"/>
+            </a:xfrm>
+            <a:prstGeom prst="rect">
+              <a:avLst/>
+            </a:prstGeom>
+          </p:spPr>
+        </p:pic>
+      </p:grpSp>
+      <p:pic>
+        <p:nvPicPr>
+          <p:cNvPr id="25" name="Picture 24" descr="A pink and blue cube on a black background&#10;&#10;Description automatically generated">
+            <a:extLst>
+              <a:ext uri="{FF2B5EF4-FFF2-40B4-BE49-F238E27FC236}">
+                <a16:creationId xmlns:a16="http://schemas.microsoft.com/office/drawing/2014/main" id="{2E6A43A8-5614-4389-A872-D166EB21D6F6}"/>
+              </a:ext>
+            </a:extLst>
+          </p:cNvPr>
+          <p:cNvPicPr>
+            <a:picLocks noChangeAspect="1"/>
+          </p:cNvPicPr>
+          <p:nvPr/>
+        </p:nvPicPr>
+        <p:blipFill>
+          <a:blip r:embed="rId5">
+            <a:extLst>
+              <a:ext uri="{28A0092B-C50C-407E-A947-70E740481C1C}">
+                <a14:useLocalDpi xmlns:a14="http://schemas.microsoft.com/office/drawing/2010/main" val="0"/>
+              </a:ext>
+            </a:extLst>
+          </a:blip>
+          <a:stretch>
+            <a:fillRect/>
+          </a:stretch>
+        </p:blipFill>
+        <p:spPr>
+          <a:xfrm>
+            <a:off x="1226284" y="1919825"/>
+            <a:ext cx="671412" cy="671412"/>
+          </a:xfrm>
+          <a:prstGeom prst="rect">
+            <a:avLst/>
+          </a:prstGeom>
+        </p:spPr>
+      </p:pic>
+      <p:pic>
+        <p:nvPicPr>
+          <p:cNvPr id="27" name="Picture 26" descr="A neon sign with a gear in the middle&#10;&#10;Description automatically generated">
+            <a:extLst>
+              <a:ext uri="{FF2B5EF4-FFF2-40B4-BE49-F238E27FC236}">
+                <a16:creationId xmlns:a16="http://schemas.microsoft.com/office/drawing/2014/main" id="{843AB7F4-5B4F-4CDB-9B9C-AEFED5AB8C0D}"/>
+              </a:ext>
+            </a:extLst>
+          </p:cNvPr>
+          <p:cNvPicPr>
+            <a:picLocks noChangeAspect="1"/>
+          </p:cNvPicPr>
+          <p:nvPr/>
+        </p:nvPicPr>
+        <p:blipFill>
+          <a:blip r:embed="rId6">
+            <a:extLst>
+              <a:ext uri="{28A0092B-C50C-407E-A947-70E740481C1C}">
+                <a14:useLocalDpi xmlns:a14="http://schemas.microsoft.com/office/drawing/2010/main" val="0"/>
+              </a:ext>
+            </a:extLst>
+          </a:blip>
+          <a:stretch>
+            <a:fillRect/>
+          </a:stretch>
+        </p:blipFill>
+        <p:spPr>
+          <a:xfrm>
+            <a:off x="5051636" y="1791574"/>
+            <a:ext cx="534863" cy="534863"/>
+          </a:xfrm>
+          <a:prstGeom prst="rect">
+            <a:avLst/>
+          </a:prstGeom>
+        </p:spPr>
+      </p:pic>
+      <p:cxnSp>
+        <p:nvCxnSpPr>
+          <p:cNvPr id="30" name="Straight Arrow Connector 29">
+            <a:extLst>
+              <a:ext uri="{FF2B5EF4-FFF2-40B4-BE49-F238E27FC236}">
+                <a16:creationId xmlns:a16="http://schemas.microsoft.com/office/drawing/2014/main" id="{F6A59710-5036-49F6-B5BE-40B23470E5AE}"/>
+              </a:ext>
+            </a:extLst>
+          </p:cNvPr>
+          <p:cNvCxnSpPr>
+            <a:cxnSpLocks/>
+            <a:stCxn id="25" idx="3"/>
+            <a:endCxn id="22" idx="1"/>
+          </p:cNvCxnSpPr>
+          <p:nvPr/>
+        </p:nvCxnSpPr>
+        <p:spPr>
+          <a:xfrm>
+            <a:off x="1897696" y="2255531"/>
+            <a:ext cx="451712" cy="1"/>
+          </a:xfrm>
+          <a:prstGeom prst="straightConnector1">
+            <a:avLst/>
+          </a:prstGeom>
+          <a:ln>
+            <a:tailEnd type="triangle"/>
+          </a:ln>
+        </p:spPr>
+        <p:style>
+          <a:lnRef idx="1">
+            <a:schemeClr val="accent1"/>
+          </a:lnRef>
+          <a:fillRef idx="0">
+            <a:schemeClr val="accent1"/>
+          </a:fillRef>
+          <a:effectRef idx="0">
+            <a:schemeClr val="accent1"/>
+          </a:effectRef>
+          <a:fontRef idx="minor">
+            <a:schemeClr val="tx1"/>
+          </a:fontRef>
+        </p:style>
+      </p:cxnSp>
+      <p:cxnSp>
+        <p:nvCxnSpPr>
+          <p:cNvPr id="37" name="Straight Arrow Connector 36">
+            <a:extLst>
+              <a:ext uri="{FF2B5EF4-FFF2-40B4-BE49-F238E27FC236}">
+                <a16:creationId xmlns:a16="http://schemas.microsoft.com/office/drawing/2014/main" id="{E394590F-D544-484D-A648-3E3753C22C2E}"/>
+              </a:ext>
+            </a:extLst>
+          </p:cNvPr>
+          <p:cNvCxnSpPr>
+            <a:cxnSpLocks/>
+            <a:stCxn id="8" idx="1"/>
+            <a:endCxn id="14" idx="3"/>
+          </p:cNvCxnSpPr>
+          <p:nvPr/>
+        </p:nvCxnSpPr>
+        <p:spPr>
+          <a:xfrm flipH="1" flipV="1">
+            <a:off x="4857750" y="2326438"/>
+            <a:ext cx="768349" cy="39"/>
+          </a:xfrm>
+          <a:prstGeom prst="straightConnector1">
+            <a:avLst/>
+          </a:prstGeom>
+          <a:ln>
+            <a:tailEnd type="triangle"/>
+          </a:ln>
+        </p:spPr>
+        <p:style>
+          <a:lnRef idx="1">
+            <a:schemeClr val="accent1"/>
+          </a:lnRef>
+          <a:fillRef idx="0">
+            <a:schemeClr val="accent1"/>
+          </a:fillRef>
+          <a:effectRef idx="0">
+            <a:schemeClr val="accent1"/>
+          </a:effectRef>
+          <a:fontRef idx="minor">
+            <a:schemeClr val="tx1"/>
+          </a:fontRef>
+        </p:style>
+      </p:cxnSp>
+    </p:spTree>
+    <p:extLst>
+      <p:ext uri="{BB962C8B-B14F-4D97-AF65-F5344CB8AC3E}">
+        <p14:creationId xmlns:p14="http://schemas.microsoft.com/office/powerpoint/2010/main" val="1353937148"/>
+      </p:ext>
+    </p:extLst>
+  </p:cSld>
+  <p:clrMapOvr>
+    <a:masterClrMapping/>
+  </p:clrMapOvr>
+</p:sld>
+</file>
+
+<file path=ppt/slides/slide3.xml><?xml version="1.0" encoding="utf-8"?>
+<p:sld xmlns:a="http://schemas.openxmlformats.org/drawingml/2006/main" xmlns:r="http://schemas.openxmlformats.org/officeDocument/2006/relationships" xmlns:p="http://schemas.openxmlformats.org/presentationml/2006/main">
+  <p:cSld>
+    <p:spTree>
+      <p:nvGrpSpPr>
+        <p:cNvPr id="1" name=""/>
+        <p:cNvGrpSpPr/>
+        <p:nvPr/>
+      </p:nvGrpSpPr>
+      <p:grpSpPr>
+        <a:xfrm>
+          <a:off x="0" y="0"/>
+          <a:ext cx="0" cy="0"/>
+          <a:chOff x="0" y="0"/>
+          <a:chExt cx="0" cy="0"/>
+        </a:xfrm>
+      </p:grpSpPr>
+      <p:grpSp>
+        <p:nvGrpSpPr>
+          <p:cNvPr id="4" name="Group 3">
+            <a:extLst>
+              <a:ext uri="{FF2B5EF4-FFF2-40B4-BE49-F238E27FC236}">
+                <a16:creationId xmlns:a16="http://schemas.microsoft.com/office/drawing/2014/main" id="{1C4070ED-A50F-4E84-A7E1-E4FEE2E7475E}"/>
+              </a:ext>
+            </a:extLst>
+          </p:cNvPr>
+          <p:cNvGrpSpPr/>
+          <p:nvPr/>
+        </p:nvGrpSpPr>
+        <p:grpSpPr>
+          <a:xfrm>
+            <a:off x="6603023" y="1497249"/>
+            <a:ext cx="4840811" cy="2107596"/>
+            <a:chOff x="2408817" y="1104242"/>
+            <a:chExt cx="5538294" cy="2411267"/>
+          </a:xfrm>
+        </p:grpSpPr>
+        <p:pic>
+          <p:nvPicPr>
+            <p:cNvPr id="5" name="Picture 2" descr="GitHub - hyperledger/fabric: Hyperledger Fabric is an enterprise-grade  permissioned distributed ledger framework for developing solutions and  applications. Its modular and versatile design satisfies a broad range of  industry use cases. It offers">
+              <a:extLst>
+                <a:ext uri="{FF2B5EF4-FFF2-40B4-BE49-F238E27FC236}">
+                  <a16:creationId xmlns:a16="http://schemas.microsoft.com/office/drawing/2014/main" id="{130754FF-9307-4B8F-8FB5-5F4C45A5093B}"/>
+                </a:ext>
+              </a:extLst>
+            </p:cNvPr>
+            <p:cNvPicPr>
+              <a:picLocks noChangeAspect="1" noChangeArrowheads="1"/>
+            </p:cNvPicPr>
+            <p:nvPr/>
+          </p:nvPicPr>
+          <p:blipFill>
+            <a:blip r:embed="rId2">
+              <a:extLst>
+                <a:ext uri="{28A0092B-C50C-407E-A947-70E740481C1C}">
+                  <a14:useLocalDpi xmlns:a14="http://schemas.microsoft.com/office/drawing/2010/main" val="0"/>
+                </a:ext>
+              </a:extLst>
+            </a:blip>
+            <a:srcRect/>
+            <a:stretch>
+              <a:fillRect/>
+            </a:stretch>
+          </p:blipFill>
+          <p:spPr bwMode="auto">
+            <a:xfrm>
+              <a:off x="7021168" y="1104242"/>
+              <a:ext cx="925943" cy="462972"/>
+            </a:xfrm>
+            <a:prstGeom prst="rect">
+              <a:avLst/>
+            </a:prstGeom>
+            <a:noFill/>
+            <a:extLst>
+              <a:ext uri="{909E8E84-426E-40DD-AFC4-6F175D3DCCD1}">
+                <a14:hiddenFill xmlns:a14="http://schemas.microsoft.com/office/drawing/2010/main">
+                  <a:solidFill>
+                    <a:srgbClr val="FFFFFF"/>
+                  </a:solidFill>
+                </a14:hiddenFill>
+              </a:ext>
+            </a:extLst>
+          </p:spPr>
+        </p:pic>
+        <p:pic>
+          <p:nvPicPr>
+            <p:cNvPr id="6" name="Picture 6" descr="컴퓨터, 데이터, 데이터 베이스, 도표, 예배 규칙서, 문서, 파일, 폴더, 회로망, 인쇄기">
+              <a:extLst>
+                <a:ext uri="{FF2B5EF4-FFF2-40B4-BE49-F238E27FC236}">
+                  <a16:creationId xmlns:a16="http://schemas.microsoft.com/office/drawing/2014/main" id="{076A4A9C-CDA2-4100-8E2E-AE8CE08E7118}"/>
+                </a:ext>
+              </a:extLst>
+            </p:cNvPr>
+            <p:cNvPicPr>
+              <a:picLocks noChangeAspect="1" noChangeArrowheads="1"/>
+            </p:cNvPicPr>
+            <p:nvPr/>
+          </p:nvPicPr>
+          <p:blipFill rotWithShape="1">
+            <a:blip r:embed="rId3">
+              <a:extLst>
+                <a:ext uri="{28A0092B-C50C-407E-A947-70E740481C1C}">
+                  <a14:useLocalDpi xmlns:a14="http://schemas.microsoft.com/office/drawing/2010/main" val="0"/>
+                </a:ext>
+              </a:extLst>
+            </a:blip>
+            <a:srcRect l="39644" t="70274" r="41198"/>
+            <a:stretch/>
+          </p:blipFill>
+          <p:spPr bwMode="auto">
+            <a:xfrm>
+              <a:off x="5053716" y="1732725"/>
+              <a:ext cx="433392" cy="672460"/>
+            </a:xfrm>
+            <a:prstGeom prst="rect">
+              <a:avLst/>
+            </a:prstGeom>
+            <a:noFill/>
+            <a:extLst>
+              <a:ext uri="{909E8E84-426E-40DD-AFC4-6F175D3DCCD1}">
+                <a14:hiddenFill xmlns:a14="http://schemas.microsoft.com/office/drawing/2010/main">
+                  <a:solidFill>
+                    <a:srgbClr val="FFFFFF"/>
+                  </a:solidFill>
+                </a14:hiddenFill>
+              </a:ext>
+            </a:extLst>
+          </p:spPr>
+        </p:pic>
+        <p:pic>
+          <p:nvPicPr>
+            <p:cNvPr id="7" name="Picture 6" descr="컴퓨터, 데이터, 데이터 베이스, 도표, 예배 규칙서, 문서, 파일, 폴더, 회로망, 인쇄기">
+              <a:extLst>
+                <a:ext uri="{FF2B5EF4-FFF2-40B4-BE49-F238E27FC236}">
+                  <a16:creationId xmlns:a16="http://schemas.microsoft.com/office/drawing/2014/main" id="{F3F8329E-AE97-4188-B845-552A9A2DD03B}"/>
+                </a:ext>
+              </a:extLst>
+            </p:cNvPr>
+            <p:cNvPicPr>
+              <a:picLocks noChangeAspect="1" noChangeArrowheads="1"/>
+            </p:cNvPicPr>
+            <p:nvPr/>
+          </p:nvPicPr>
+          <p:blipFill rotWithShape="1">
+            <a:blip r:embed="rId3">
+              <a:extLst>
+                <a:ext uri="{28A0092B-C50C-407E-A947-70E740481C1C}">
+                  <a14:useLocalDpi xmlns:a14="http://schemas.microsoft.com/office/drawing/2010/main" val="0"/>
+                </a:ext>
+              </a:extLst>
+            </a:blip>
+            <a:srcRect l="39644" t="70274" r="41198"/>
+            <a:stretch/>
+          </p:blipFill>
+          <p:spPr bwMode="auto">
+            <a:xfrm>
+              <a:off x="5483618" y="1732725"/>
+              <a:ext cx="433392" cy="672460"/>
+            </a:xfrm>
+            <a:prstGeom prst="rect">
+              <a:avLst/>
+            </a:prstGeom>
+            <a:noFill/>
+            <a:extLst>
+              <a:ext uri="{909E8E84-426E-40DD-AFC4-6F175D3DCCD1}">
+                <a14:hiddenFill xmlns:a14="http://schemas.microsoft.com/office/drawing/2010/main">
+                  <a:solidFill>
+                    <a:srgbClr val="FFFFFF"/>
+                  </a:solidFill>
+                </a14:hiddenFill>
+              </a:ext>
+            </a:extLst>
+          </p:spPr>
+        </p:pic>
+        <p:pic>
+          <p:nvPicPr>
+            <p:cNvPr id="8" name="Picture 6" descr="컴퓨터, 데이터, 데이터 베이스, 도표, 예배 규칙서, 문서, 파일, 폴더, 회로망, 인쇄기">
+              <a:extLst>
+                <a:ext uri="{FF2B5EF4-FFF2-40B4-BE49-F238E27FC236}">
+                  <a16:creationId xmlns:a16="http://schemas.microsoft.com/office/drawing/2014/main" id="{F199AEB8-8470-43A3-AB5F-DD7AF406806D}"/>
+                </a:ext>
+              </a:extLst>
+            </p:cNvPr>
+            <p:cNvPicPr>
+              <a:picLocks noChangeAspect="1" noChangeArrowheads="1"/>
+            </p:cNvPicPr>
+            <p:nvPr/>
+          </p:nvPicPr>
+          <p:blipFill rotWithShape="1">
+            <a:blip r:embed="rId3">
+              <a:extLst>
+                <a:ext uri="{28A0092B-C50C-407E-A947-70E740481C1C}">
+                  <a14:useLocalDpi xmlns:a14="http://schemas.microsoft.com/office/drawing/2010/main" val="0"/>
+                </a:ext>
+              </a:extLst>
+            </a:blip>
+            <a:srcRect l="39644" t="70274" r="41198"/>
+            <a:stretch/>
+          </p:blipFill>
+          <p:spPr bwMode="auto">
+            <a:xfrm>
+              <a:off x="4620325" y="1732725"/>
+              <a:ext cx="433392" cy="672460"/>
+            </a:xfrm>
+            <a:prstGeom prst="rect">
+              <a:avLst/>
+            </a:prstGeom>
+            <a:noFill/>
+            <a:extLst>
+              <a:ext uri="{909E8E84-426E-40DD-AFC4-6F175D3DCCD1}">
+                <a14:hiddenFill xmlns:a14="http://schemas.microsoft.com/office/drawing/2010/main">
+                  <a:solidFill>
+                    <a:srgbClr val="FFFFFF"/>
+                  </a:solidFill>
+                </a14:hiddenFill>
+              </a:ext>
+            </a:extLst>
+          </p:spPr>
+        </p:pic>
+        <p:sp>
+          <p:nvSpPr>
+            <p:cNvPr id="12" name="Rectangle: Rounded Corners 11">
+              <a:extLst>
+                <a:ext uri="{FF2B5EF4-FFF2-40B4-BE49-F238E27FC236}">
+                  <a16:creationId xmlns:a16="http://schemas.microsoft.com/office/drawing/2014/main" id="{4773D6F2-8445-46F4-B588-2F7A226D50D8}"/>
+                </a:ext>
+              </a:extLst>
+            </p:cNvPr>
+            <p:cNvSpPr/>
+            <p:nvPr/>
+          </p:nvSpPr>
+          <p:spPr>
+            <a:xfrm>
+              <a:off x="2408817" y="1569641"/>
+              <a:ext cx="5492289" cy="1945868"/>
+            </a:xfrm>
+            <a:prstGeom prst="roundRect">
+              <a:avLst>
+                <a:gd name="adj" fmla="val 6131"/>
+              </a:avLst>
+            </a:prstGeom>
+            <a:noFill/>
+          </p:spPr>
+          <p:style>
+            <a:lnRef idx="2">
+              <a:schemeClr val="accent1">
+                <a:shade val="50000"/>
+              </a:schemeClr>
+            </a:lnRef>
+            <a:fillRef idx="1">
+              <a:schemeClr val="accent1"/>
+            </a:fillRef>
+            <a:effectRef idx="0">
+              <a:schemeClr val="accent1"/>
+            </a:effectRef>
+            <a:fontRef idx="minor">
+              <a:schemeClr val="lt1"/>
+            </a:fontRef>
+          </p:style>
+          <p:txBody>
+            <a:bodyPr rtlCol="0" anchor="ctr"/>
+            <a:lstStyle/>
+            <a:p>
+              <a:pPr algn="ctr"/>
+              <a:endParaRPr lang="en-US"/>
+            </a:p>
+          </p:txBody>
+        </p:sp>
+      </p:grpSp>
+      <p:sp>
+        <p:nvSpPr>
+          <p:cNvPr id="13" name="TextBox 12">
+            <a:extLst>
+              <a:ext uri="{FF2B5EF4-FFF2-40B4-BE49-F238E27FC236}">
+                <a16:creationId xmlns:a16="http://schemas.microsoft.com/office/drawing/2014/main" id="{EC14F79B-8E5D-4F11-8A68-EE80DA7B2DA6}"/>
+              </a:ext>
+            </a:extLst>
+          </p:cNvPr>
+          <p:cNvSpPr txBox="1"/>
+          <p:nvPr/>
+        </p:nvSpPr>
+        <p:spPr>
+          <a:xfrm>
+            <a:off x="8483434" y="1595188"/>
+            <a:ext cx="964303" cy="307777"/>
+          </a:xfrm>
+          <a:prstGeom prst="rect">
+            <a:avLst/>
+          </a:prstGeom>
+          <a:noFill/>
+        </p:spPr>
+        <p:txBody>
+          <a:bodyPr wrap="none" rtlCol="0">
+            <a:spAutoFit/>
+          </a:bodyPr>
+          <a:lstStyle/>
+          <a:p>
+            <a:r>
+              <a:rPr lang="en-US" sz="1400" dirty="0"/>
+              <a:t>Blockchain</a:t>
+            </a:r>
+          </a:p>
+        </p:txBody>
+      </p:sp>
+      <p:pic>
+        <p:nvPicPr>
+          <p:cNvPr id="15" name="Picture 14">
+            <a:extLst>
+              <a:ext uri="{FF2B5EF4-FFF2-40B4-BE49-F238E27FC236}">
+                <a16:creationId xmlns:a16="http://schemas.microsoft.com/office/drawing/2014/main" id="{275DFC19-0349-46DC-A116-E9AB22A52A3E}"/>
+              </a:ext>
+            </a:extLst>
+          </p:cNvPr>
+          <p:cNvPicPr>
+            <a:picLocks noChangeAspect="1"/>
+          </p:cNvPicPr>
+          <p:nvPr/>
+        </p:nvPicPr>
+        <p:blipFill>
+          <a:blip r:embed="rId4">
+            <a:extLst>
+              <a:ext uri="{28A0092B-C50C-407E-A947-70E740481C1C}">
+                <a14:useLocalDpi xmlns:a14="http://schemas.microsoft.com/office/drawing/2010/main" val="0"/>
+              </a:ext>
+            </a:extLst>
+          </a:blip>
+          <a:stretch>
+            <a:fillRect/>
+          </a:stretch>
+        </p:blipFill>
+        <p:spPr>
+          <a:xfrm>
+            <a:off x="5299618" y="1833356"/>
+            <a:ext cx="609524" cy="609524"/>
+          </a:xfrm>
+          <a:prstGeom prst="rect">
+            <a:avLst/>
+          </a:prstGeom>
+        </p:spPr>
+      </p:pic>
+      <p:pic>
+        <p:nvPicPr>
+          <p:cNvPr id="16" name="Picture 15">
+            <a:extLst>
+              <a:ext uri="{FF2B5EF4-FFF2-40B4-BE49-F238E27FC236}">
+                <a16:creationId xmlns:a16="http://schemas.microsoft.com/office/drawing/2014/main" id="{FA4C57E3-700B-4A87-A436-693B051F546D}"/>
+              </a:ext>
+            </a:extLst>
+          </p:cNvPr>
+          <p:cNvPicPr>
+            <a:picLocks noChangeAspect="1"/>
+          </p:cNvPicPr>
+          <p:nvPr/>
+        </p:nvPicPr>
+        <p:blipFill>
+          <a:blip r:embed="rId5">
+            <a:extLst>
+              <a:ext uri="{28A0092B-C50C-407E-A947-70E740481C1C}">
+                <a14:useLocalDpi xmlns:a14="http://schemas.microsoft.com/office/drawing/2010/main" val="0"/>
+              </a:ext>
+            </a:extLst>
+          </a:blip>
+          <a:stretch>
+            <a:fillRect/>
+          </a:stretch>
+        </p:blipFill>
+        <p:spPr>
+          <a:xfrm>
+            <a:off x="5223380" y="2309783"/>
+            <a:ext cx="762000" cy="762000"/>
+          </a:xfrm>
+          <a:prstGeom prst="rect">
+            <a:avLst/>
+          </a:prstGeom>
+        </p:spPr>
+      </p:pic>
+      <p:pic>
+        <p:nvPicPr>
+          <p:cNvPr id="20" name="Picture 6" descr="컴퓨터, 데이터, 데이터 베이스, 도표, 예배 규칙서, 문서, 파일, 폴더, 회로망, 인쇄기">
+            <a:extLst>
+              <a:ext uri="{FF2B5EF4-FFF2-40B4-BE49-F238E27FC236}">
+                <a16:creationId xmlns:a16="http://schemas.microsoft.com/office/drawing/2014/main" id="{56407BAF-79EE-453C-9B45-AAFE8717BA58}"/>
+              </a:ext>
+            </a:extLst>
+          </p:cNvPr>
+          <p:cNvPicPr>
+            <a:picLocks noChangeAspect="1" noChangeArrowheads="1"/>
+          </p:cNvPicPr>
+          <p:nvPr/>
+        </p:nvPicPr>
+        <p:blipFill rotWithShape="1">
+          <a:blip r:embed="rId3">
+            <a:extLst>
+              <a:ext uri="{28A0092B-C50C-407E-A947-70E740481C1C}">
+                <a14:useLocalDpi xmlns:a14="http://schemas.microsoft.com/office/drawing/2010/main" val="0"/>
+              </a:ext>
+            </a:extLst>
+          </a:blip>
+          <a:srcRect l="39644" t="70274" r="41198"/>
+          <a:stretch/>
+        </p:blipFill>
+        <p:spPr bwMode="auto">
+          <a:xfrm>
+            <a:off x="8923620" y="2672642"/>
+            <a:ext cx="378811" cy="587771"/>
+          </a:xfrm>
+          <a:prstGeom prst="rect">
+            <a:avLst/>
+          </a:prstGeom>
+          <a:noFill/>
+          <a:extLst>
+            <a:ext uri="{909E8E84-426E-40DD-AFC4-6F175D3DCCD1}">
+              <a14:hiddenFill xmlns:a14="http://schemas.microsoft.com/office/drawing/2010/main">
+                <a:solidFill>
+                  <a:srgbClr val="FFFFFF"/>
+                </a:solidFill>
+              </a14:hiddenFill>
+            </a:ext>
+          </a:extLst>
+        </p:spPr>
+      </p:pic>
+      <p:pic>
+        <p:nvPicPr>
+          <p:cNvPr id="21" name="Picture 20" descr="컴퓨터, 데이터, 데이터 베이스, 도표, 예배 규칙서, 문서, 파일, 폴더, 회로망, 인쇄기">
+            <a:extLst>
+              <a:ext uri="{FF2B5EF4-FFF2-40B4-BE49-F238E27FC236}">
+                <a16:creationId xmlns:a16="http://schemas.microsoft.com/office/drawing/2014/main" id="{1EA2C78C-EB7E-4A25-8285-83433E345B68}"/>
+              </a:ext>
+            </a:extLst>
+          </p:cNvPr>
+          <p:cNvPicPr>
+            <a:picLocks noChangeAspect="1" noChangeArrowheads="1"/>
+          </p:cNvPicPr>
+          <p:nvPr/>
+        </p:nvPicPr>
+        <p:blipFill rotWithShape="1">
+          <a:blip r:embed="rId3">
+            <a:extLst>
+              <a:ext uri="{28A0092B-C50C-407E-A947-70E740481C1C}">
+                <a14:useLocalDpi xmlns:a14="http://schemas.microsoft.com/office/drawing/2010/main" val="0"/>
+              </a:ext>
+            </a:extLst>
+          </a:blip>
+          <a:srcRect l="39644" t="70274" r="41198"/>
+          <a:stretch/>
+        </p:blipFill>
+        <p:spPr bwMode="auto">
+          <a:xfrm>
+            <a:off x="9299380" y="2672642"/>
+            <a:ext cx="378811" cy="587771"/>
+          </a:xfrm>
+          <a:prstGeom prst="rect">
+            <a:avLst/>
+          </a:prstGeom>
+          <a:noFill/>
+          <a:extLst>
+            <a:ext uri="{909E8E84-426E-40DD-AFC4-6F175D3DCCD1}">
+              <a14:hiddenFill xmlns:a14="http://schemas.microsoft.com/office/drawing/2010/main">
+                <a:solidFill>
+                  <a:srgbClr val="FFFFFF"/>
+                </a:solidFill>
+              </a14:hiddenFill>
+            </a:ext>
+          </a:extLst>
+        </p:spPr>
+      </p:pic>
+      <p:pic>
+        <p:nvPicPr>
+          <p:cNvPr id="22" name="Picture 6" descr="컴퓨터, 데이터, 데이터 베이스, 도표, 예배 규칙서, 문서, 파일, 폴더, 회로망, 인쇄기">
+            <a:extLst>
+              <a:ext uri="{FF2B5EF4-FFF2-40B4-BE49-F238E27FC236}">
+                <a16:creationId xmlns:a16="http://schemas.microsoft.com/office/drawing/2014/main" id="{53592FFD-EC68-4FEB-9095-29DA5160273D}"/>
+              </a:ext>
+            </a:extLst>
+          </p:cNvPr>
+          <p:cNvPicPr>
+            <a:picLocks noChangeAspect="1" noChangeArrowheads="1"/>
+          </p:cNvPicPr>
+          <p:nvPr/>
+        </p:nvPicPr>
+        <p:blipFill rotWithShape="1">
+          <a:blip r:embed="rId3">
+            <a:extLst>
+              <a:ext uri="{28A0092B-C50C-407E-A947-70E740481C1C}">
+                <a14:useLocalDpi xmlns:a14="http://schemas.microsoft.com/office/drawing/2010/main" val="0"/>
+              </a:ext>
+            </a:extLst>
+          </a:blip>
+          <a:srcRect l="39644" t="70274" r="41198"/>
+          <a:stretch/>
+        </p:blipFill>
+        <p:spPr bwMode="auto">
+          <a:xfrm>
+            <a:off x="8544809" y="2672642"/>
+            <a:ext cx="378811" cy="587771"/>
+          </a:xfrm>
+          <a:prstGeom prst="rect">
+            <a:avLst/>
+          </a:prstGeom>
+          <a:noFill/>
+          <a:extLst>
+            <a:ext uri="{909E8E84-426E-40DD-AFC4-6F175D3DCCD1}">
+              <a14:hiddenFill xmlns:a14="http://schemas.microsoft.com/office/drawing/2010/main">
+                <a:solidFill>
+                  <a:srgbClr val="FFFFFF"/>
+                </a:solidFill>
+              </a14:hiddenFill>
+            </a:ext>
+          </a:extLst>
+        </p:spPr>
+      </p:pic>
+      <p:pic>
+        <p:nvPicPr>
+          <p:cNvPr id="23" name="Picture 22">
+            <a:extLst>
+              <a:ext uri="{FF2B5EF4-FFF2-40B4-BE49-F238E27FC236}">
+                <a16:creationId xmlns:a16="http://schemas.microsoft.com/office/drawing/2014/main" id="{D785DBE7-EE80-44E7-8549-8D2962956200}"/>
+              </a:ext>
+            </a:extLst>
+          </p:cNvPr>
+          <p:cNvPicPr>
+            <a:picLocks noChangeAspect="1"/>
+          </p:cNvPicPr>
+          <p:nvPr/>
+        </p:nvPicPr>
+        <p:blipFill>
+          <a:blip r:embed="rId6">
+            <a:extLst>
+              <a:ext uri="{28A0092B-C50C-407E-A947-70E740481C1C}">
+                <a14:useLocalDpi xmlns:a14="http://schemas.microsoft.com/office/drawing/2010/main" val="0"/>
+              </a:ext>
+            </a:extLst>
+          </a:blip>
+          <a:stretch>
+            <a:fillRect/>
+          </a:stretch>
+        </p:blipFill>
+        <p:spPr>
+          <a:xfrm>
+            <a:off x="2268143" y="2480866"/>
+            <a:ext cx="609600" cy="609600"/>
+          </a:xfrm>
+          <a:prstGeom prst="rect">
+            <a:avLst/>
+          </a:prstGeom>
+        </p:spPr>
+      </p:pic>
+      <p:pic>
+        <p:nvPicPr>
+          <p:cNvPr id="24" name="Picture 23">
+            <a:extLst>
+              <a:ext uri="{FF2B5EF4-FFF2-40B4-BE49-F238E27FC236}">
+                <a16:creationId xmlns:a16="http://schemas.microsoft.com/office/drawing/2014/main" id="{D6C31982-E2D5-4AA4-A2A9-49DABBD51FFD}"/>
+              </a:ext>
+            </a:extLst>
+          </p:cNvPr>
+          <p:cNvPicPr>
+            <a:picLocks noChangeAspect="1"/>
+          </p:cNvPicPr>
+          <p:nvPr/>
+        </p:nvPicPr>
+        <p:blipFill>
+          <a:blip r:embed="rId7">
+            <a:extLst>
+              <a:ext uri="{28A0092B-C50C-407E-A947-70E740481C1C}">
+                <a14:useLocalDpi xmlns:a14="http://schemas.microsoft.com/office/drawing/2010/main" val="0"/>
+              </a:ext>
+            </a:extLst>
+          </a:blip>
+          <a:stretch>
+            <a:fillRect/>
+          </a:stretch>
+        </p:blipFill>
+        <p:spPr>
+          <a:xfrm>
+            <a:off x="10000864" y="2284399"/>
+            <a:ext cx="378811" cy="392260"/>
+          </a:xfrm>
+          <a:prstGeom prst="rect">
+            <a:avLst/>
+          </a:prstGeom>
+        </p:spPr>
+      </p:pic>
+      <p:pic>
+        <p:nvPicPr>
+          <p:cNvPr id="25" name="Picture 24">
+            <a:extLst>
+              <a:ext uri="{FF2B5EF4-FFF2-40B4-BE49-F238E27FC236}">
+                <a16:creationId xmlns:a16="http://schemas.microsoft.com/office/drawing/2014/main" id="{5FD8A406-C4E6-44C5-AF83-78C55FA17612}"/>
+              </a:ext>
+            </a:extLst>
+          </p:cNvPr>
+          <p:cNvPicPr>
+            <a:picLocks noChangeAspect="1"/>
+          </p:cNvPicPr>
+          <p:nvPr/>
+        </p:nvPicPr>
+        <p:blipFill>
+          <a:blip r:embed="rId7">
+            <a:extLst>
+              <a:ext uri="{28A0092B-C50C-407E-A947-70E740481C1C}">
+                <a14:useLocalDpi xmlns:a14="http://schemas.microsoft.com/office/drawing/2010/main" val="0"/>
+              </a:ext>
+            </a:extLst>
+          </a:blip>
+          <a:stretch>
+            <a:fillRect/>
+          </a:stretch>
+        </p:blipFill>
+        <p:spPr>
+          <a:xfrm>
+            <a:off x="10379675" y="2284399"/>
+            <a:ext cx="378811" cy="392260"/>
+          </a:xfrm>
+          <a:prstGeom prst="rect">
+            <a:avLst/>
+          </a:prstGeom>
+        </p:spPr>
+      </p:pic>
+      <p:pic>
+        <p:nvPicPr>
+          <p:cNvPr id="26" name="Picture 25">
+            <a:extLst>
+              <a:ext uri="{FF2B5EF4-FFF2-40B4-BE49-F238E27FC236}">
+                <a16:creationId xmlns:a16="http://schemas.microsoft.com/office/drawing/2014/main" id="{9DA9528A-A623-4FF3-A86B-E324A40CA6FB}"/>
+              </a:ext>
+            </a:extLst>
+          </p:cNvPr>
+          <p:cNvPicPr>
+            <a:picLocks noChangeAspect="1"/>
+          </p:cNvPicPr>
+          <p:nvPr/>
+        </p:nvPicPr>
+        <p:blipFill>
+          <a:blip r:embed="rId7">
+            <a:extLst>
+              <a:ext uri="{28A0092B-C50C-407E-A947-70E740481C1C}">
+                <a14:useLocalDpi xmlns:a14="http://schemas.microsoft.com/office/drawing/2010/main" val="0"/>
+              </a:ext>
+            </a:extLst>
+          </a:blip>
+          <a:stretch>
+            <a:fillRect/>
+          </a:stretch>
+        </p:blipFill>
+        <p:spPr>
+          <a:xfrm>
+            <a:off x="10775511" y="2284399"/>
+            <a:ext cx="378811" cy="392260"/>
+          </a:xfrm>
+          <a:prstGeom prst="rect">
+            <a:avLst/>
+          </a:prstGeom>
+        </p:spPr>
+      </p:pic>
+      <p:pic>
+        <p:nvPicPr>
+          <p:cNvPr id="27" name="Picture 26">
+            <a:extLst>
+              <a:ext uri="{FF2B5EF4-FFF2-40B4-BE49-F238E27FC236}">
+                <a16:creationId xmlns:a16="http://schemas.microsoft.com/office/drawing/2014/main" id="{115DBAEB-0531-4886-9F18-B2D6D2CD8872}"/>
+              </a:ext>
+            </a:extLst>
+          </p:cNvPr>
+          <p:cNvPicPr>
+            <a:picLocks noChangeAspect="1"/>
+          </p:cNvPicPr>
+          <p:nvPr/>
+        </p:nvPicPr>
+        <p:blipFill>
+          <a:blip r:embed="rId7">
+            <a:extLst>
+              <a:ext uri="{28A0092B-C50C-407E-A947-70E740481C1C}">
+                <a14:useLocalDpi xmlns:a14="http://schemas.microsoft.com/office/drawing/2010/main" val="0"/>
+              </a:ext>
+            </a:extLst>
+          </a:blip>
+          <a:stretch>
+            <a:fillRect/>
+          </a:stretch>
+        </p:blipFill>
+        <p:spPr>
+          <a:xfrm>
+            <a:off x="9992166" y="2708704"/>
+            <a:ext cx="378811" cy="392260"/>
+          </a:xfrm>
+          <a:prstGeom prst="rect">
+            <a:avLst/>
+          </a:prstGeom>
+        </p:spPr>
+      </p:pic>
+      <p:pic>
+        <p:nvPicPr>
+          <p:cNvPr id="28" name="Picture 27">
+            <a:extLst>
+              <a:ext uri="{FF2B5EF4-FFF2-40B4-BE49-F238E27FC236}">
+                <a16:creationId xmlns:a16="http://schemas.microsoft.com/office/drawing/2014/main" id="{86A2FF9B-BC20-4D72-B4A9-3B3CB50C2850}"/>
+              </a:ext>
+            </a:extLst>
+          </p:cNvPr>
+          <p:cNvPicPr>
+            <a:picLocks noChangeAspect="1"/>
+          </p:cNvPicPr>
+          <p:nvPr/>
+        </p:nvPicPr>
+        <p:blipFill>
+          <a:blip r:embed="rId7">
+            <a:extLst>
+              <a:ext uri="{28A0092B-C50C-407E-A947-70E740481C1C}">
+                <a14:useLocalDpi xmlns:a14="http://schemas.microsoft.com/office/drawing/2010/main" val="0"/>
+              </a:ext>
+            </a:extLst>
+          </a:blip>
+          <a:stretch>
+            <a:fillRect/>
+          </a:stretch>
+        </p:blipFill>
+        <p:spPr>
+          <a:xfrm>
+            <a:off x="10370977" y="2708704"/>
+            <a:ext cx="378811" cy="392260"/>
+          </a:xfrm>
+          <a:prstGeom prst="rect">
+            <a:avLst/>
+          </a:prstGeom>
+        </p:spPr>
+      </p:pic>
+      <p:pic>
+        <p:nvPicPr>
+          <p:cNvPr id="29" name="Picture 28">
+            <a:extLst>
+              <a:ext uri="{FF2B5EF4-FFF2-40B4-BE49-F238E27FC236}">
+                <a16:creationId xmlns:a16="http://schemas.microsoft.com/office/drawing/2014/main" id="{72F4CB13-4D69-4E37-A5D6-5FD68E2D8F7F}"/>
+              </a:ext>
+            </a:extLst>
+          </p:cNvPr>
+          <p:cNvPicPr>
+            <a:picLocks noChangeAspect="1"/>
+          </p:cNvPicPr>
+          <p:nvPr/>
+        </p:nvPicPr>
+        <p:blipFill>
+          <a:blip r:embed="rId7">
+            <a:extLst>
+              <a:ext uri="{28A0092B-C50C-407E-A947-70E740481C1C}">
+                <a14:useLocalDpi xmlns:a14="http://schemas.microsoft.com/office/drawing/2010/main" val="0"/>
+              </a:ext>
+            </a:extLst>
+          </a:blip>
+          <a:stretch>
+            <a:fillRect/>
+          </a:stretch>
+        </p:blipFill>
+        <p:spPr>
+          <a:xfrm>
+            <a:off x="10766813" y="2708704"/>
+            <a:ext cx="378811" cy="392260"/>
+          </a:xfrm>
+          <a:prstGeom prst="rect">
+            <a:avLst/>
+          </a:prstGeom>
+        </p:spPr>
+      </p:pic>
+      <p:pic>
+        <p:nvPicPr>
+          <p:cNvPr id="30" name="Picture 6" descr="컴퓨터, 데이터, 데이터 베이스, 도표, 예배 규칙서, 문서, 파일, 폴더, 회로망, 인쇄기">
+            <a:extLst>
+              <a:ext uri="{FF2B5EF4-FFF2-40B4-BE49-F238E27FC236}">
+                <a16:creationId xmlns:a16="http://schemas.microsoft.com/office/drawing/2014/main" id="{1E2C81B5-2FCE-4F7F-9EC2-E808BFA2740D}"/>
+              </a:ext>
+            </a:extLst>
+          </p:cNvPr>
+          <p:cNvPicPr>
+            <a:picLocks noChangeAspect="1" noChangeArrowheads="1"/>
+          </p:cNvPicPr>
+          <p:nvPr/>
+        </p:nvPicPr>
+        <p:blipFill rotWithShape="1">
+          <a:blip r:embed="rId3">
+            <a:extLst>
+              <a:ext uri="{28A0092B-C50C-407E-A947-70E740481C1C}">
+                <a14:useLocalDpi xmlns:a14="http://schemas.microsoft.com/office/drawing/2010/main" val="0"/>
+              </a:ext>
+            </a:extLst>
+          </a:blip>
+          <a:srcRect l="39644" t="70274" r="41198"/>
+          <a:stretch/>
+        </p:blipFill>
+        <p:spPr bwMode="auto">
+          <a:xfrm>
+            <a:off x="7961234" y="2340552"/>
+            <a:ext cx="378811" cy="587771"/>
+          </a:xfrm>
+          <a:prstGeom prst="rect">
+            <a:avLst/>
+          </a:prstGeom>
+          <a:noFill/>
+          <a:extLst>
+            <a:ext uri="{909E8E84-426E-40DD-AFC4-6F175D3DCCD1}">
+              <a14:hiddenFill xmlns:a14="http://schemas.microsoft.com/office/drawing/2010/main">
+                <a:solidFill>
+                  <a:srgbClr val="FFFFFF"/>
+                </a:solidFill>
+              </a14:hiddenFill>
+            </a:ext>
+          </a:extLst>
+        </p:spPr>
+      </p:pic>
+      <p:pic>
+        <p:nvPicPr>
+          <p:cNvPr id="31" name="Picture 6" descr="컴퓨터, 데이터, 데이터 베이스, 도표, 예배 규칙서, 문서, 파일, 폴더, 회로망, 인쇄기">
+            <a:extLst>
+              <a:ext uri="{FF2B5EF4-FFF2-40B4-BE49-F238E27FC236}">
+                <a16:creationId xmlns:a16="http://schemas.microsoft.com/office/drawing/2014/main" id="{39CE0168-6034-4234-80AF-F5AA6C8AE31C}"/>
+              </a:ext>
+            </a:extLst>
+          </p:cNvPr>
+          <p:cNvPicPr>
+            <a:picLocks noChangeAspect="1" noChangeArrowheads="1"/>
+          </p:cNvPicPr>
+          <p:nvPr/>
+        </p:nvPicPr>
+        <p:blipFill rotWithShape="1">
+          <a:blip r:embed="rId3">
+            <a:extLst>
+              <a:ext uri="{28A0092B-C50C-407E-A947-70E740481C1C}">
+                <a14:useLocalDpi xmlns:a14="http://schemas.microsoft.com/office/drawing/2010/main" val="0"/>
+              </a:ext>
+            </a:extLst>
+          </a:blip>
+          <a:srcRect l="39644" t="70274" r="41198"/>
+          <a:stretch/>
+        </p:blipFill>
+        <p:spPr bwMode="auto">
+          <a:xfrm>
+            <a:off x="6840451" y="2340467"/>
+            <a:ext cx="378811" cy="587771"/>
+          </a:xfrm>
+          <a:prstGeom prst="rect">
+            <a:avLst/>
+          </a:prstGeom>
+          <a:noFill/>
+          <a:extLst>
+            <a:ext uri="{909E8E84-426E-40DD-AFC4-6F175D3DCCD1}">
+              <a14:hiddenFill xmlns:a14="http://schemas.microsoft.com/office/drawing/2010/main">
+                <a:solidFill>
+                  <a:srgbClr val="FFFFFF"/>
+                </a:solidFill>
+              </a14:hiddenFill>
+            </a:ext>
+          </a:extLst>
+        </p:spPr>
+      </p:pic>
+      <p:pic>
+        <p:nvPicPr>
+          <p:cNvPr id="32" name="Picture 6" descr="컴퓨터, 데이터, 데이터 베이스, 도표, 예배 규칙서, 문서, 파일, 폴더, 회로망, 인쇄기">
+            <a:extLst>
+              <a:ext uri="{FF2B5EF4-FFF2-40B4-BE49-F238E27FC236}">
+                <a16:creationId xmlns:a16="http://schemas.microsoft.com/office/drawing/2014/main" id="{32245D71-54B5-4A30-91E7-661517DA0D78}"/>
+              </a:ext>
+            </a:extLst>
+          </p:cNvPr>
+          <p:cNvPicPr>
+            <a:picLocks noChangeAspect="1" noChangeArrowheads="1"/>
+          </p:cNvPicPr>
+          <p:nvPr/>
+        </p:nvPicPr>
+        <p:blipFill rotWithShape="1">
+          <a:blip r:embed="rId3">
+            <a:extLst>
+              <a:ext uri="{28A0092B-C50C-407E-A947-70E740481C1C}">
+                <a14:useLocalDpi xmlns:a14="http://schemas.microsoft.com/office/drawing/2010/main" val="0"/>
+              </a:ext>
+            </a:extLst>
+          </a:blip>
+          <a:srcRect l="39644" t="70274" r="41198"/>
+          <a:stretch/>
+        </p:blipFill>
+        <p:spPr bwMode="auto">
+          <a:xfrm>
+            <a:off x="7596339" y="2340552"/>
+            <a:ext cx="378811" cy="587771"/>
+          </a:xfrm>
+          <a:prstGeom prst="rect">
+            <a:avLst/>
+          </a:prstGeom>
+          <a:noFill/>
+          <a:extLst>
+            <a:ext uri="{909E8E84-426E-40DD-AFC4-6F175D3DCCD1}">
+              <a14:hiddenFill xmlns:a14="http://schemas.microsoft.com/office/drawing/2010/main">
+                <a:solidFill>
+                  <a:srgbClr val="FFFFFF"/>
+                </a:solidFill>
+              </a14:hiddenFill>
+            </a:ext>
+          </a:extLst>
+        </p:spPr>
+      </p:pic>
+      <p:sp>
+        <p:nvSpPr>
+          <p:cNvPr id="33" name="TextBox 32">
+            <a:extLst>
+              <a:ext uri="{FF2B5EF4-FFF2-40B4-BE49-F238E27FC236}">
+                <a16:creationId xmlns:a16="http://schemas.microsoft.com/office/drawing/2014/main" id="{7F2B586E-D01B-49BF-BC34-81AFE6E648AF}"/>
+              </a:ext>
+            </a:extLst>
+          </p:cNvPr>
+          <p:cNvSpPr txBox="1"/>
+          <p:nvPr/>
+        </p:nvSpPr>
+        <p:spPr>
+          <a:xfrm>
+            <a:off x="8848570" y="3214507"/>
+            <a:ext cx="526811" cy="276999"/>
+          </a:xfrm>
+          <a:prstGeom prst="rect">
+            <a:avLst/>
+          </a:prstGeom>
+          <a:noFill/>
+        </p:spPr>
+        <p:txBody>
+          <a:bodyPr wrap="none" rtlCol="0">
+            <a:spAutoFit/>
+          </a:bodyPr>
+          <a:lstStyle/>
+          <a:p>
+            <a:r>
+              <a:rPr lang="en-US" sz="1200" dirty="0"/>
+              <a:t>Peers</a:t>
+            </a:r>
+          </a:p>
+        </p:txBody>
+      </p:sp>
+      <p:sp>
+        <p:nvSpPr>
+          <p:cNvPr id="34" name="TextBox 33">
+            <a:extLst>
+              <a:ext uri="{FF2B5EF4-FFF2-40B4-BE49-F238E27FC236}">
+                <a16:creationId xmlns:a16="http://schemas.microsoft.com/office/drawing/2014/main" id="{989E0E9A-5923-4332-8441-CA612F1F2D2B}"/>
+              </a:ext>
+            </a:extLst>
+          </p:cNvPr>
+          <p:cNvSpPr txBox="1"/>
+          <p:nvPr/>
+        </p:nvSpPr>
+        <p:spPr>
+          <a:xfrm>
+            <a:off x="10287040" y="3069006"/>
+            <a:ext cx="752129" cy="276999"/>
+          </a:xfrm>
+          <a:prstGeom prst="rect">
+            <a:avLst/>
+          </a:prstGeom>
+          <a:noFill/>
+        </p:spPr>
+        <p:txBody>
+          <a:bodyPr wrap="none" rtlCol="0">
+            <a:spAutoFit/>
+          </a:bodyPr>
+          <a:lstStyle/>
+          <a:p>
+            <a:r>
+              <a:rPr lang="en-US" sz="1200" dirty="0"/>
+              <a:t>CouchDB</a:t>
+            </a:r>
+          </a:p>
+        </p:txBody>
+      </p:sp>
+      <p:sp>
+        <p:nvSpPr>
+          <p:cNvPr id="35" name="TextBox 34">
+            <a:extLst>
+              <a:ext uri="{FF2B5EF4-FFF2-40B4-BE49-F238E27FC236}">
+                <a16:creationId xmlns:a16="http://schemas.microsoft.com/office/drawing/2014/main" id="{0E72F4C8-2475-4F71-B155-95E355E7C845}"/>
+              </a:ext>
+            </a:extLst>
+          </p:cNvPr>
+          <p:cNvSpPr txBox="1"/>
+          <p:nvPr/>
+        </p:nvSpPr>
+        <p:spPr>
+          <a:xfrm>
+            <a:off x="7613432" y="2876895"/>
+            <a:ext cx="675826" cy="276999"/>
+          </a:xfrm>
+          <a:prstGeom prst="rect">
+            <a:avLst/>
+          </a:prstGeom>
+          <a:noFill/>
+        </p:spPr>
+        <p:txBody>
+          <a:bodyPr wrap="none" rtlCol="0">
+            <a:spAutoFit/>
+          </a:bodyPr>
+          <a:lstStyle/>
+          <a:p>
+            <a:r>
+              <a:rPr lang="en-US" sz="1200" dirty="0"/>
+              <a:t>Orderer</a:t>
+            </a:r>
+          </a:p>
+        </p:txBody>
+      </p:sp>
+      <p:sp>
+        <p:nvSpPr>
+          <p:cNvPr id="36" name="TextBox 35">
+            <a:extLst>
+              <a:ext uri="{FF2B5EF4-FFF2-40B4-BE49-F238E27FC236}">
+                <a16:creationId xmlns:a16="http://schemas.microsoft.com/office/drawing/2014/main" id="{199782FF-5A20-4187-9A18-D4037D14882C}"/>
+              </a:ext>
+            </a:extLst>
+          </p:cNvPr>
+          <p:cNvSpPr txBox="1"/>
+          <p:nvPr/>
+        </p:nvSpPr>
+        <p:spPr>
+          <a:xfrm>
+            <a:off x="6805885" y="2870391"/>
+            <a:ext cx="486030" cy="276999"/>
+          </a:xfrm>
+          <a:prstGeom prst="rect">
+            <a:avLst/>
+          </a:prstGeom>
+          <a:noFill/>
+        </p:spPr>
+        <p:txBody>
+          <a:bodyPr wrap="none" rtlCol="0">
+            <a:spAutoFit/>
+          </a:bodyPr>
+          <a:lstStyle/>
+          <a:p>
+            <a:r>
+              <a:rPr lang="en-US" sz="1200" dirty="0"/>
+              <a:t>Auth</a:t>
+            </a:r>
+          </a:p>
+        </p:txBody>
+      </p:sp>
+      <p:sp>
+        <p:nvSpPr>
+          <p:cNvPr id="37" name="TextBox 36">
+            <a:extLst>
+              <a:ext uri="{FF2B5EF4-FFF2-40B4-BE49-F238E27FC236}">
+                <a16:creationId xmlns:a16="http://schemas.microsoft.com/office/drawing/2014/main" id="{B248C2B3-C91F-470C-A81D-98E2D1B02777}"/>
+              </a:ext>
+            </a:extLst>
+          </p:cNvPr>
+          <p:cNvSpPr txBox="1"/>
+          <p:nvPr/>
+        </p:nvSpPr>
+        <p:spPr>
+          <a:xfrm>
+            <a:off x="5041125" y="3052767"/>
+            <a:ext cx="1197444" cy="461665"/>
+          </a:xfrm>
+          <a:prstGeom prst="rect">
+            <a:avLst/>
+          </a:prstGeom>
+          <a:noFill/>
+        </p:spPr>
+        <p:txBody>
+          <a:bodyPr wrap="none" rtlCol="0">
+            <a:spAutoFit/>
+          </a:bodyPr>
+          <a:lstStyle/>
+          <a:p>
+            <a:pPr algn="ctr"/>
+            <a:r>
+              <a:rPr lang="en-US" sz="1200" dirty="0"/>
+              <a:t>Web application</a:t>
+            </a:r>
+          </a:p>
+          <a:p>
+            <a:pPr algn="ctr"/>
+            <a:r>
+              <a:rPr lang="en-US" sz="1200" dirty="0"/>
+              <a:t>Server</a:t>
+            </a:r>
+          </a:p>
+        </p:txBody>
+      </p:sp>
+      <p:pic>
+        <p:nvPicPr>
+          <p:cNvPr id="38" name="Picture 37">
+            <a:extLst>
+              <a:ext uri="{FF2B5EF4-FFF2-40B4-BE49-F238E27FC236}">
+                <a16:creationId xmlns:a16="http://schemas.microsoft.com/office/drawing/2014/main" id="{795645E5-35A2-4C17-BD85-34DECA82A1C0}"/>
+              </a:ext>
+            </a:extLst>
+          </p:cNvPr>
+          <p:cNvPicPr>
+            <a:picLocks noChangeAspect="1"/>
+          </p:cNvPicPr>
+          <p:nvPr/>
+        </p:nvPicPr>
+        <p:blipFill>
+          <a:blip r:embed="rId5">
+            <a:extLst>
+              <a:ext uri="{28A0092B-C50C-407E-A947-70E740481C1C}">
+                <a14:useLocalDpi xmlns:a14="http://schemas.microsoft.com/office/drawing/2010/main" val="0"/>
+              </a:ext>
+            </a:extLst>
+          </a:blip>
+          <a:stretch>
+            <a:fillRect/>
+          </a:stretch>
+        </p:blipFill>
+        <p:spPr>
+          <a:xfrm>
+            <a:off x="3791655" y="2309783"/>
+            <a:ext cx="762000" cy="762000"/>
+          </a:xfrm>
+          <a:prstGeom prst="rect">
+            <a:avLst/>
+          </a:prstGeom>
+        </p:spPr>
+      </p:pic>
+      <p:sp>
+        <p:nvSpPr>
+          <p:cNvPr id="39" name="TextBox 38">
+            <a:extLst>
+              <a:ext uri="{FF2B5EF4-FFF2-40B4-BE49-F238E27FC236}">
+                <a16:creationId xmlns:a16="http://schemas.microsoft.com/office/drawing/2014/main" id="{BD67D4AC-A74D-4A97-9BC5-7948D295CAE4}"/>
+              </a:ext>
+            </a:extLst>
+          </p:cNvPr>
+          <p:cNvSpPr txBox="1"/>
+          <p:nvPr/>
+        </p:nvSpPr>
+        <p:spPr>
+          <a:xfrm>
+            <a:off x="3725560" y="3086516"/>
+            <a:ext cx="906723" cy="276999"/>
+          </a:xfrm>
+          <a:prstGeom prst="rect">
+            <a:avLst/>
+          </a:prstGeom>
+          <a:noFill/>
+        </p:spPr>
+        <p:txBody>
+          <a:bodyPr wrap="none" rtlCol="0">
+            <a:spAutoFit/>
+          </a:bodyPr>
+          <a:lstStyle/>
+          <a:p>
+            <a:pPr algn="ctr"/>
+            <a:r>
+              <a:rPr lang="en-US" sz="1200" dirty="0"/>
+              <a:t>Web Server</a:t>
+            </a:r>
+          </a:p>
+        </p:txBody>
+      </p:sp>
+      <p:cxnSp>
+        <p:nvCxnSpPr>
+          <p:cNvPr id="40" name="Straight Arrow Connector 39">
+            <a:extLst>
+              <a:ext uri="{FF2B5EF4-FFF2-40B4-BE49-F238E27FC236}">
+                <a16:creationId xmlns:a16="http://schemas.microsoft.com/office/drawing/2014/main" id="{F4BAD15A-FEAE-4EF6-B026-853F9B314DDE}"/>
+              </a:ext>
+            </a:extLst>
+          </p:cNvPr>
+          <p:cNvCxnSpPr>
+            <a:cxnSpLocks/>
+          </p:cNvCxnSpPr>
+          <p:nvPr/>
+        </p:nvCxnSpPr>
+        <p:spPr>
+          <a:xfrm>
+            <a:off x="2941857" y="2729320"/>
+            <a:ext cx="953155" cy="18334"/>
+          </a:xfrm>
+          <a:prstGeom prst="straightConnector1">
+            <a:avLst/>
+          </a:prstGeom>
+          <a:ln>
+            <a:tailEnd type="triangle"/>
+          </a:ln>
+        </p:spPr>
+        <p:style>
+          <a:lnRef idx="1">
+            <a:schemeClr val="accent1"/>
+          </a:lnRef>
+          <a:fillRef idx="0">
+            <a:schemeClr val="accent1"/>
+          </a:fillRef>
+          <a:effectRef idx="0">
+            <a:schemeClr val="accent1"/>
+          </a:effectRef>
+          <a:fontRef idx="minor">
+            <a:schemeClr val="tx1"/>
+          </a:fontRef>
+        </p:style>
+      </p:cxnSp>
+      <p:cxnSp>
+        <p:nvCxnSpPr>
+          <p:cNvPr id="41" name="Straight Arrow Connector 40">
+            <a:extLst>
+              <a:ext uri="{FF2B5EF4-FFF2-40B4-BE49-F238E27FC236}">
+                <a16:creationId xmlns:a16="http://schemas.microsoft.com/office/drawing/2014/main" id="{487CEF49-AFB4-49A8-A534-4B2B10631F20}"/>
+              </a:ext>
+            </a:extLst>
+          </p:cNvPr>
+          <p:cNvCxnSpPr>
+            <a:cxnSpLocks/>
+            <a:endCxn id="16" idx="1"/>
+          </p:cNvCxnSpPr>
+          <p:nvPr/>
+        </p:nvCxnSpPr>
+        <p:spPr>
+          <a:xfrm>
+            <a:off x="4463215" y="2681616"/>
+            <a:ext cx="760165" cy="9167"/>
+          </a:xfrm>
+          <a:prstGeom prst="straightConnector1">
+            <a:avLst/>
+          </a:prstGeom>
+          <a:ln>
+            <a:tailEnd type="triangle"/>
+          </a:ln>
+        </p:spPr>
+        <p:style>
+          <a:lnRef idx="1">
+            <a:schemeClr val="accent1"/>
+          </a:lnRef>
+          <a:fillRef idx="0">
+            <a:schemeClr val="accent1"/>
+          </a:fillRef>
+          <a:effectRef idx="0">
+            <a:schemeClr val="accent1"/>
+          </a:effectRef>
+          <a:fontRef idx="minor">
+            <a:schemeClr val="tx1"/>
+          </a:fontRef>
+        </p:style>
+      </p:cxnSp>
+      <p:cxnSp>
+        <p:nvCxnSpPr>
+          <p:cNvPr id="43" name="Straight Arrow Connector 42">
+            <a:extLst>
+              <a:ext uri="{FF2B5EF4-FFF2-40B4-BE49-F238E27FC236}">
+                <a16:creationId xmlns:a16="http://schemas.microsoft.com/office/drawing/2014/main" id="{44ADA389-4C06-4610-99F4-B8537B39807C}"/>
+              </a:ext>
+            </a:extLst>
+          </p:cNvPr>
+          <p:cNvCxnSpPr>
+            <a:cxnSpLocks/>
+          </p:cNvCxnSpPr>
+          <p:nvPr/>
+        </p:nvCxnSpPr>
+        <p:spPr>
+          <a:xfrm>
+            <a:off x="5977904" y="2683426"/>
+            <a:ext cx="548439" cy="0"/>
+          </a:xfrm>
+          <a:prstGeom prst="straightConnector1">
+            <a:avLst/>
+          </a:prstGeom>
+          <a:ln>
+            <a:tailEnd type="triangle"/>
+          </a:ln>
+        </p:spPr>
+        <p:style>
+          <a:lnRef idx="1">
+            <a:schemeClr val="accent1"/>
+          </a:lnRef>
+          <a:fillRef idx="0">
+            <a:schemeClr val="accent1"/>
+          </a:fillRef>
+          <a:effectRef idx="0">
+            <a:schemeClr val="accent1"/>
+          </a:effectRef>
+          <a:fontRef idx="minor">
+            <a:schemeClr val="tx1"/>
+          </a:fontRef>
+        </p:style>
+      </p:cxnSp>
+      <p:pic>
+        <p:nvPicPr>
+          <p:cNvPr id="45" name="Picture 44">
+            <a:extLst>
+              <a:ext uri="{FF2B5EF4-FFF2-40B4-BE49-F238E27FC236}">
+                <a16:creationId xmlns:a16="http://schemas.microsoft.com/office/drawing/2014/main" id="{539DAAE3-AB4E-49AA-99CF-BD96156438B3}"/>
+              </a:ext>
+            </a:extLst>
+          </p:cNvPr>
+          <p:cNvPicPr>
+            <a:picLocks noChangeAspect="1"/>
+          </p:cNvPicPr>
+          <p:nvPr/>
+        </p:nvPicPr>
+        <p:blipFill>
+          <a:blip r:embed="rId8">
+            <a:extLst>
+              <a:ext uri="{28A0092B-C50C-407E-A947-70E740481C1C}">
+                <a14:useLocalDpi xmlns:a14="http://schemas.microsoft.com/office/drawing/2010/main" val="0"/>
+              </a:ext>
+            </a:extLst>
+          </a:blip>
+          <a:stretch>
+            <a:fillRect/>
+          </a:stretch>
+        </p:blipFill>
+        <p:spPr>
+          <a:xfrm>
+            <a:off x="7535196" y="3093015"/>
+            <a:ext cx="876832" cy="486482"/>
+          </a:xfrm>
+          <a:prstGeom prst="rect">
+            <a:avLst/>
+          </a:prstGeom>
+        </p:spPr>
+      </p:pic>
+    </p:spTree>
+    <p:extLst>
+      <p:ext uri="{BB962C8B-B14F-4D97-AF65-F5344CB8AC3E}">
+        <p14:creationId xmlns:p14="http://schemas.microsoft.com/office/powerpoint/2010/main" val="328463267"/>
+      </p:ext>
+    </p:extLst>
+  </p:cSld>
+  <p:clrMapOvr>
+    <a:masterClrMapping/>
+  </p:clrMapOvr>
+  <p:timing>
+    <p:tnLst>
+      <p:par>
+        <p:cTn id="1" dur="indefinite" restart="never" nodeType="tmRoot">
+          <p:childTnLst>
+            <p:seq concurrent="1" nextAc="seek">
+              <p:cTn id="2" dur="indefinite" nodeType="mainSeq">
+                <p:childTnLst>
+                  <p:par>
+                    <p:cTn id="3" fill="hold">
+                      <p:stCondLst>
+                        <p:cond delay="indefinite"/>
+                      </p:stCondLst>
+                      <p:childTnLst>
+                        <p:par>
+                          <p:cTn id="4" fill="hold">
+                            <p:stCondLst>
+                              <p:cond delay="0"/>
+                            </p:stCondLst>
+                            <p:childTnLst>
+                              <p:par>
+                                <p:cTn id="5" presetID="10" presetClass="entr" presetSubtype="0" fill="hold" nodeType="clickEffect">
+                                  <p:stCondLst>
+                                    <p:cond delay="0"/>
+                                  </p:stCondLst>
+                                  <p:childTnLst>
+                                    <p:set>
+                                      <p:cBhvr>
+                                        <p:cTn id="6" dur="1" fill="hold">
+                                          <p:stCondLst>
+                                            <p:cond delay="0"/>
+                                          </p:stCondLst>
+                                        </p:cTn>
+                                        <p:tgtEl>
+                                          <p:spTgt spid="4"/>
+                                        </p:tgtEl>
+                                        <p:attrNameLst>
+                                          <p:attrName>style.visibility</p:attrName>
+                                        </p:attrNameLst>
+                                      </p:cBhvr>
+                                      <p:to>
+                                        <p:strVal val="visible"/>
+                                      </p:to>
+                                    </p:set>
+                                    <p:animEffect transition="in" filter="fade">
+                                      <p:cBhvr>
+                                        <p:cTn id="7" dur="1000"/>
+                                        <p:tgtEl>
+                                          <p:spTgt spid="4"/>
+                                        </p:tgtEl>
+                                      </p:cBhvr>
+                                    </p:animEffect>
+                                  </p:childTnLst>
+                                </p:cTn>
+                              </p:par>
+                            </p:childTnLst>
+                          </p:cTn>
+                        </p:par>
+                      </p:childTnLst>
+                    </p:cTn>
+                  </p:par>
+                  <p:par>
+                    <p:cTn id="8" fill="hold">
+                      <p:stCondLst>
+                        <p:cond delay="indefinite"/>
+                      </p:stCondLst>
+                      <p:childTnLst>
+                        <p:par>
+                          <p:cTn id="9" fill="hold">
+                            <p:stCondLst>
+                              <p:cond delay="0"/>
+                            </p:stCondLst>
+                            <p:childTnLst>
+                              <p:par>
+                                <p:cTn id="10" presetID="10" presetClass="entr" presetSubtype="0" fill="hold" grpId="0" nodeType="clickEffect">
+                                  <p:stCondLst>
+                                    <p:cond delay="0"/>
+                                  </p:stCondLst>
+                                  <p:childTnLst>
+                                    <p:set>
+                                      <p:cBhvr>
+                                        <p:cTn id="11" dur="1" fill="hold">
+                                          <p:stCondLst>
+                                            <p:cond delay="0"/>
+                                          </p:stCondLst>
+                                        </p:cTn>
+                                        <p:tgtEl>
+                                          <p:spTgt spid="13"/>
+                                        </p:tgtEl>
+                                        <p:attrNameLst>
+                                          <p:attrName>style.visibility</p:attrName>
+                                        </p:attrNameLst>
+                                      </p:cBhvr>
+                                      <p:to>
+                                        <p:strVal val="visible"/>
+                                      </p:to>
+                                    </p:set>
+                                    <p:animEffect transition="in" filter="fade">
+                                      <p:cBhvr>
+                                        <p:cTn id="12" dur="500"/>
+                                        <p:tgtEl>
+                                          <p:spTgt spid="13"/>
+                                        </p:tgtEl>
+                                      </p:cBhvr>
+                                    </p:animEffect>
+                                  </p:childTnLst>
+                                </p:cTn>
+                              </p:par>
+                            </p:childTnLst>
+                          </p:cTn>
+                        </p:par>
+                      </p:childTnLst>
+                    </p:cTn>
+                  </p:par>
+                  <p:par>
+                    <p:cTn id="13" fill="hold">
+                      <p:stCondLst>
+                        <p:cond delay="indefinite"/>
+                      </p:stCondLst>
+                      <p:childTnLst>
+                        <p:par>
+                          <p:cTn id="14" fill="hold">
+                            <p:stCondLst>
+                              <p:cond delay="0"/>
+                            </p:stCondLst>
+                            <p:childTnLst>
+                              <p:par>
+                                <p:cTn id="15" presetID="10" presetClass="entr" presetSubtype="0" fill="hold" grpId="0" nodeType="clickEffect">
+                                  <p:stCondLst>
+                                    <p:cond delay="0"/>
+                                  </p:stCondLst>
+                                  <p:childTnLst>
+                                    <p:set>
+                                      <p:cBhvr>
+                                        <p:cTn id="16" dur="1" fill="hold">
+                                          <p:stCondLst>
+                                            <p:cond delay="0"/>
+                                          </p:stCondLst>
+                                        </p:cTn>
+                                        <p:tgtEl>
+                                          <p:spTgt spid="33"/>
+                                        </p:tgtEl>
+                                        <p:attrNameLst>
+                                          <p:attrName>style.visibility</p:attrName>
+                                        </p:attrNameLst>
+                                      </p:cBhvr>
+                                      <p:to>
+                                        <p:strVal val="visible"/>
+                                      </p:to>
+                                    </p:set>
+                                    <p:animEffect transition="in" filter="fade">
+                                      <p:cBhvr>
+                                        <p:cTn id="17" dur="500"/>
+                                        <p:tgtEl>
+                                          <p:spTgt spid="33"/>
+                                        </p:tgtEl>
+                                      </p:cBhvr>
+                                    </p:animEffect>
+                                  </p:childTnLst>
+                                </p:cTn>
+                              </p:par>
+                            </p:childTnLst>
+                          </p:cTn>
+                        </p:par>
+                      </p:childTnLst>
+                    </p:cTn>
+                  </p:par>
+                  <p:par>
+                    <p:cTn id="18" fill="hold">
+                      <p:stCondLst>
+                        <p:cond delay="indefinite"/>
+                      </p:stCondLst>
+                      <p:childTnLst>
+                        <p:par>
+                          <p:cTn id="19" fill="hold">
+                            <p:stCondLst>
+                              <p:cond delay="0"/>
+                            </p:stCondLst>
+                            <p:childTnLst>
+                              <p:par>
+                                <p:cTn id="20" presetID="10" presetClass="entr" presetSubtype="0" fill="hold" grpId="0" nodeType="clickEffect">
+                                  <p:stCondLst>
+                                    <p:cond delay="0"/>
+                                  </p:stCondLst>
+                                  <p:childTnLst>
+                                    <p:set>
+                                      <p:cBhvr>
+                                        <p:cTn id="21" dur="1" fill="hold">
+                                          <p:stCondLst>
+                                            <p:cond delay="0"/>
+                                          </p:stCondLst>
+                                        </p:cTn>
+                                        <p:tgtEl>
+                                          <p:spTgt spid="34"/>
+                                        </p:tgtEl>
+                                        <p:attrNameLst>
+                                          <p:attrName>style.visibility</p:attrName>
+                                        </p:attrNameLst>
+                                      </p:cBhvr>
+                                      <p:to>
+                                        <p:strVal val="visible"/>
+                                      </p:to>
+                                    </p:set>
+                                    <p:animEffect transition="in" filter="fade">
+                                      <p:cBhvr>
+                                        <p:cTn id="22" dur="500"/>
+                                        <p:tgtEl>
+                                          <p:spTgt spid="34"/>
+                                        </p:tgtEl>
+                                      </p:cBhvr>
+                                    </p:animEffect>
+                                  </p:childTnLst>
+                                </p:cTn>
+                              </p:par>
+                            </p:childTnLst>
+                          </p:cTn>
+                        </p:par>
+                      </p:childTnLst>
+                    </p:cTn>
+                  </p:par>
+                  <p:par>
+                    <p:cTn id="23" fill="hold">
+                      <p:stCondLst>
+                        <p:cond delay="indefinite"/>
+                      </p:stCondLst>
+                      <p:childTnLst>
+                        <p:par>
+                          <p:cTn id="24" fill="hold">
+                            <p:stCondLst>
+                              <p:cond delay="0"/>
+                            </p:stCondLst>
+                            <p:childTnLst>
+                              <p:par>
+                                <p:cTn id="25" presetID="10" presetClass="entr" presetSubtype="0" fill="hold" grpId="0" nodeType="clickEffect">
+                                  <p:stCondLst>
+                                    <p:cond delay="0"/>
+                                  </p:stCondLst>
+                                  <p:childTnLst>
+                                    <p:set>
+                                      <p:cBhvr>
+                                        <p:cTn id="26" dur="1" fill="hold">
+                                          <p:stCondLst>
+                                            <p:cond delay="0"/>
+                                          </p:stCondLst>
+                                        </p:cTn>
+                                        <p:tgtEl>
+                                          <p:spTgt spid="35"/>
+                                        </p:tgtEl>
+                                        <p:attrNameLst>
+                                          <p:attrName>style.visibility</p:attrName>
+                                        </p:attrNameLst>
+                                      </p:cBhvr>
+                                      <p:to>
+                                        <p:strVal val="visible"/>
+                                      </p:to>
+                                    </p:set>
+                                    <p:animEffect transition="in" filter="fade">
+                                      <p:cBhvr>
+                                        <p:cTn id="27" dur="500"/>
+                                        <p:tgtEl>
+                                          <p:spTgt spid="35"/>
+                                        </p:tgtEl>
+                                      </p:cBhvr>
+                                    </p:animEffect>
+                                  </p:childTnLst>
+                                </p:cTn>
+                              </p:par>
+                            </p:childTnLst>
+                          </p:cTn>
+                        </p:par>
+                      </p:childTnLst>
+                    </p:cTn>
+                  </p:par>
+                  <p:par>
+                    <p:cTn id="28" fill="hold">
+                      <p:stCondLst>
+                        <p:cond delay="indefinite"/>
+                      </p:stCondLst>
+                      <p:childTnLst>
+                        <p:par>
+                          <p:cTn id="29" fill="hold">
+                            <p:stCondLst>
+                              <p:cond delay="0"/>
+                            </p:stCondLst>
+                            <p:childTnLst>
+                              <p:par>
+                                <p:cTn id="30" presetID="10" presetClass="entr" presetSubtype="0" fill="hold" grpId="0" nodeType="clickEffect">
+                                  <p:stCondLst>
+                                    <p:cond delay="0"/>
+                                  </p:stCondLst>
+                                  <p:childTnLst>
+                                    <p:set>
+                                      <p:cBhvr>
+                                        <p:cTn id="31" dur="1" fill="hold">
+                                          <p:stCondLst>
+                                            <p:cond delay="0"/>
+                                          </p:stCondLst>
+                                        </p:cTn>
+                                        <p:tgtEl>
+                                          <p:spTgt spid="36"/>
+                                        </p:tgtEl>
+                                        <p:attrNameLst>
+                                          <p:attrName>style.visibility</p:attrName>
+                                        </p:attrNameLst>
+                                      </p:cBhvr>
+                                      <p:to>
+                                        <p:strVal val="visible"/>
+                                      </p:to>
+                                    </p:set>
+                                    <p:animEffect transition="in" filter="fade">
+                                      <p:cBhvr>
+                                        <p:cTn id="32" dur="500"/>
+                                        <p:tgtEl>
+                                          <p:spTgt spid="36"/>
+                                        </p:tgtEl>
+                                      </p:cBhvr>
+                                    </p:animEffect>
+                                  </p:childTnLst>
+                                </p:cTn>
+                              </p:par>
+                            </p:childTnLst>
+                          </p:cTn>
+                        </p:par>
+                      </p:childTnLst>
+                    </p:cTn>
+                  </p:par>
+                  <p:par>
+                    <p:cTn id="33" fill="hold">
+                      <p:stCondLst>
+                        <p:cond delay="indefinite"/>
+                      </p:stCondLst>
+                      <p:childTnLst>
+                        <p:par>
+                          <p:cTn id="34" fill="hold">
+                            <p:stCondLst>
+                              <p:cond delay="0"/>
+                            </p:stCondLst>
+                            <p:childTnLst>
+                              <p:par>
+                                <p:cTn id="35" presetID="10" presetClass="entr" presetSubtype="0" fill="hold" grpId="0" nodeType="clickEffect">
+                                  <p:stCondLst>
+                                    <p:cond delay="0"/>
+                                  </p:stCondLst>
+                                  <p:childTnLst>
+                                    <p:set>
+                                      <p:cBhvr>
+                                        <p:cTn id="36" dur="1" fill="hold">
+                                          <p:stCondLst>
+                                            <p:cond delay="0"/>
+                                          </p:stCondLst>
+                                        </p:cTn>
+                                        <p:tgtEl>
+                                          <p:spTgt spid="37"/>
+                                        </p:tgtEl>
+                                        <p:attrNameLst>
+                                          <p:attrName>style.visibility</p:attrName>
+                                        </p:attrNameLst>
+                                      </p:cBhvr>
+                                      <p:to>
+                                        <p:strVal val="visible"/>
+                                      </p:to>
+                                    </p:set>
+                                    <p:animEffect transition="in" filter="fade">
+                                      <p:cBhvr>
+                                        <p:cTn id="37" dur="500"/>
+                                        <p:tgtEl>
+                                          <p:spTgt spid="37"/>
+                                        </p:tgtEl>
+                                      </p:cBhvr>
+                                    </p:animEffect>
+                                  </p:childTnLst>
+                                </p:cTn>
+                              </p:par>
+                            </p:childTnLst>
+                          </p:cTn>
+                        </p:par>
+                      </p:childTnLst>
+                    </p:cTn>
+                  </p:par>
+                  <p:par>
+                    <p:cTn id="38" fill="hold">
+                      <p:stCondLst>
+                        <p:cond delay="indefinite"/>
+                      </p:stCondLst>
+                      <p:childTnLst>
+                        <p:par>
+                          <p:cTn id="39" fill="hold">
+                            <p:stCondLst>
+                              <p:cond delay="0"/>
+                            </p:stCondLst>
+                            <p:childTnLst>
+                              <p:par>
+                                <p:cTn id="40" presetID="10" presetClass="entr" presetSubtype="0" fill="hold" grpId="0" nodeType="clickEffect">
+                                  <p:stCondLst>
+                                    <p:cond delay="0"/>
+                                  </p:stCondLst>
+                                  <p:childTnLst>
+                                    <p:set>
+                                      <p:cBhvr>
+                                        <p:cTn id="41" dur="1" fill="hold">
+                                          <p:stCondLst>
+                                            <p:cond delay="0"/>
+                                          </p:stCondLst>
+                                        </p:cTn>
+                                        <p:tgtEl>
+                                          <p:spTgt spid="39"/>
+                                        </p:tgtEl>
+                                        <p:attrNameLst>
+                                          <p:attrName>style.visibility</p:attrName>
+                                        </p:attrNameLst>
+                                      </p:cBhvr>
+                                      <p:to>
+                                        <p:strVal val="visible"/>
+                                      </p:to>
+                                    </p:set>
+                                    <p:animEffect transition="in" filter="fade">
+                                      <p:cBhvr>
+                                        <p:cTn id="42" dur="500"/>
+                                        <p:tgtEl>
+                                          <p:spTgt spid="39"/>
+                                        </p:tgtEl>
+                                      </p:cBhvr>
+                                    </p:animEffect>
+                                  </p:childTnLst>
+                                </p:cTn>
+                              </p:par>
+                            </p:childTnLst>
+                          </p:cTn>
+                        </p:par>
+                      </p:childTnLst>
+                    </p:cTn>
+                  </p:par>
+                </p:childTnLst>
+              </p:cTn>
+              <p:prevCondLst>
+                <p:cond evt="onPrev" delay="0">
+                  <p:tgtEl>
+                    <p:sldTgt/>
+                  </p:tgtEl>
+                </p:cond>
+              </p:prevCondLst>
+              <p:nextCondLst>
+                <p:cond evt="onNext" delay="0">
+                  <p:tgtEl>
+                    <p:sldTgt/>
+                  </p:tgtEl>
+                </p:cond>
+              </p:nextCondLst>
+            </p:seq>
+          </p:childTnLst>
+        </p:cTn>
+      </p:par>
+    </p:tnLst>
+    <p:bldLst>
+      <p:bldP spid="13" grpId="0"/>
+      <p:bldP spid="33" grpId="0"/>
+      <p:bldP spid="34" grpId="0"/>
+      <p:bldP spid="35" grpId="0"/>
+      <p:bldP spid="36" grpId="0"/>
+      <p:bldP spid="37" grpId="0"/>
+      <p:bldP spid="39" grpId="0"/>
+    </p:bldLst>
+  </p:timing>
+</p:sld>
+</file>
+
+<file path=ppt/slides/slide4.xml><?xml version="1.0" encoding="utf-8"?>
+<p:sld xmlns:a="http://schemas.openxmlformats.org/drawingml/2006/main" xmlns:r="http://schemas.openxmlformats.org/officeDocument/2006/relationships" xmlns:p="http://schemas.openxmlformats.org/presentationml/2006/main">
+  <p:cSld>
+    <p:spTree>
+      <p:nvGrpSpPr>
+        <p:cNvPr id="1" name=""/>
+        <p:cNvGrpSpPr/>
+        <p:nvPr/>
+      </p:nvGrpSpPr>
+      <p:grpSpPr>
+        <a:xfrm>
+          <a:off x="0" y="0"/>
+          <a:ext cx="0" cy="0"/>
+          <a:chOff x="0" y="0"/>
+          <a:chExt cx="0" cy="0"/>
+        </a:xfrm>
+      </p:grpSpPr>
       <p:pic>
         <p:nvPicPr>
           <p:cNvPr id="4" name="Picture 6" descr="컴퓨터, 데이터, 데이터 베이스, 도표, 예배 규칙서, 문서, 파일, 폴더, 회로망, 인쇄기">
@@ -4241,13 +8117,13 @@
   <p:clrMapOvr>
     <a:masterClrMapping/>
   </p:clrMapOvr>
-  <mc:AlternateContent xmlns:mc="http://schemas.openxmlformats.org/markup-compatibility/2006">
-    <mc:Choice xmlns:p159="http://schemas.microsoft.com/office/powerpoint/2015/09/main" Requires="p159">
+  <mc:AlternateContent xmlns:mc="http://schemas.openxmlformats.org/markup-compatibility/2006" xmlns:p159="http://schemas.microsoft.com/office/powerpoint/2015/09/main">
+    <mc:Choice Requires="p159">
       <p:transition xmlns:p14="http://schemas.microsoft.com/office/powerpoint/2010/main" spd="slow" p14:dur="2000">
         <p159:morph option="byObject"/>
       </p:transition>
     </mc:Choice>
-    <mc:Fallback>
+    <mc:Fallback xmlns="">
       <p:transition spd="slow">
         <p:fade/>
       </p:transition>
@@ -5094,7 +8970,7 @@
 </p:sld>
 </file>
 
-<file path=ppt/slides/slide2.xml><?xml version="1.0" encoding="utf-8"?>
+<file path=ppt/slides/slide5.xml><?xml version="1.0" encoding="utf-8"?>
 <p:sld xmlns:a="http://schemas.openxmlformats.org/drawingml/2006/main" xmlns:r="http://schemas.openxmlformats.org/officeDocument/2006/relationships" xmlns:p="http://schemas.openxmlformats.org/presentationml/2006/main">
   <p:cSld>
     <p:spTree>
@@ -6660,13 +10536,13 @@
   <p:clrMapOvr>
     <a:masterClrMapping/>
   </p:clrMapOvr>
-  <mc:AlternateContent xmlns:mc="http://schemas.openxmlformats.org/markup-compatibility/2006">
-    <mc:Choice xmlns:p159="http://schemas.microsoft.com/office/powerpoint/2015/09/main" Requires="p159">
+  <mc:AlternateContent xmlns:mc="http://schemas.openxmlformats.org/markup-compatibility/2006" xmlns:p159="http://schemas.microsoft.com/office/powerpoint/2015/09/main">
+    <mc:Choice Requires="p159">
       <p:transition xmlns:p14="http://schemas.microsoft.com/office/powerpoint/2010/main" spd="slow" p14:dur="2000">
         <p159:morph option="byObject"/>
       </p:transition>
     </mc:Choice>
-    <mc:Fallback>
+    <mc:Fallback xmlns="">
       <p:transition spd="slow">
         <p:fade/>
       </p:transition>
@@ -7925,6 +11801,3425 @@
 </p:sld>
 </file>
 
+<file path=ppt/slides/slide6.xml><?xml version="1.0" encoding="utf-8"?>
+<p:sld xmlns:a="http://schemas.openxmlformats.org/drawingml/2006/main" xmlns:r="http://schemas.openxmlformats.org/officeDocument/2006/relationships" xmlns:p="http://schemas.openxmlformats.org/presentationml/2006/main">
+  <p:cSld>
+    <p:spTree>
+      <p:nvGrpSpPr>
+        <p:cNvPr id="1" name=""/>
+        <p:cNvGrpSpPr/>
+        <p:nvPr/>
+      </p:nvGrpSpPr>
+      <p:grpSpPr>
+        <a:xfrm>
+          <a:off x="0" y="0"/>
+          <a:ext cx="0" cy="0"/>
+          <a:chOff x="0" y="0"/>
+          <a:chExt cx="0" cy="0"/>
+        </a:xfrm>
+      </p:grpSpPr>
+      <p:pic>
+        <p:nvPicPr>
+          <p:cNvPr id="4" name="Picture 3">
+            <a:extLst>
+              <a:ext uri="{FF2B5EF4-FFF2-40B4-BE49-F238E27FC236}">
+                <a16:creationId xmlns:a16="http://schemas.microsoft.com/office/drawing/2014/main" id="{248EB18D-8C7F-4D98-A259-D53D78158D3C}"/>
+              </a:ext>
+            </a:extLst>
+          </p:cNvPr>
+          <p:cNvPicPr>
+            <a:picLocks noChangeAspect="1"/>
+          </p:cNvPicPr>
+          <p:nvPr/>
+        </p:nvPicPr>
+        <p:blipFill>
+          <a:blip r:embed="rId2">
+            <a:extLst>
+              <a:ext uri="{28A0092B-C50C-407E-A947-70E740481C1C}">
+                <a14:useLocalDpi xmlns:a14="http://schemas.microsoft.com/office/drawing/2010/main" val="0"/>
+              </a:ext>
+            </a:extLst>
+          </a:blip>
+          <a:stretch>
+            <a:fillRect/>
+          </a:stretch>
+        </p:blipFill>
+        <p:spPr>
+          <a:xfrm>
+            <a:off x="6107620" y="1968668"/>
+            <a:ext cx="762000" cy="762000"/>
+          </a:xfrm>
+          <a:prstGeom prst="rect">
+            <a:avLst/>
+          </a:prstGeom>
+        </p:spPr>
+      </p:pic>
+      <p:pic>
+        <p:nvPicPr>
+          <p:cNvPr id="9" name="Picture 8">
+            <a:extLst>
+              <a:ext uri="{FF2B5EF4-FFF2-40B4-BE49-F238E27FC236}">
+                <a16:creationId xmlns:a16="http://schemas.microsoft.com/office/drawing/2014/main" id="{EBC0D9A9-7348-488F-A298-58EBA46D31C7}"/>
+              </a:ext>
+            </a:extLst>
+          </p:cNvPr>
+          <p:cNvPicPr>
+            <a:picLocks noChangeAspect="1"/>
+          </p:cNvPicPr>
+          <p:nvPr/>
+        </p:nvPicPr>
+        <p:blipFill>
+          <a:blip r:embed="rId3">
+            <a:extLst>
+              <a:ext uri="{28A0092B-C50C-407E-A947-70E740481C1C}">
+                <a14:useLocalDpi xmlns:a14="http://schemas.microsoft.com/office/drawing/2010/main" val="0"/>
+              </a:ext>
+            </a:extLst>
+          </a:blip>
+          <a:stretch>
+            <a:fillRect/>
+          </a:stretch>
+        </p:blipFill>
+        <p:spPr>
+          <a:xfrm>
+            <a:off x="7735438" y="2053842"/>
+            <a:ext cx="591652" cy="591652"/>
+          </a:xfrm>
+          <a:prstGeom prst="rect">
+            <a:avLst/>
+          </a:prstGeom>
+        </p:spPr>
+      </p:pic>
+      <p:sp>
+        <p:nvSpPr>
+          <p:cNvPr id="10" name="TextBox 9">
+            <a:extLst>
+              <a:ext uri="{FF2B5EF4-FFF2-40B4-BE49-F238E27FC236}">
+                <a16:creationId xmlns:a16="http://schemas.microsoft.com/office/drawing/2014/main" id="{6E0A2F77-CDF7-4C45-B5F6-BA8118F6A9A5}"/>
+              </a:ext>
+            </a:extLst>
+          </p:cNvPr>
+          <p:cNvSpPr txBox="1"/>
+          <p:nvPr/>
+        </p:nvSpPr>
+        <p:spPr>
+          <a:xfrm>
+            <a:off x="8031264" y="2700422"/>
+            <a:ext cx="766493" cy="276999"/>
+          </a:xfrm>
+          <a:prstGeom prst="rect">
+            <a:avLst/>
+          </a:prstGeom>
+          <a:noFill/>
+        </p:spPr>
+        <p:txBody>
+          <a:bodyPr wrap="none" rtlCol="0">
+            <a:spAutoFit/>
+          </a:bodyPr>
+          <a:lstStyle/>
+          <a:p>
+            <a:pPr algn="ctr"/>
+            <a:r>
+              <a:rPr lang="en-US" sz="1200" dirty="0"/>
+              <a:t>Database</a:t>
+            </a:r>
+          </a:p>
+        </p:txBody>
+      </p:sp>
+      <p:pic>
+        <p:nvPicPr>
+          <p:cNvPr id="12" name="Picture 11" descr="A computer with a switch&#10;&#10;Description automatically generated">
+            <a:extLst>
+              <a:ext uri="{FF2B5EF4-FFF2-40B4-BE49-F238E27FC236}">
+                <a16:creationId xmlns:a16="http://schemas.microsoft.com/office/drawing/2014/main" id="{A4D370F9-CB76-4C1D-B3E5-CDF8D0AD5931}"/>
+              </a:ext>
+            </a:extLst>
+          </p:cNvPr>
+          <p:cNvPicPr>
+            <a:picLocks noChangeAspect="1"/>
+          </p:cNvPicPr>
+          <p:nvPr/>
+        </p:nvPicPr>
+        <p:blipFill>
+          <a:blip r:embed="rId4">
+            <a:extLst>
+              <a:ext uri="{28A0092B-C50C-407E-A947-70E740481C1C}">
+                <a14:useLocalDpi xmlns:a14="http://schemas.microsoft.com/office/drawing/2010/main" val="0"/>
+              </a:ext>
+            </a:extLst>
+          </a:blip>
+          <a:stretch>
+            <a:fillRect/>
+          </a:stretch>
+        </p:blipFill>
+        <p:spPr>
+          <a:xfrm>
+            <a:off x="3800666" y="1968668"/>
+            <a:ext cx="838095" cy="838095"/>
+          </a:xfrm>
+          <a:prstGeom prst="rect">
+            <a:avLst/>
+          </a:prstGeom>
+        </p:spPr>
+      </p:pic>
+      <p:sp>
+        <p:nvSpPr>
+          <p:cNvPr id="13" name="TextBox 12">
+            <a:extLst>
+              <a:ext uri="{FF2B5EF4-FFF2-40B4-BE49-F238E27FC236}">
+                <a16:creationId xmlns:a16="http://schemas.microsoft.com/office/drawing/2014/main" id="{6B42AC4D-3D2E-4F60-B06A-79D881A2270F}"/>
+              </a:ext>
+            </a:extLst>
+          </p:cNvPr>
+          <p:cNvSpPr txBox="1"/>
+          <p:nvPr/>
+        </p:nvSpPr>
+        <p:spPr>
+          <a:xfrm>
+            <a:off x="3688959" y="2854597"/>
+            <a:ext cx="1061509" cy="276999"/>
+          </a:xfrm>
+          <a:prstGeom prst="rect">
+            <a:avLst/>
+          </a:prstGeom>
+          <a:noFill/>
+        </p:spPr>
+        <p:txBody>
+          <a:bodyPr wrap="none" rtlCol="0">
+            <a:spAutoFit/>
+          </a:bodyPr>
+          <a:lstStyle/>
+          <a:p>
+            <a:pPr algn="ctr"/>
+            <a:r>
+              <a:rPr lang="en-US" sz="1200" dirty="0"/>
+              <a:t>Load Balancer</a:t>
+            </a:r>
+          </a:p>
+        </p:txBody>
+      </p:sp>
+      <p:pic>
+        <p:nvPicPr>
+          <p:cNvPr id="14" name="Picture 13">
+            <a:extLst>
+              <a:ext uri="{FF2B5EF4-FFF2-40B4-BE49-F238E27FC236}">
+                <a16:creationId xmlns:a16="http://schemas.microsoft.com/office/drawing/2014/main" id="{8BF4694C-9B65-434A-98A1-81F71A202F1C}"/>
+              </a:ext>
+            </a:extLst>
+          </p:cNvPr>
+          <p:cNvPicPr>
+            <a:picLocks noChangeAspect="1"/>
+          </p:cNvPicPr>
+          <p:nvPr/>
+        </p:nvPicPr>
+        <p:blipFill>
+          <a:blip r:embed="rId2">
+            <a:extLst>
+              <a:ext uri="{28A0092B-C50C-407E-A947-70E740481C1C}">
+                <a14:useLocalDpi xmlns:a14="http://schemas.microsoft.com/office/drawing/2010/main" val="0"/>
+              </a:ext>
+            </a:extLst>
+          </a:blip>
+          <a:stretch>
+            <a:fillRect/>
+          </a:stretch>
+        </p:blipFill>
+        <p:spPr>
+          <a:xfrm>
+            <a:off x="5628836" y="1968668"/>
+            <a:ext cx="762000" cy="762000"/>
+          </a:xfrm>
+          <a:prstGeom prst="rect">
+            <a:avLst/>
+          </a:prstGeom>
+        </p:spPr>
+      </p:pic>
+      <p:pic>
+        <p:nvPicPr>
+          <p:cNvPr id="24" name="Picture 23">
+            <a:extLst>
+              <a:ext uri="{FF2B5EF4-FFF2-40B4-BE49-F238E27FC236}">
+                <a16:creationId xmlns:a16="http://schemas.microsoft.com/office/drawing/2014/main" id="{A113C610-F981-452D-9EBA-085AAAE808F2}"/>
+              </a:ext>
+            </a:extLst>
+          </p:cNvPr>
+          <p:cNvPicPr>
+            <a:picLocks noChangeAspect="1"/>
+          </p:cNvPicPr>
+          <p:nvPr/>
+        </p:nvPicPr>
+        <p:blipFill>
+          <a:blip r:embed="rId2">
+            <a:extLst>
+              <a:ext uri="{28A0092B-C50C-407E-A947-70E740481C1C}">
+                <a14:useLocalDpi xmlns:a14="http://schemas.microsoft.com/office/drawing/2010/main" val="0"/>
+              </a:ext>
+            </a:extLst>
+          </a:blip>
+          <a:stretch>
+            <a:fillRect/>
+          </a:stretch>
+        </p:blipFill>
+        <p:spPr>
+          <a:xfrm>
+            <a:off x="5141341" y="1968668"/>
+            <a:ext cx="762000" cy="762000"/>
+          </a:xfrm>
+          <a:prstGeom prst="rect">
+            <a:avLst/>
+          </a:prstGeom>
+        </p:spPr>
+      </p:pic>
+      <p:pic>
+        <p:nvPicPr>
+          <p:cNvPr id="29" name="Picture 28">
+            <a:extLst>
+              <a:ext uri="{FF2B5EF4-FFF2-40B4-BE49-F238E27FC236}">
+                <a16:creationId xmlns:a16="http://schemas.microsoft.com/office/drawing/2014/main" id="{68F3EE97-2104-4B25-8320-F882E570F310}"/>
+              </a:ext>
+            </a:extLst>
+          </p:cNvPr>
+          <p:cNvPicPr>
+            <a:picLocks noChangeAspect="1"/>
+          </p:cNvPicPr>
+          <p:nvPr/>
+        </p:nvPicPr>
+        <p:blipFill>
+          <a:blip r:embed="rId2">
+            <a:extLst>
+              <a:ext uri="{28A0092B-C50C-407E-A947-70E740481C1C}">
+                <a14:useLocalDpi xmlns:a14="http://schemas.microsoft.com/office/drawing/2010/main" val="0"/>
+              </a:ext>
+            </a:extLst>
+          </a:blip>
+          <a:stretch>
+            <a:fillRect/>
+          </a:stretch>
+        </p:blipFill>
+        <p:spPr>
+          <a:xfrm>
+            <a:off x="6595115" y="1971880"/>
+            <a:ext cx="762000" cy="762000"/>
+          </a:xfrm>
+          <a:prstGeom prst="rect">
+            <a:avLst/>
+          </a:prstGeom>
+        </p:spPr>
+      </p:pic>
+      <p:sp>
+        <p:nvSpPr>
+          <p:cNvPr id="30" name="TextBox 29">
+            <a:extLst>
+              <a:ext uri="{FF2B5EF4-FFF2-40B4-BE49-F238E27FC236}">
+                <a16:creationId xmlns:a16="http://schemas.microsoft.com/office/drawing/2014/main" id="{6415A464-45B8-4EEE-AD90-DADC19866F0C}"/>
+              </a:ext>
+            </a:extLst>
+          </p:cNvPr>
+          <p:cNvSpPr txBox="1"/>
+          <p:nvPr/>
+        </p:nvSpPr>
+        <p:spPr>
+          <a:xfrm>
+            <a:off x="5678167" y="2782286"/>
+            <a:ext cx="1038747" cy="276999"/>
+          </a:xfrm>
+          <a:prstGeom prst="rect">
+            <a:avLst/>
+          </a:prstGeom>
+          <a:noFill/>
+        </p:spPr>
+        <p:txBody>
+          <a:bodyPr wrap="none" rtlCol="0">
+            <a:spAutoFit/>
+          </a:bodyPr>
+          <a:lstStyle/>
+          <a:p>
+            <a:pPr algn="ctr"/>
+            <a:r>
+              <a:rPr lang="en-US" sz="1200" dirty="0"/>
+              <a:t>Portal Service</a:t>
+            </a:r>
+          </a:p>
+        </p:txBody>
+      </p:sp>
+      <p:pic>
+        <p:nvPicPr>
+          <p:cNvPr id="31" name="Picture 30">
+            <a:extLst>
+              <a:ext uri="{FF2B5EF4-FFF2-40B4-BE49-F238E27FC236}">
+                <a16:creationId xmlns:a16="http://schemas.microsoft.com/office/drawing/2014/main" id="{9573D7CA-0018-4A92-8A9D-52300C2A8DBE}"/>
+              </a:ext>
+            </a:extLst>
+          </p:cNvPr>
+          <p:cNvPicPr>
+            <a:picLocks noChangeAspect="1"/>
+          </p:cNvPicPr>
+          <p:nvPr/>
+        </p:nvPicPr>
+        <p:blipFill>
+          <a:blip r:embed="rId3">
+            <a:extLst>
+              <a:ext uri="{28A0092B-C50C-407E-A947-70E740481C1C}">
+                <a14:useLocalDpi xmlns:a14="http://schemas.microsoft.com/office/drawing/2010/main" val="0"/>
+              </a:ext>
+            </a:extLst>
+          </a:blip>
+          <a:stretch>
+            <a:fillRect/>
+          </a:stretch>
+        </p:blipFill>
+        <p:spPr>
+          <a:xfrm>
+            <a:off x="8234322" y="2053842"/>
+            <a:ext cx="591652" cy="591652"/>
+          </a:xfrm>
+          <a:prstGeom prst="rect">
+            <a:avLst/>
+          </a:prstGeom>
+        </p:spPr>
+      </p:pic>
+      <p:pic>
+        <p:nvPicPr>
+          <p:cNvPr id="43" name="Picture 42">
+            <a:extLst>
+              <a:ext uri="{FF2B5EF4-FFF2-40B4-BE49-F238E27FC236}">
+                <a16:creationId xmlns:a16="http://schemas.microsoft.com/office/drawing/2014/main" id="{E2BEEB5C-A9EC-449A-9F89-9B7620A97843}"/>
+              </a:ext>
+            </a:extLst>
+          </p:cNvPr>
+          <p:cNvPicPr>
+            <a:picLocks noChangeAspect="1"/>
+          </p:cNvPicPr>
+          <p:nvPr/>
+        </p:nvPicPr>
+        <p:blipFill>
+          <a:blip r:embed="rId2">
+            <a:extLst>
+              <a:ext uri="{28A0092B-C50C-407E-A947-70E740481C1C}">
+                <a14:useLocalDpi xmlns:a14="http://schemas.microsoft.com/office/drawing/2010/main" val="0"/>
+              </a:ext>
+            </a:extLst>
+          </a:blip>
+          <a:stretch>
+            <a:fillRect/>
+          </a:stretch>
+        </p:blipFill>
+        <p:spPr>
+          <a:xfrm>
+            <a:off x="6107620" y="3739909"/>
+            <a:ext cx="762000" cy="762000"/>
+          </a:xfrm>
+          <a:prstGeom prst="rect">
+            <a:avLst/>
+          </a:prstGeom>
+        </p:spPr>
+      </p:pic>
+      <p:pic>
+        <p:nvPicPr>
+          <p:cNvPr id="44" name="Picture 43">
+            <a:extLst>
+              <a:ext uri="{FF2B5EF4-FFF2-40B4-BE49-F238E27FC236}">
+                <a16:creationId xmlns:a16="http://schemas.microsoft.com/office/drawing/2014/main" id="{906C6BDE-98BF-4DDF-8715-9158C1B7F4A2}"/>
+              </a:ext>
+            </a:extLst>
+          </p:cNvPr>
+          <p:cNvPicPr>
+            <a:picLocks noChangeAspect="1"/>
+          </p:cNvPicPr>
+          <p:nvPr/>
+        </p:nvPicPr>
+        <p:blipFill>
+          <a:blip r:embed="rId2">
+            <a:extLst>
+              <a:ext uri="{28A0092B-C50C-407E-A947-70E740481C1C}">
+                <a14:useLocalDpi xmlns:a14="http://schemas.microsoft.com/office/drawing/2010/main" val="0"/>
+              </a:ext>
+            </a:extLst>
+          </a:blip>
+          <a:stretch>
+            <a:fillRect/>
+          </a:stretch>
+        </p:blipFill>
+        <p:spPr>
+          <a:xfrm>
+            <a:off x="5628836" y="3739909"/>
+            <a:ext cx="762000" cy="762000"/>
+          </a:xfrm>
+          <a:prstGeom prst="rect">
+            <a:avLst/>
+          </a:prstGeom>
+        </p:spPr>
+      </p:pic>
+      <p:pic>
+        <p:nvPicPr>
+          <p:cNvPr id="45" name="Picture 44">
+            <a:extLst>
+              <a:ext uri="{FF2B5EF4-FFF2-40B4-BE49-F238E27FC236}">
+                <a16:creationId xmlns:a16="http://schemas.microsoft.com/office/drawing/2014/main" id="{E3E152AD-E6B1-4C44-A1E5-146E5B74B0F4}"/>
+              </a:ext>
+            </a:extLst>
+          </p:cNvPr>
+          <p:cNvPicPr>
+            <a:picLocks noChangeAspect="1"/>
+          </p:cNvPicPr>
+          <p:nvPr/>
+        </p:nvPicPr>
+        <p:blipFill>
+          <a:blip r:embed="rId2">
+            <a:extLst>
+              <a:ext uri="{28A0092B-C50C-407E-A947-70E740481C1C}">
+                <a14:useLocalDpi xmlns:a14="http://schemas.microsoft.com/office/drawing/2010/main" val="0"/>
+              </a:ext>
+            </a:extLst>
+          </a:blip>
+          <a:stretch>
+            <a:fillRect/>
+          </a:stretch>
+        </p:blipFill>
+        <p:spPr>
+          <a:xfrm>
+            <a:off x="5141341" y="3739909"/>
+            <a:ext cx="762000" cy="762000"/>
+          </a:xfrm>
+          <a:prstGeom prst="rect">
+            <a:avLst/>
+          </a:prstGeom>
+        </p:spPr>
+      </p:pic>
+      <p:pic>
+        <p:nvPicPr>
+          <p:cNvPr id="46" name="Picture 45">
+            <a:extLst>
+              <a:ext uri="{FF2B5EF4-FFF2-40B4-BE49-F238E27FC236}">
+                <a16:creationId xmlns:a16="http://schemas.microsoft.com/office/drawing/2014/main" id="{5EC60DD3-2BC8-49D6-BD2D-21A8ABFD0C58}"/>
+              </a:ext>
+            </a:extLst>
+          </p:cNvPr>
+          <p:cNvPicPr>
+            <a:picLocks noChangeAspect="1"/>
+          </p:cNvPicPr>
+          <p:nvPr/>
+        </p:nvPicPr>
+        <p:blipFill>
+          <a:blip r:embed="rId2">
+            <a:extLst>
+              <a:ext uri="{28A0092B-C50C-407E-A947-70E740481C1C}">
+                <a14:useLocalDpi xmlns:a14="http://schemas.microsoft.com/office/drawing/2010/main" val="0"/>
+              </a:ext>
+            </a:extLst>
+          </a:blip>
+          <a:stretch>
+            <a:fillRect/>
+          </a:stretch>
+        </p:blipFill>
+        <p:spPr>
+          <a:xfrm>
+            <a:off x="6595115" y="3743121"/>
+            <a:ext cx="762000" cy="762000"/>
+          </a:xfrm>
+          <a:prstGeom prst="rect">
+            <a:avLst/>
+          </a:prstGeom>
+        </p:spPr>
+      </p:pic>
+      <p:sp>
+        <p:nvSpPr>
+          <p:cNvPr id="47" name="TextBox 46">
+            <a:extLst>
+              <a:ext uri="{FF2B5EF4-FFF2-40B4-BE49-F238E27FC236}">
+                <a16:creationId xmlns:a16="http://schemas.microsoft.com/office/drawing/2014/main" id="{C7419259-BFC9-46F0-B3E6-65C83484EE9E}"/>
+              </a:ext>
+            </a:extLst>
+          </p:cNvPr>
+          <p:cNvSpPr txBox="1"/>
+          <p:nvPr/>
+        </p:nvSpPr>
+        <p:spPr>
+          <a:xfrm>
+            <a:off x="5558266" y="4553527"/>
+            <a:ext cx="1278556" cy="276999"/>
+          </a:xfrm>
+          <a:prstGeom prst="rect">
+            <a:avLst/>
+          </a:prstGeom>
+          <a:noFill/>
+        </p:spPr>
+        <p:txBody>
+          <a:bodyPr wrap="none" rtlCol="0">
+            <a:spAutoFit/>
+          </a:bodyPr>
+          <a:lstStyle/>
+          <a:p>
+            <a:pPr algn="ctr"/>
+            <a:r>
+              <a:rPr lang="en-US" sz="1200" dirty="0"/>
+              <a:t>Fair Trade Service</a:t>
+            </a:r>
+          </a:p>
+        </p:txBody>
+      </p:sp>
+      <p:pic>
+        <p:nvPicPr>
+          <p:cNvPr id="63" name="Picture 62">
+            <a:extLst>
+              <a:ext uri="{FF2B5EF4-FFF2-40B4-BE49-F238E27FC236}">
+                <a16:creationId xmlns:a16="http://schemas.microsoft.com/office/drawing/2014/main" id="{D65733D0-760A-4484-A0A5-D4FF59F724CA}"/>
+              </a:ext>
+            </a:extLst>
+          </p:cNvPr>
+          <p:cNvPicPr>
+            <a:picLocks noChangeAspect="1"/>
+          </p:cNvPicPr>
+          <p:nvPr/>
+        </p:nvPicPr>
+        <p:blipFill>
+          <a:blip r:embed="rId3">
+            <a:extLst>
+              <a:ext uri="{28A0092B-C50C-407E-A947-70E740481C1C}">
+                <a14:useLocalDpi xmlns:a14="http://schemas.microsoft.com/office/drawing/2010/main" val="0"/>
+              </a:ext>
+            </a:extLst>
+          </a:blip>
+          <a:stretch>
+            <a:fillRect/>
+          </a:stretch>
+        </p:blipFill>
+        <p:spPr>
+          <a:xfrm>
+            <a:off x="8614675" y="3739909"/>
+            <a:ext cx="731754" cy="731754"/>
+          </a:xfrm>
+          <a:prstGeom prst="rect">
+            <a:avLst/>
+          </a:prstGeom>
+        </p:spPr>
+      </p:pic>
+      <p:sp>
+        <p:nvSpPr>
+          <p:cNvPr id="64" name="TextBox 63">
+            <a:extLst>
+              <a:ext uri="{FF2B5EF4-FFF2-40B4-BE49-F238E27FC236}">
+                <a16:creationId xmlns:a16="http://schemas.microsoft.com/office/drawing/2014/main" id="{C683ED28-F808-475B-AD77-87930606B3B3}"/>
+              </a:ext>
+            </a:extLst>
+          </p:cNvPr>
+          <p:cNvSpPr txBox="1"/>
+          <p:nvPr/>
+        </p:nvSpPr>
+        <p:spPr>
+          <a:xfrm>
+            <a:off x="8584770" y="4471663"/>
+            <a:ext cx="791050" cy="276999"/>
+          </a:xfrm>
+          <a:prstGeom prst="rect">
+            <a:avLst/>
+          </a:prstGeom>
+          <a:noFill/>
+        </p:spPr>
+        <p:txBody>
+          <a:bodyPr wrap="none" rtlCol="0">
+            <a:spAutoFit/>
+          </a:bodyPr>
+          <a:lstStyle/>
+          <a:p>
+            <a:pPr algn="ctr"/>
+            <a:r>
+              <a:rPr lang="en-US" sz="1200" dirty="0"/>
+              <a:t>Metadata</a:t>
+            </a:r>
+          </a:p>
+        </p:txBody>
+      </p:sp>
+      <p:pic>
+        <p:nvPicPr>
+          <p:cNvPr id="65" name="Picture 64">
+            <a:extLst>
+              <a:ext uri="{FF2B5EF4-FFF2-40B4-BE49-F238E27FC236}">
+                <a16:creationId xmlns:a16="http://schemas.microsoft.com/office/drawing/2014/main" id="{1AA0941C-67FB-4D47-86C6-31DA4C7A4FA9}"/>
+              </a:ext>
+            </a:extLst>
+          </p:cNvPr>
+          <p:cNvPicPr>
+            <a:picLocks noChangeAspect="1"/>
+          </p:cNvPicPr>
+          <p:nvPr/>
+        </p:nvPicPr>
+        <p:blipFill>
+          <a:blip r:embed="rId5">
+            <a:extLst>
+              <a:ext uri="{28A0092B-C50C-407E-A947-70E740481C1C}">
+                <a14:useLocalDpi xmlns:a14="http://schemas.microsoft.com/office/drawing/2010/main" val="0"/>
+              </a:ext>
+            </a:extLst>
+          </a:blip>
+          <a:stretch>
+            <a:fillRect/>
+          </a:stretch>
+        </p:blipFill>
+        <p:spPr>
+          <a:xfrm>
+            <a:off x="7838131" y="3739909"/>
+            <a:ext cx="623982" cy="623982"/>
+          </a:xfrm>
+          <a:prstGeom prst="rect">
+            <a:avLst/>
+          </a:prstGeom>
+        </p:spPr>
+      </p:pic>
+      <p:sp>
+        <p:nvSpPr>
+          <p:cNvPr id="66" name="TextBox 65">
+            <a:extLst>
+              <a:ext uri="{FF2B5EF4-FFF2-40B4-BE49-F238E27FC236}">
+                <a16:creationId xmlns:a16="http://schemas.microsoft.com/office/drawing/2014/main" id="{9DA6F763-9B06-4AE2-A82F-19D2D1054B0F}"/>
+              </a:ext>
+            </a:extLst>
+          </p:cNvPr>
+          <p:cNvSpPr txBox="1"/>
+          <p:nvPr/>
+        </p:nvSpPr>
+        <p:spPr>
+          <a:xfrm>
+            <a:off x="7821090" y="4369040"/>
+            <a:ext cx="658064" cy="461665"/>
+          </a:xfrm>
+          <a:prstGeom prst="rect">
+            <a:avLst/>
+          </a:prstGeom>
+          <a:noFill/>
+        </p:spPr>
+        <p:txBody>
+          <a:bodyPr wrap="none" rtlCol="0">
+            <a:spAutoFit/>
+          </a:bodyPr>
+          <a:lstStyle/>
+          <a:p>
+            <a:pPr algn="ctr"/>
+            <a:r>
+              <a:rPr lang="en-US" sz="1200" dirty="0"/>
+              <a:t>File</a:t>
+            </a:r>
+          </a:p>
+          <a:p>
+            <a:pPr algn="ctr"/>
+            <a:r>
+              <a:rPr lang="en-US" sz="1200" dirty="0"/>
+              <a:t>Storage</a:t>
+            </a:r>
+          </a:p>
+        </p:txBody>
+      </p:sp>
+      <p:pic>
+        <p:nvPicPr>
+          <p:cNvPr id="67" name="Picture 66" descr="A computer with a switch&#10;&#10;Description automatically generated">
+            <a:extLst>
+              <a:ext uri="{FF2B5EF4-FFF2-40B4-BE49-F238E27FC236}">
+                <a16:creationId xmlns:a16="http://schemas.microsoft.com/office/drawing/2014/main" id="{9D368DCD-421A-4A4B-9997-5CB065D42840}"/>
+              </a:ext>
+            </a:extLst>
+          </p:cNvPr>
+          <p:cNvPicPr>
+            <a:picLocks noChangeAspect="1"/>
+          </p:cNvPicPr>
+          <p:nvPr/>
+        </p:nvPicPr>
+        <p:blipFill>
+          <a:blip r:embed="rId4">
+            <a:extLst>
+              <a:ext uri="{28A0092B-C50C-407E-A947-70E740481C1C}">
+                <a14:useLocalDpi xmlns:a14="http://schemas.microsoft.com/office/drawing/2010/main" val="0"/>
+              </a:ext>
+            </a:extLst>
+          </a:blip>
+          <a:stretch>
+            <a:fillRect/>
+          </a:stretch>
+        </p:blipFill>
+        <p:spPr>
+          <a:xfrm>
+            <a:off x="3763971" y="3585734"/>
+            <a:ext cx="838095" cy="838095"/>
+          </a:xfrm>
+          <a:prstGeom prst="rect">
+            <a:avLst/>
+          </a:prstGeom>
+        </p:spPr>
+      </p:pic>
+      <p:sp>
+        <p:nvSpPr>
+          <p:cNvPr id="68" name="TextBox 67">
+            <a:extLst>
+              <a:ext uri="{FF2B5EF4-FFF2-40B4-BE49-F238E27FC236}">
+                <a16:creationId xmlns:a16="http://schemas.microsoft.com/office/drawing/2014/main" id="{D9DF58ED-8A27-4AD3-9165-DEF1D8EC0E5B}"/>
+              </a:ext>
+            </a:extLst>
+          </p:cNvPr>
+          <p:cNvSpPr txBox="1"/>
+          <p:nvPr/>
+        </p:nvSpPr>
+        <p:spPr>
+          <a:xfrm>
+            <a:off x="3652264" y="4471663"/>
+            <a:ext cx="1061509" cy="276999"/>
+          </a:xfrm>
+          <a:prstGeom prst="rect">
+            <a:avLst/>
+          </a:prstGeom>
+          <a:noFill/>
+        </p:spPr>
+        <p:txBody>
+          <a:bodyPr wrap="none" rtlCol="0">
+            <a:spAutoFit/>
+          </a:bodyPr>
+          <a:lstStyle/>
+          <a:p>
+            <a:pPr algn="ctr"/>
+            <a:r>
+              <a:rPr lang="en-US" sz="1200" dirty="0"/>
+              <a:t>Load Balancer</a:t>
+            </a:r>
+          </a:p>
+        </p:txBody>
+      </p:sp>
+      <p:pic>
+        <p:nvPicPr>
+          <p:cNvPr id="69" name="Picture 68">
+            <a:extLst>
+              <a:ext uri="{FF2B5EF4-FFF2-40B4-BE49-F238E27FC236}">
+                <a16:creationId xmlns:a16="http://schemas.microsoft.com/office/drawing/2014/main" id="{A28CEA54-E16C-4A48-8C14-09E4B0C9BB11}"/>
+              </a:ext>
+            </a:extLst>
+          </p:cNvPr>
+          <p:cNvPicPr>
+            <a:picLocks noChangeAspect="1"/>
+          </p:cNvPicPr>
+          <p:nvPr/>
+        </p:nvPicPr>
+        <p:blipFill>
+          <a:blip r:embed="rId6">
+            <a:extLst>
+              <a:ext uri="{28A0092B-C50C-407E-A947-70E740481C1C}">
+                <a14:useLocalDpi xmlns:a14="http://schemas.microsoft.com/office/drawing/2010/main" val="0"/>
+              </a:ext>
+            </a:extLst>
+          </a:blip>
+          <a:stretch>
+            <a:fillRect/>
+          </a:stretch>
+        </p:blipFill>
+        <p:spPr>
+          <a:xfrm>
+            <a:off x="2229091" y="2149163"/>
+            <a:ext cx="609600" cy="609600"/>
+          </a:xfrm>
+          <a:prstGeom prst="rect">
+            <a:avLst/>
+          </a:prstGeom>
+        </p:spPr>
+      </p:pic>
+      <p:pic>
+        <p:nvPicPr>
+          <p:cNvPr id="70" name="Picture 69">
+            <a:extLst>
+              <a:ext uri="{FF2B5EF4-FFF2-40B4-BE49-F238E27FC236}">
+                <a16:creationId xmlns:a16="http://schemas.microsoft.com/office/drawing/2014/main" id="{216DA31D-5004-4642-B3B2-1541BF9EAE70}"/>
+              </a:ext>
+            </a:extLst>
+          </p:cNvPr>
+          <p:cNvPicPr>
+            <a:picLocks noChangeAspect="1"/>
+          </p:cNvPicPr>
+          <p:nvPr/>
+        </p:nvPicPr>
+        <p:blipFill>
+          <a:blip r:embed="rId6">
+            <a:extLst>
+              <a:ext uri="{28A0092B-C50C-407E-A947-70E740481C1C}">
+                <a14:useLocalDpi xmlns:a14="http://schemas.microsoft.com/office/drawing/2010/main" val="0"/>
+              </a:ext>
+            </a:extLst>
+          </a:blip>
+          <a:stretch>
+            <a:fillRect/>
+          </a:stretch>
+        </p:blipFill>
+        <p:spPr>
+          <a:xfrm>
+            <a:off x="2247420" y="3800986"/>
+            <a:ext cx="609600" cy="609600"/>
+          </a:xfrm>
+          <a:prstGeom prst="rect">
+            <a:avLst/>
+          </a:prstGeom>
+        </p:spPr>
+      </p:pic>
+      <p:cxnSp>
+        <p:nvCxnSpPr>
+          <p:cNvPr id="71" name="Straight Arrow Connector 70">
+            <a:extLst>
+              <a:ext uri="{FF2B5EF4-FFF2-40B4-BE49-F238E27FC236}">
+                <a16:creationId xmlns:a16="http://schemas.microsoft.com/office/drawing/2014/main" id="{F2829C61-538F-439B-92C2-4BC36036C4B8}"/>
+              </a:ext>
+            </a:extLst>
+          </p:cNvPr>
+          <p:cNvCxnSpPr>
+            <a:cxnSpLocks/>
+            <a:endCxn id="12" idx="1"/>
+          </p:cNvCxnSpPr>
+          <p:nvPr/>
+        </p:nvCxnSpPr>
+        <p:spPr>
+          <a:xfrm>
+            <a:off x="3039291" y="2387716"/>
+            <a:ext cx="761375" cy="0"/>
+          </a:xfrm>
+          <a:prstGeom prst="straightConnector1">
+            <a:avLst/>
+          </a:prstGeom>
+          <a:ln>
+            <a:tailEnd type="triangle"/>
+          </a:ln>
+        </p:spPr>
+        <p:style>
+          <a:lnRef idx="1">
+            <a:schemeClr val="accent1"/>
+          </a:lnRef>
+          <a:fillRef idx="0">
+            <a:schemeClr val="accent1"/>
+          </a:fillRef>
+          <a:effectRef idx="0">
+            <a:schemeClr val="accent1"/>
+          </a:effectRef>
+          <a:fontRef idx="minor">
+            <a:schemeClr val="tx1"/>
+          </a:fontRef>
+        </p:style>
+      </p:cxnSp>
+      <p:cxnSp>
+        <p:nvCxnSpPr>
+          <p:cNvPr id="74" name="Straight Arrow Connector 73">
+            <a:extLst>
+              <a:ext uri="{FF2B5EF4-FFF2-40B4-BE49-F238E27FC236}">
+                <a16:creationId xmlns:a16="http://schemas.microsoft.com/office/drawing/2014/main" id="{8F6A1F39-19B5-4E39-B5D6-9073AF848B2C}"/>
+              </a:ext>
+            </a:extLst>
+          </p:cNvPr>
+          <p:cNvCxnSpPr>
+            <a:cxnSpLocks/>
+            <a:endCxn id="67" idx="1"/>
+          </p:cNvCxnSpPr>
+          <p:nvPr/>
+        </p:nvCxnSpPr>
+        <p:spPr>
+          <a:xfrm>
+            <a:off x="3039291" y="4004782"/>
+            <a:ext cx="724680" cy="0"/>
+          </a:xfrm>
+          <a:prstGeom prst="straightConnector1">
+            <a:avLst/>
+          </a:prstGeom>
+          <a:ln>
+            <a:tailEnd type="triangle"/>
+          </a:ln>
+        </p:spPr>
+        <p:style>
+          <a:lnRef idx="1">
+            <a:schemeClr val="accent1"/>
+          </a:lnRef>
+          <a:fillRef idx="0">
+            <a:schemeClr val="accent1"/>
+          </a:fillRef>
+          <a:effectRef idx="0">
+            <a:schemeClr val="accent1"/>
+          </a:effectRef>
+          <a:fontRef idx="minor">
+            <a:schemeClr val="tx1"/>
+          </a:fontRef>
+        </p:style>
+      </p:cxnSp>
+      <p:cxnSp>
+        <p:nvCxnSpPr>
+          <p:cNvPr id="77" name="Straight Arrow Connector 76">
+            <a:extLst>
+              <a:ext uri="{FF2B5EF4-FFF2-40B4-BE49-F238E27FC236}">
+                <a16:creationId xmlns:a16="http://schemas.microsoft.com/office/drawing/2014/main" id="{5F82859E-70DF-44CD-B534-F819AC61D12F}"/>
+              </a:ext>
+            </a:extLst>
+          </p:cNvPr>
+          <p:cNvCxnSpPr>
+            <a:cxnSpLocks/>
+            <a:endCxn id="13" idx="3"/>
+          </p:cNvCxnSpPr>
+          <p:nvPr/>
+        </p:nvCxnSpPr>
+        <p:spPr>
+          <a:xfrm flipH="1" flipV="1">
+            <a:off x="4750468" y="2993097"/>
+            <a:ext cx="1152873" cy="592637"/>
+          </a:xfrm>
+          <a:prstGeom prst="straightConnector1">
+            <a:avLst/>
+          </a:prstGeom>
+          <a:ln>
+            <a:tailEnd type="triangle"/>
+          </a:ln>
+        </p:spPr>
+        <p:style>
+          <a:lnRef idx="1">
+            <a:schemeClr val="accent1"/>
+          </a:lnRef>
+          <a:fillRef idx="0">
+            <a:schemeClr val="accent1"/>
+          </a:fillRef>
+          <a:effectRef idx="0">
+            <a:schemeClr val="accent1"/>
+          </a:effectRef>
+          <a:fontRef idx="minor">
+            <a:schemeClr val="tx1"/>
+          </a:fontRef>
+        </p:style>
+      </p:cxnSp>
+      <p:cxnSp>
+        <p:nvCxnSpPr>
+          <p:cNvPr id="80" name="Straight Arrow Connector 79">
+            <a:extLst>
+              <a:ext uri="{FF2B5EF4-FFF2-40B4-BE49-F238E27FC236}">
+                <a16:creationId xmlns:a16="http://schemas.microsoft.com/office/drawing/2014/main" id="{E4C263B8-496F-4796-A6CF-37752DD9F080}"/>
+              </a:ext>
+            </a:extLst>
+          </p:cNvPr>
+          <p:cNvCxnSpPr>
+            <a:cxnSpLocks/>
+            <a:stCxn id="29" idx="3"/>
+            <a:endCxn id="9" idx="1"/>
+          </p:cNvCxnSpPr>
+          <p:nvPr/>
+        </p:nvCxnSpPr>
+        <p:spPr>
+          <a:xfrm flipV="1">
+            <a:off x="7357115" y="2349668"/>
+            <a:ext cx="378323" cy="3212"/>
+          </a:xfrm>
+          <a:prstGeom prst="straightConnector1">
+            <a:avLst/>
+          </a:prstGeom>
+          <a:ln>
+            <a:tailEnd type="triangle"/>
+          </a:ln>
+        </p:spPr>
+        <p:style>
+          <a:lnRef idx="1">
+            <a:schemeClr val="accent1"/>
+          </a:lnRef>
+          <a:fillRef idx="0">
+            <a:schemeClr val="accent1"/>
+          </a:fillRef>
+          <a:effectRef idx="0">
+            <a:schemeClr val="accent1"/>
+          </a:effectRef>
+          <a:fontRef idx="minor">
+            <a:schemeClr val="tx1"/>
+          </a:fontRef>
+        </p:style>
+      </p:cxnSp>
+      <p:cxnSp>
+        <p:nvCxnSpPr>
+          <p:cNvPr id="83" name="Straight Arrow Connector 82">
+            <a:extLst>
+              <a:ext uri="{FF2B5EF4-FFF2-40B4-BE49-F238E27FC236}">
+                <a16:creationId xmlns:a16="http://schemas.microsoft.com/office/drawing/2014/main" id="{26EED86D-A2F2-4F35-BFCA-E6AF6F640918}"/>
+              </a:ext>
+            </a:extLst>
+          </p:cNvPr>
+          <p:cNvCxnSpPr>
+            <a:cxnSpLocks/>
+          </p:cNvCxnSpPr>
+          <p:nvPr/>
+        </p:nvCxnSpPr>
+        <p:spPr>
+          <a:xfrm flipV="1">
+            <a:off x="7320515" y="4104180"/>
+            <a:ext cx="378323" cy="3212"/>
+          </a:xfrm>
+          <a:prstGeom prst="straightConnector1">
+            <a:avLst/>
+          </a:prstGeom>
+          <a:ln>
+            <a:tailEnd type="triangle"/>
+          </a:ln>
+        </p:spPr>
+        <p:style>
+          <a:lnRef idx="1">
+            <a:schemeClr val="accent1"/>
+          </a:lnRef>
+          <a:fillRef idx="0">
+            <a:schemeClr val="accent1"/>
+          </a:fillRef>
+          <a:effectRef idx="0">
+            <a:schemeClr val="accent1"/>
+          </a:effectRef>
+          <a:fontRef idx="minor">
+            <a:schemeClr val="tx1"/>
+          </a:fontRef>
+        </p:style>
+      </p:cxnSp>
+      <p:cxnSp>
+        <p:nvCxnSpPr>
+          <p:cNvPr id="85" name="Straight Arrow Connector 84">
+            <a:extLst>
+              <a:ext uri="{FF2B5EF4-FFF2-40B4-BE49-F238E27FC236}">
+                <a16:creationId xmlns:a16="http://schemas.microsoft.com/office/drawing/2014/main" id="{1CA3DC5B-F76B-4CDA-9DE8-CFAF9A4F26DD}"/>
+              </a:ext>
+            </a:extLst>
+          </p:cNvPr>
+          <p:cNvCxnSpPr>
+            <a:cxnSpLocks/>
+          </p:cNvCxnSpPr>
+          <p:nvPr/>
+        </p:nvCxnSpPr>
+        <p:spPr>
+          <a:xfrm flipV="1">
+            <a:off x="4805706" y="2349668"/>
+            <a:ext cx="378323" cy="3212"/>
+          </a:xfrm>
+          <a:prstGeom prst="straightConnector1">
+            <a:avLst/>
+          </a:prstGeom>
+          <a:ln>
+            <a:tailEnd type="triangle"/>
+          </a:ln>
+        </p:spPr>
+        <p:style>
+          <a:lnRef idx="1">
+            <a:schemeClr val="accent1"/>
+          </a:lnRef>
+          <a:fillRef idx="0">
+            <a:schemeClr val="accent1"/>
+          </a:fillRef>
+          <a:effectRef idx="0">
+            <a:schemeClr val="accent1"/>
+          </a:effectRef>
+          <a:fontRef idx="minor">
+            <a:schemeClr val="tx1"/>
+          </a:fontRef>
+        </p:style>
+      </p:cxnSp>
+      <p:cxnSp>
+        <p:nvCxnSpPr>
+          <p:cNvPr id="86" name="Straight Arrow Connector 85">
+            <a:extLst>
+              <a:ext uri="{FF2B5EF4-FFF2-40B4-BE49-F238E27FC236}">
+                <a16:creationId xmlns:a16="http://schemas.microsoft.com/office/drawing/2014/main" id="{E22BBBD3-E4D3-4BE4-814F-B688D24EEDC4}"/>
+              </a:ext>
+            </a:extLst>
+          </p:cNvPr>
+          <p:cNvCxnSpPr>
+            <a:cxnSpLocks/>
+          </p:cNvCxnSpPr>
+          <p:nvPr/>
+        </p:nvCxnSpPr>
+        <p:spPr>
+          <a:xfrm flipV="1">
+            <a:off x="4797786" y="4093826"/>
+            <a:ext cx="378323" cy="3212"/>
+          </a:xfrm>
+          <a:prstGeom prst="straightConnector1">
+            <a:avLst/>
+          </a:prstGeom>
+          <a:ln>
+            <a:tailEnd type="triangle"/>
+          </a:ln>
+        </p:spPr>
+        <p:style>
+          <a:lnRef idx="1">
+            <a:schemeClr val="accent1"/>
+          </a:lnRef>
+          <a:fillRef idx="0">
+            <a:schemeClr val="accent1"/>
+          </a:fillRef>
+          <a:effectRef idx="0">
+            <a:schemeClr val="accent1"/>
+          </a:effectRef>
+          <a:fontRef idx="minor">
+            <a:schemeClr val="tx1"/>
+          </a:fontRef>
+        </p:style>
+      </p:cxnSp>
+    </p:spTree>
+    <p:extLst>
+      <p:ext uri="{BB962C8B-B14F-4D97-AF65-F5344CB8AC3E}">
+        <p14:creationId xmlns:p14="http://schemas.microsoft.com/office/powerpoint/2010/main" val="620765764"/>
+      </p:ext>
+    </p:extLst>
+  </p:cSld>
+  <p:clrMapOvr>
+    <a:masterClrMapping/>
+  </p:clrMapOvr>
+  <p:timing>
+    <p:tnLst>
+      <p:par>
+        <p:cTn id="1" dur="indefinite" restart="never" nodeType="tmRoot">
+          <p:childTnLst>
+            <p:seq concurrent="1" nextAc="seek">
+              <p:cTn id="2" dur="indefinite" nodeType="mainSeq">
+                <p:childTnLst>
+                  <p:par>
+                    <p:cTn id="3" fill="hold">
+                      <p:stCondLst>
+                        <p:cond delay="indefinite"/>
+                      </p:stCondLst>
+                      <p:childTnLst>
+                        <p:par>
+                          <p:cTn id="4" fill="hold">
+                            <p:stCondLst>
+                              <p:cond delay="0"/>
+                            </p:stCondLst>
+                            <p:childTnLst>
+                              <p:par>
+                                <p:cTn id="5" presetID="10" presetClass="entr" presetSubtype="0" fill="hold" grpId="0" nodeType="clickEffect">
+                                  <p:stCondLst>
+                                    <p:cond delay="0"/>
+                                  </p:stCondLst>
+                                  <p:childTnLst>
+                                    <p:set>
+                                      <p:cBhvr>
+                                        <p:cTn id="6" dur="1" fill="hold">
+                                          <p:stCondLst>
+                                            <p:cond delay="0"/>
+                                          </p:stCondLst>
+                                        </p:cTn>
+                                        <p:tgtEl>
+                                          <p:spTgt spid="13"/>
+                                        </p:tgtEl>
+                                        <p:attrNameLst>
+                                          <p:attrName>style.visibility</p:attrName>
+                                        </p:attrNameLst>
+                                      </p:cBhvr>
+                                      <p:to>
+                                        <p:strVal val="visible"/>
+                                      </p:to>
+                                    </p:set>
+                                    <p:animEffect transition="in" filter="fade">
+                                      <p:cBhvr>
+                                        <p:cTn id="7" dur="500"/>
+                                        <p:tgtEl>
+                                          <p:spTgt spid="13"/>
+                                        </p:tgtEl>
+                                      </p:cBhvr>
+                                    </p:animEffect>
+                                  </p:childTnLst>
+                                </p:cTn>
+                              </p:par>
+                            </p:childTnLst>
+                          </p:cTn>
+                        </p:par>
+                      </p:childTnLst>
+                    </p:cTn>
+                  </p:par>
+                  <p:par>
+                    <p:cTn id="8" fill="hold">
+                      <p:stCondLst>
+                        <p:cond delay="indefinite"/>
+                      </p:stCondLst>
+                      <p:childTnLst>
+                        <p:par>
+                          <p:cTn id="9" fill="hold">
+                            <p:stCondLst>
+                              <p:cond delay="0"/>
+                            </p:stCondLst>
+                            <p:childTnLst>
+                              <p:par>
+                                <p:cTn id="10" presetID="10" presetClass="entr" presetSubtype="0" fill="hold" grpId="0" nodeType="clickEffect">
+                                  <p:stCondLst>
+                                    <p:cond delay="0"/>
+                                  </p:stCondLst>
+                                  <p:childTnLst>
+                                    <p:set>
+                                      <p:cBhvr>
+                                        <p:cTn id="11" dur="1" fill="hold">
+                                          <p:stCondLst>
+                                            <p:cond delay="0"/>
+                                          </p:stCondLst>
+                                        </p:cTn>
+                                        <p:tgtEl>
+                                          <p:spTgt spid="30"/>
+                                        </p:tgtEl>
+                                        <p:attrNameLst>
+                                          <p:attrName>style.visibility</p:attrName>
+                                        </p:attrNameLst>
+                                      </p:cBhvr>
+                                      <p:to>
+                                        <p:strVal val="visible"/>
+                                      </p:to>
+                                    </p:set>
+                                    <p:animEffect transition="in" filter="fade">
+                                      <p:cBhvr>
+                                        <p:cTn id="12" dur="500"/>
+                                        <p:tgtEl>
+                                          <p:spTgt spid="30"/>
+                                        </p:tgtEl>
+                                      </p:cBhvr>
+                                    </p:animEffect>
+                                  </p:childTnLst>
+                                </p:cTn>
+                              </p:par>
+                            </p:childTnLst>
+                          </p:cTn>
+                        </p:par>
+                      </p:childTnLst>
+                    </p:cTn>
+                  </p:par>
+                  <p:par>
+                    <p:cTn id="13" fill="hold">
+                      <p:stCondLst>
+                        <p:cond delay="indefinite"/>
+                      </p:stCondLst>
+                      <p:childTnLst>
+                        <p:par>
+                          <p:cTn id="14" fill="hold">
+                            <p:stCondLst>
+                              <p:cond delay="0"/>
+                            </p:stCondLst>
+                            <p:childTnLst>
+                              <p:par>
+                                <p:cTn id="15" presetID="10" presetClass="entr" presetSubtype="0" fill="hold" grpId="0" nodeType="clickEffect">
+                                  <p:stCondLst>
+                                    <p:cond delay="0"/>
+                                  </p:stCondLst>
+                                  <p:childTnLst>
+                                    <p:set>
+                                      <p:cBhvr>
+                                        <p:cTn id="16" dur="1" fill="hold">
+                                          <p:stCondLst>
+                                            <p:cond delay="0"/>
+                                          </p:stCondLst>
+                                        </p:cTn>
+                                        <p:tgtEl>
+                                          <p:spTgt spid="47"/>
+                                        </p:tgtEl>
+                                        <p:attrNameLst>
+                                          <p:attrName>style.visibility</p:attrName>
+                                        </p:attrNameLst>
+                                      </p:cBhvr>
+                                      <p:to>
+                                        <p:strVal val="visible"/>
+                                      </p:to>
+                                    </p:set>
+                                    <p:animEffect transition="in" filter="fade">
+                                      <p:cBhvr>
+                                        <p:cTn id="17" dur="500"/>
+                                        <p:tgtEl>
+                                          <p:spTgt spid="47"/>
+                                        </p:tgtEl>
+                                      </p:cBhvr>
+                                    </p:animEffect>
+                                  </p:childTnLst>
+                                </p:cTn>
+                              </p:par>
+                            </p:childTnLst>
+                          </p:cTn>
+                        </p:par>
+                      </p:childTnLst>
+                    </p:cTn>
+                  </p:par>
+                  <p:par>
+                    <p:cTn id="18" fill="hold">
+                      <p:stCondLst>
+                        <p:cond delay="indefinite"/>
+                      </p:stCondLst>
+                      <p:childTnLst>
+                        <p:par>
+                          <p:cTn id="19" fill="hold">
+                            <p:stCondLst>
+                              <p:cond delay="0"/>
+                            </p:stCondLst>
+                            <p:childTnLst>
+                              <p:par>
+                                <p:cTn id="20" presetID="10" presetClass="entr" presetSubtype="0" fill="hold" grpId="0" nodeType="clickEffect">
+                                  <p:stCondLst>
+                                    <p:cond delay="0"/>
+                                  </p:stCondLst>
+                                  <p:childTnLst>
+                                    <p:set>
+                                      <p:cBhvr>
+                                        <p:cTn id="21" dur="1" fill="hold">
+                                          <p:stCondLst>
+                                            <p:cond delay="0"/>
+                                          </p:stCondLst>
+                                        </p:cTn>
+                                        <p:tgtEl>
+                                          <p:spTgt spid="68"/>
+                                        </p:tgtEl>
+                                        <p:attrNameLst>
+                                          <p:attrName>style.visibility</p:attrName>
+                                        </p:attrNameLst>
+                                      </p:cBhvr>
+                                      <p:to>
+                                        <p:strVal val="visible"/>
+                                      </p:to>
+                                    </p:set>
+                                    <p:animEffect transition="in" filter="fade">
+                                      <p:cBhvr>
+                                        <p:cTn id="22" dur="500"/>
+                                        <p:tgtEl>
+                                          <p:spTgt spid="68"/>
+                                        </p:tgtEl>
+                                      </p:cBhvr>
+                                    </p:animEffect>
+                                  </p:childTnLst>
+                                </p:cTn>
+                              </p:par>
+                            </p:childTnLst>
+                          </p:cTn>
+                        </p:par>
+                      </p:childTnLst>
+                    </p:cTn>
+                  </p:par>
+                </p:childTnLst>
+              </p:cTn>
+              <p:prevCondLst>
+                <p:cond evt="onPrev" delay="0">
+                  <p:tgtEl>
+                    <p:sldTgt/>
+                  </p:tgtEl>
+                </p:cond>
+              </p:prevCondLst>
+              <p:nextCondLst>
+                <p:cond evt="onNext" delay="0">
+                  <p:tgtEl>
+                    <p:sldTgt/>
+                  </p:tgtEl>
+                </p:cond>
+              </p:nextCondLst>
+            </p:seq>
+          </p:childTnLst>
+        </p:cTn>
+      </p:par>
+    </p:tnLst>
+    <p:bldLst>
+      <p:bldP spid="13" grpId="0"/>
+      <p:bldP spid="30" grpId="0"/>
+      <p:bldP spid="47" grpId="0"/>
+      <p:bldP spid="68" grpId="0"/>
+    </p:bldLst>
+  </p:timing>
+</p:sld>
+</file>
+
+<file path=ppt/slides/slide7.xml><?xml version="1.0" encoding="utf-8"?>
+<p:sld xmlns:a="http://schemas.openxmlformats.org/drawingml/2006/main" xmlns:r="http://schemas.openxmlformats.org/officeDocument/2006/relationships" xmlns:p="http://schemas.openxmlformats.org/presentationml/2006/main">
+  <p:cSld>
+    <p:spTree>
+      <p:nvGrpSpPr>
+        <p:cNvPr id="1" name=""/>
+        <p:cNvGrpSpPr/>
+        <p:nvPr/>
+      </p:nvGrpSpPr>
+      <p:grpSpPr>
+        <a:xfrm>
+          <a:off x="0" y="0"/>
+          <a:ext cx="0" cy="0"/>
+          <a:chOff x="0" y="0"/>
+          <a:chExt cx="0" cy="0"/>
+        </a:xfrm>
+      </p:grpSpPr>
+      <p:pic>
+        <p:nvPicPr>
+          <p:cNvPr id="5" name="Picture 2" descr="GitHub - hyperledger/fabric: Hyperledger Fabric is an enterprise-grade  permissioned distributed ledger framework for developing solutions and  applications. Its modular and versatile design satisfies a broad range of  industry use cases. It offers">
+            <a:extLst>
+              <a:ext uri="{FF2B5EF4-FFF2-40B4-BE49-F238E27FC236}">
+                <a16:creationId xmlns:a16="http://schemas.microsoft.com/office/drawing/2014/main" id="{130754FF-9307-4B8F-8FB5-5F4C45A5093B}"/>
+              </a:ext>
+            </a:extLst>
+          </p:cNvPr>
+          <p:cNvPicPr>
+            <a:picLocks noChangeAspect="1" noChangeArrowheads="1"/>
+          </p:cNvPicPr>
+          <p:nvPr/>
+        </p:nvPicPr>
+        <p:blipFill>
+          <a:blip r:embed="rId2">
+            <a:extLst>
+              <a:ext uri="{28A0092B-C50C-407E-A947-70E740481C1C}">
+                <a14:useLocalDpi xmlns:a14="http://schemas.microsoft.com/office/drawing/2010/main" val="0"/>
+              </a:ext>
+            </a:extLst>
+          </a:blip>
+          <a:srcRect/>
+          <a:stretch>
+            <a:fillRect/>
+          </a:stretch>
+        </p:blipFill>
+        <p:spPr bwMode="auto">
+          <a:xfrm>
+            <a:off x="10634503" y="1497249"/>
+            <a:ext cx="809331" cy="404666"/>
+          </a:xfrm>
+          <a:prstGeom prst="rect">
+            <a:avLst/>
+          </a:prstGeom>
+          <a:noFill/>
+          <a:extLst>
+            <a:ext uri="{909E8E84-426E-40DD-AFC4-6F175D3DCCD1}">
+              <a14:hiddenFill xmlns:a14="http://schemas.microsoft.com/office/drawing/2010/main">
+                <a:solidFill>
+                  <a:srgbClr val="FFFFFF"/>
+                </a:solidFill>
+              </a14:hiddenFill>
+            </a:ext>
+          </a:extLst>
+        </p:spPr>
+      </p:pic>
+      <p:pic>
+        <p:nvPicPr>
+          <p:cNvPr id="6" name="Picture 6" descr="컴퓨터, 데이터, 데이터 베이스, 도표, 예배 규칙서, 문서, 파일, 폴더, 회로망, 인쇄기">
+            <a:extLst>
+              <a:ext uri="{FF2B5EF4-FFF2-40B4-BE49-F238E27FC236}">
+                <a16:creationId xmlns:a16="http://schemas.microsoft.com/office/drawing/2014/main" id="{076A4A9C-CDA2-4100-8E2E-AE8CE08E7118}"/>
+              </a:ext>
+            </a:extLst>
+          </p:cNvPr>
+          <p:cNvPicPr>
+            <a:picLocks noChangeAspect="1" noChangeArrowheads="1"/>
+          </p:cNvPicPr>
+          <p:nvPr/>
+        </p:nvPicPr>
+        <p:blipFill rotWithShape="1">
+          <a:blip r:embed="rId3">
+            <a:extLst>
+              <a:ext uri="{28A0092B-C50C-407E-A947-70E740481C1C}">
+                <a14:useLocalDpi xmlns:a14="http://schemas.microsoft.com/office/drawing/2010/main" val="0"/>
+              </a:ext>
+            </a:extLst>
+          </a:blip>
+          <a:srcRect l="39644" t="70274" r="41198"/>
+          <a:stretch/>
+        </p:blipFill>
+        <p:spPr bwMode="auto">
+          <a:xfrm>
+            <a:off x="8914828" y="2046582"/>
+            <a:ext cx="378811" cy="587771"/>
+          </a:xfrm>
+          <a:prstGeom prst="rect">
+            <a:avLst/>
+          </a:prstGeom>
+          <a:noFill/>
+          <a:extLst>
+            <a:ext uri="{909E8E84-426E-40DD-AFC4-6F175D3DCCD1}">
+              <a14:hiddenFill xmlns:a14="http://schemas.microsoft.com/office/drawing/2010/main">
+                <a:solidFill>
+                  <a:srgbClr val="FFFFFF"/>
+                </a:solidFill>
+              </a14:hiddenFill>
+            </a:ext>
+          </a:extLst>
+        </p:spPr>
+      </p:pic>
+      <p:pic>
+        <p:nvPicPr>
+          <p:cNvPr id="7" name="Picture 6" descr="컴퓨터, 데이터, 데이터 베이스, 도표, 예배 규칙서, 문서, 파일, 폴더, 회로망, 인쇄기">
+            <a:extLst>
+              <a:ext uri="{FF2B5EF4-FFF2-40B4-BE49-F238E27FC236}">
+                <a16:creationId xmlns:a16="http://schemas.microsoft.com/office/drawing/2014/main" id="{F3F8329E-AE97-4188-B845-552A9A2DD03B}"/>
+              </a:ext>
+            </a:extLst>
+          </p:cNvPr>
+          <p:cNvPicPr>
+            <a:picLocks noChangeAspect="1" noChangeArrowheads="1"/>
+          </p:cNvPicPr>
+          <p:nvPr/>
+        </p:nvPicPr>
+        <p:blipFill rotWithShape="1">
+          <a:blip r:embed="rId3">
+            <a:extLst>
+              <a:ext uri="{28A0092B-C50C-407E-A947-70E740481C1C}">
+                <a14:useLocalDpi xmlns:a14="http://schemas.microsoft.com/office/drawing/2010/main" val="0"/>
+              </a:ext>
+            </a:extLst>
+          </a:blip>
+          <a:srcRect l="39644" t="70274" r="41198"/>
+          <a:stretch/>
+        </p:blipFill>
+        <p:spPr bwMode="auto">
+          <a:xfrm>
+            <a:off x="9290589" y="2046582"/>
+            <a:ext cx="378811" cy="587771"/>
+          </a:xfrm>
+          <a:prstGeom prst="rect">
+            <a:avLst/>
+          </a:prstGeom>
+          <a:noFill/>
+          <a:extLst>
+            <a:ext uri="{909E8E84-426E-40DD-AFC4-6F175D3DCCD1}">
+              <a14:hiddenFill xmlns:a14="http://schemas.microsoft.com/office/drawing/2010/main">
+                <a:solidFill>
+                  <a:srgbClr val="FFFFFF"/>
+                </a:solidFill>
+              </a14:hiddenFill>
+            </a:ext>
+          </a:extLst>
+        </p:spPr>
+      </p:pic>
+      <p:pic>
+        <p:nvPicPr>
+          <p:cNvPr id="8" name="Picture 6" descr="컴퓨터, 데이터, 데이터 베이스, 도표, 예배 규칙서, 문서, 파일, 폴더, 회로망, 인쇄기">
+            <a:extLst>
+              <a:ext uri="{FF2B5EF4-FFF2-40B4-BE49-F238E27FC236}">
+                <a16:creationId xmlns:a16="http://schemas.microsoft.com/office/drawing/2014/main" id="{F199AEB8-8470-43A3-AB5F-DD7AF406806D}"/>
+              </a:ext>
+            </a:extLst>
+          </p:cNvPr>
+          <p:cNvPicPr>
+            <a:picLocks noChangeAspect="1" noChangeArrowheads="1"/>
+          </p:cNvPicPr>
+          <p:nvPr/>
+        </p:nvPicPr>
+        <p:blipFill rotWithShape="1">
+          <a:blip r:embed="rId3">
+            <a:extLst>
+              <a:ext uri="{28A0092B-C50C-407E-A947-70E740481C1C}">
+                <a14:useLocalDpi xmlns:a14="http://schemas.microsoft.com/office/drawing/2010/main" val="0"/>
+              </a:ext>
+            </a:extLst>
+          </a:blip>
+          <a:srcRect l="39644" t="70274" r="41198"/>
+          <a:stretch/>
+        </p:blipFill>
+        <p:spPr bwMode="auto">
+          <a:xfrm>
+            <a:off x="8536018" y="2046582"/>
+            <a:ext cx="378811" cy="587771"/>
+          </a:xfrm>
+          <a:prstGeom prst="rect">
+            <a:avLst/>
+          </a:prstGeom>
+          <a:noFill/>
+          <a:extLst>
+            <a:ext uri="{909E8E84-426E-40DD-AFC4-6F175D3DCCD1}">
+              <a14:hiddenFill xmlns:a14="http://schemas.microsoft.com/office/drawing/2010/main">
+                <a:solidFill>
+                  <a:srgbClr val="FFFFFF"/>
+                </a:solidFill>
+              </a14:hiddenFill>
+            </a:ext>
+          </a:extLst>
+        </p:spPr>
+      </p:pic>
+      <p:sp>
+        <p:nvSpPr>
+          <p:cNvPr id="12" name="Rectangle: Rounded Corners 11">
+            <a:extLst>
+              <a:ext uri="{FF2B5EF4-FFF2-40B4-BE49-F238E27FC236}">
+                <a16:creationId xmlns:a16="http://schemas.microsoft.com/office/drawing/2014/main" id="{4773D6F2-8445-46F4-B588-2F7A226D50D8}"/>
+              </a:ext>
+            </a:extLst>
+          </p:cNvPr>
+          <p:cNvSpPr/>
+          <p:nvPr/>
+        </p:nvSpPr>
+        <p:spPr>
+          <a:xfrm>
+            <a:off x="4876800" y="1904036"/>
+            <a:ext cx="6526823" cy="1700809"/>
+          </a:xfrm>
+          <a:prstGeom prst="roundRect">
+            <a:avLst>
+              <a:gd name="adj" fmla="val 6131"/>
+            </a:avLst>
+          </a:prstGeom>
+          <a:noFill/>
+        </p:spPr>
+        <p:style>
+          <a:lnRef idx="2">
+            <a:schemeClr val="accent1">
+              <a:shade val="50000"/>
+            </a:schemeClr>
+          </a:lnRef>
+          <a:fillRef idx="1">
+            <a:schemeClr val="accent1"/>
+          </a:fillRef>
+          <a:effectRef idx="0">
+            <a:schemeClr val="accent1"/>
+          </a:effectRef>
+          <a:fontRef idx="minor">
+            <a:schemeClr val="lt1"/>
+          </a:fontRef>
+        </p:style>
+        <p:txBody>
+          <a:bodyPr rtlCol="0" anchor="ctr"/>
+          <a:lstStyle/>
+          <a:p>
+            <a:pPr algn="ctr"/>
+            <a:endParaRPr lang="en-US"/>
+          </a:p>
+        </p:txBody>
+      </p:sp>
+      <p:sp>
+        <p:nvSpPr>
+          <p:cNvPr id="13" name="TextBox 12">
+            <a:extLst>
+              <a:ext uri="{FF2B5EF4-FFF2-40B4-BE49-F238E27FC236}">
+                <a16:creationId xmlns:a16="http://schemas.microsoft.com/office/drawing/2014/main" id="{EC14F79B-8E5D-4F11-8A68-EE80DA7B2DA6}"/>
+              </a:ext>
+            </a:extLst>
+          </p:cNvPr>
+          <p:cNvSpPr txBox="1"/>
+          <p:nvPr/>
+        </p:nvSpPr>
+        <p:spPr>
+          <a:xfrm>
+            <a:off x="7575609" y="1565772"/>
+            <a:ext cx="1528624" cy="307777"/>
+          </a:xfrm>
+          <a:prstGeom prst="rect">
+            <a:avLst/>
+          </a:prstGeom>
+          <a:noFill/>
+        </p:spPr>
+        <p:txBody>
+          <a:bodyPr wrap="none" rtlCol="0">
+            <a:spAutoFit/>
+          </a:bodyPr>
+          <a:lstStyle/>
+          <a:p>
+            <a:r>
+              <a:rPr lang="en-US" sz="1400" dirty="0"/>
+              <a:t>Blockchain Service</a:t>
+            </a:r>
+          </a:p>
+        </p:txBody>
+      </p:sp>
+      <p:pic>
+        <p:nvPicPr>
+          <p:cNvPr id="15" name="Picture 14">
+            <a:extLst>
+              <a:ext uri="{FF2B5EF4-FFF2-40B4-BE49-F238E27FC236}">
+                <a16:creationId xmlns:a16="http://schemas.microsoft.com/office/drawing/2014/main" id="{275DFC19-0349-46DC-A116-E9AB22A52A3E}"/>
+              </a:ext>
+            </a:extLst>
+          </p:cNvPr>
+          <p:cNvPicPr>
+            <a:picLocks noChangeAspect="1"/>
+          </p:cNvPicPr>
+          <p:nvPr/>
+        </p:nvPicPr>
+        <p:blipFill>
+          <a:blip r:embed="rId4">
+            <a:extLst>
+              <a:ext uri="{28A0092B-C50C-407E-A947-70E740481C1C}">
+                <a14:useLocalDpi xmlns:a14="http://schemas.microsoft.com/office/drawing/2010/main" val="0"/>
+              </a:ext>
+            </a:extLst>
+          </a:blip>
+          <a:stretch>
+            <a:fillRect/>
+          </a:stretch>
+        </p:blipFill>
+        <p:spPr>
+          <a:xfrm>
+            <a:off x="5299618" y="1833356"/>
+            <a:ext cx="609524" cy="609524"/>
+          </a:xfrm>
+          <a:prstGeom prst="rect">
+            <a:avLst/>
+          </a:prstGeom>
+        </p:spPr>
+      </p:pic>
+      <p:pic>
+        <p:nvPicPr>
+          <p:cNvPr id="16" name="Picture 15">
+            <a:extLst>
+              <a:ext uri="{FF2B5EF4-FFF2-40B4-BE49-F238E27FC236}">
+                <a16:creationId xmlns:a16="http://schemas.microsoft.com/office/drawing/2014/main" id="{FA4C57E3-700B-4A87-A436-693B051F546D}"/>
+              </a:ext>
+            </a:extLst>
+          </p:cNvPr>
+          <p:cNvPicPr>
+            <a:picLocks noChangeAspect="1"/>
+          </p:cNvPicPr>
+          <p:nvPr/>
+        </p:nvPicPr>
+        <p:blipFill>
+          <a:blip r:embed="rId5">
+            <a:extLst>
+              <a:ext uri="{28A0092B-C50C-407E-A947-70E740481C1C}">
+                <a14:useLocalDpi xmlns:a14="http://schemas.microsoft.com/office/drawing/2010/main" val="0"/>
+              </a:ext>
+            </a:extLst>
+          </a:blip>
+          <a:stretch>
+            <a:fillRect/>
+          </a:stretch>
+        </p:blipFill>
+        <p:spPr>
+          <a:xfrm>
+            <a:off x="5223380" y="2309783"/>
+            <a:ext cx="762000" cy="762000"/>
+          </a:xfrm>
+          <a:prstGeom prst="rect">
+            <a:avLst/>
+          </a:prstGeom>
+        </p:spPr>
+      </p:pic>
+      <p:pic>
+        <p:nvPicPr>
+          <p:cNvPr id="20" name="Picture 6" descr="컴퓨터, 데이터, 데이터 베이스, 도표, 예배 규칙서, 문서, 파일, 폴더, 회로망, 인쇄기">
+            <a:extLst>
+              <a:ext uri="{FF2B5EF4-FFF2-40B4-BE49-F238E27FC236}">
+                <a16:creationId xmlns:a16="http://schemas.microsoft.com/office/drawing/2014/main" id="{56407BAF-79EE-453C-9B45-AAFE8717BA58}"/>
+              </a:ext>
+            </a:extLst>
+          </p:cNvPr>
+          <p:cNvPicPr>
+            <a:picLocks noChangeAspect="1" noChangeArrowheads="1"/>
+          </p:cNvPicPr>
+          <p:nvPr/>
+        </p:nvPicPr>
+        <p:blipFill rotWithShape="1">
+          <a:blip r:embed="rId3">
+            <a:extLst>
+              <a:ext uri="{28A0092B-C50C-407E-A947-70E740481C1C}">
+                <a14:useLocalDpi xmlns:a14="http://schemas.microsoft.com/office/drawing/2010/main" val="0"/>
+              </a:ext>
+            </a:extLst>
+          </a:blip>
+          <a:srcRect l="39644" t="70274" r="41198"/>
+          <a:stretch/>
+        </p:blipFill>
+        <p:spPr bwMode="auto">
+          <a:xfrm>
+            <a:off x="8923620" y="2672642"/>
+            <a:ext cx="378811" cy="587771"/>
+          </a:xfrm>
+          <a:prstGeom prst="rect">
+            <a:avLst/>
+          </a:prstGeom>
+          <a:noFill/>
+          <a:extLst>
+            <a:ext uri="{909E8E84-426E-40DD-AFC4-6F175D3DCCD1}">
+              <a14:hiddenFill xmlns:a14="http://schemas.microsoft.com/office/drawing/2010/main">
+                <a:solidFill>
+                  <a:srgbClr val="FFFFFF"/>
+                </a:solidFill>
+              </a14:hiddenFill>
+            </a:ext>
+          </a:extLst>
+        </p:spPr>
+      </p:pic>
+      <p:pic>
+        <p:nvPicPr>
+          <p:cNvPr id="21" name="Picture 20" descr="컴퓨터, 데이터, 데이터 베이스, 도표, 예배 규칙서, 문서, 파일, 폴더, 회로망, 인쇄기">
+            <a:extLst>
+              <a:ext uri="{FF2B5EF4-FFF2-40B4-BE49-F238E27FC236}">
+                <a16:creationId xmlns:a16="http://schemas.microsoft.com/office/drawing/2014/main" id="{1EA2C78C-EB7E-4A25-8285-83433E345B68}"/>
+              </a:ext>
+            </a:extLst>
+          </p:cNvPr>
+          <p:cNvPicPr>
+            <a:picLocks noChangeAspect="1" noChangeArrowheads="1"/>
+          </p:cNvPicPr>
+          <p:nvPr/>
+        </p:nvPicPr>
+        <p:blipFill rotWithShape="1">
+          <a:blip r:embed="rId3">
+            <a:extLst>
+              <a:ext uri="{28A0092B-C50C-407E-A947-70E740481C1C}">
+                <a14:useLocalDpi xmlns:a14="http://schemas.microsoft.com/office/drawing/2010/main" val="0"/>
+              </a:ext>
+            </a:extLst>
+          </a:blip>
+          <a:srcRect l="39644" t="70274" r="41198"/>
+          <a:stretch/>
+        </p:blipFill>
+        <p:spPr bwMode="auto">
+          <a:xfrm>
+            <a:off x="9299380" y="2672642"/>
+            <a:ext cx="378811" cy="587771"/>
+          </a:xfrm>
+          <a:prstGeom prst="rect">
+            <a:avLst/>
+          </a:prstGeom>
+          <a:noFill/>
+          <a:extLst>
+            <a:ext uri="{909E8E84-426E-40DD-AFC4-6F175D3DCCD1}">
+              <a14:hiddenFill xmlns:a14="http://schemas.microsoft.com/office/drawing/2010/main">
+                <a:solidFill>
+                  <a:srgbClr val="FFFFFF"/>
+                </a:solidFill>
+              </a14:hiddenFill>
+            </a:ext>
+          </a:extLst>
+        </p:spPr>
+      </p:pic>
+      <p:pic>
+        <p:nvPicPr>
+          <p:cNvPr id="22" name="Picture 6" descr="컴퓨터, 데이터, 데이터 베이스, 도표, 예배 규칙서, 문서, 파일, 폴더, 회로망, 인쇄기">
+            <a:extLst>
+              <a:ext uri="{FF2B5EF4-FFF2-40B4-BE49-F238E27FC236}">
+                <a16:creationId xmlns:a16="http://schemas.microsoft.com/office/drawing/2014/main" id="{53592FFD-EC68-4FEB-9095-29DA5160273D}"/>
+              </a:ext>
+            </a:extLst>
+          </p:cNvPr>
+          <p:cNvPicPr>
+            <a:picLocks noChangeAspect="1" noChangeArrowheads="1"/>
+          </p:cNvPicPr>
+          <p:nvPr/>
+        </p:nvPicPr>
+        <p:blipFill rotWithShape="1">
+          <a:blip r:embed="rId3">
+            <a:extLst>
+              <a:ext uri="{28A0092B-C50C-407E-A947-70E740481C1C}">
+                <a14:useLocalDpi xmlns:a14="http://schemas.microsoft.com/office/drawing/2010/main" val="0"/>
+              </a:ext>
+            </a:extLst>
+          </a:blip>
+          <a:srcRect l="39644" t="70274" r="41198"/>
+          <a:stretch/>
+        </p:blipFill>
+        <p:spPr bwMode="auto">
+          <a:xfrm>
+            <a:off x="8544809" y="2672642"/>
+            <a:ext cx="378811" cy="587771"/>
+          </a:xfrm>
+          <a:prstGeom prst="rect">
+            <a:avLst/>
+          </a:prstGeom>
+          <a:noFill/>
+          <a:extLst>
+            <a:ext uri="{909E8E84-426E-40DD-AFC4-6F175D3DCCD1}">
+              <a14:hiddenFill xmlns:a14="http://schemas.microsoft.com/office/drawing/2010/main">
+                <a:solidFill>
+                  <a:srgbClr val="FFFFFF"/>
+                </a:solidFill>
+              </a14:hiddenFill>
+            </a:ext>
+          </a:extLst>
+        </p:spPr>
+      </p:pic>
+      <p:pic>
+        <p:nvPicPr>
+          <p:cNvPr id="23" name="Picture 22">
+            <a:extLst>
+              <a:ext uri="{FF2B5EF4-FFF2-40B4-BE49-F238E27FC236}">
+                <a16:creationId xmlns:a16="http://schemas.microsoft.com/office/drawing/2014/main" id="{D785DBE7-EE80-44E7-8549-8D2962956200}"/>
+              </a:ext>
+            </a:extLst>
+          </p:cNvPr>
+          <p:cNvPicPr>
+            <a:picLocks noChangeAspect="1"/>
+          </p:cNvPicPr>
+          <p:nvPr/>
+        </p:nvPicPr>
+        <p:blipFill>
+          <a:blip r:embed="rId6">
+            <a:extLst>
+              <a:ext uri="{28A0092B-C50C-407E-A947-70E740481C1C}">
+                <a14:useLocalDpi xmlns:a14="http://schemas.microsoft.com/office/drawing/2010/main" val="0"/>
+              </a:ext>
+            </a:extLst>
+          </a:blip>
+          <a:stretch>
+            <a:fillRect/>
+          </a:stretch>
+        </p:blipFill>
+        <p:spPr>
+          <a:xfrm>
+            <a:off x="770525" y="2295227"/>
+            <a:ext cx="609600" cy="609600"/>
+          </a:xfrm>
+          <a:prstGeom prst="rect">
+            <a:avLst/>
+          </a:prstGeom>
+        </p:spPr>
+      </p:pic>
+      <p:pic>
+        <p:nvPicPr>
+          <p:cNvPr id="24" name="Picture 23">
+            <a:extLst>
+              <a:ext uri="{FF2B5EF4-FFF2-40B4-BE49-F238E27FC236}">
+                <a16:creationId xmlns:a16="http://schemas.microsoft.com/office/drawing/2014/main" id="{D6C31982-E2D5-4AA4-A2A9-49DABBD51FFD}"/>
+              </a:ext>
+            </a:extLst>
+          </p:cNvPr>
+          <p:cNvPicPr>
+            <a:picLocks noChangeAspect="1"/>
+          </p:cNvPicPr>
+          <p:nvPr/>
+        </p:nvPicPr>
+        <p:blipFill>
+          <a:blip r:embed="rId7">
+            <a:extLst>
+              <a:ext uri="{28A0092B-C50C-407E-A947-70E740481C1C}">
+                <a14:useLocalDpi xmlns:a14="http://schemas.microsoft.com/office/drawing/2010/main" val="0"/>
+              </a:ext>
+            </a:extLst>
+          </a:blip>
+          <a:stretch>
+            <a:fillRect/>
+          </a:stretch>
+        </p:blipFill>
+        <p:spPr>
+          <a:xfrm>
+            <a:off x="10000864" y="2284399"/>
+            <a:ext cx="378811" cy="392260"/>
+          </a:xfrm>
+          <a:prstGeom prst="rect">
+            <a:avLst/>
+          </a:prstGeom>
+        </p:spPr>
+      </p:pic>
+      <p:pic>
+        <p:nvPicPr>
+          <p:cNvPr id="25" name="Picture 24">
+            <a:extLst>
+              <a:ext uri="{FF2B5EF4-FFF2-40B4-BE49-F238E27FC236}">
+                <a16:creationId xmlns:a16="http://schemas.microsoft.com/office/drawing/2014/main" id="{5FD8A406-C4E6-44C5-AF83-78C55FA17612}"/>
+              </a:ext>
+            </a:extLst>
+          </p:cNvPr>
+          <p:cNvPicPr>
+            <a:picLocks noChangeAspect="1"/>
+          </p:cNvPicPr>
+          <p:nvPr/>
+        </p:nvPicPr>
+        <p:blipFill>
+          <a:blip r:embed="rId7">
+            <a:extLst>
+              <a:ext uri="{28A0092B-C50C-407E-A947-70E740481C1C}">
+                <a14:useLocalDpi xmlns:a14="http://schemas.microsoft.com/office/drawing/2010/main" val="0"/>
+              </a:ext>
+            </a:extLst>
+          </a:blip>
+          <a:stretch>
+            <a:fillRect/>
+          </a:stretch>
+        </p:blipFill>
+        <p:spPr>
+          <a:xfrm>
+            <a:off x="10379675" y="2284399"/>
+            <a:ext cx="378811" cy="392260"/>
+          </a:xfrm>
+          <a:prstGeom prst="rect">
+            <a:avLst/>
+          </a:prstGeom>
+        </p:spPr>
+      </p:pic>
+      <p:pic>
+        <p:nvPicPr>
+          <p:cNvPr id="26" name="Picture 25">
+            <a:extLst>
+              <a:ext uri="{FF2B5EF4-FFF2-40B4-BE49-F238E27FC236}">
+                <a16:creationId xmlns:a16="http://schemas.microsoft.com/office/drawing/2014/main" id="{9DA9528A-A623-4FF3-A86B-E324A40CA6FB}"/>
+              </a:ext>
+            </a:extLst>
+          </p:cNvPr>
+          <p:cNvPicPr>
+            <a:picLocks noChangeAspect="1"/>
+          </p:cNvPicPr>
+          <p:nvPr/>
+        </p:nvPicPr>
+        <p:blipFill>
+          <a:blip r:embed="rId7">
+            <a:extLst>
+              <a:ext uri="{28A0092B-C50C-407E-A947-70E740481C1C}">
+                <a14:useLocalDpi xmlns:a14="http://schemas.microsoft.com/office/drawing/2010/main" val="0"/>
+              </a:ext>
+            </a:extLst>
+          </a:blip>
+          <a:stretch>
+            <a:fillRect/>
+          </a:stretch>
+        </p:blipFill>
+        <p:spPr>
+          <a:xfrm>
+            <a:off x="10775511" y="2284399"/>
+            <a:ext cx="378811" cy="392260"/>
+          </a:xfrm>
+          <a:prstGeom prst="rect">
+            <a:avLst/>
+          </a:prstGeom>
+        </p:spPr>
+      </p:pic>
+      <p:pic>
+        <p:nvPicPr>
+          <p:cNvPr id="27" name="Picture 26">
+            <a:extLst>
+              <a:ext uri="{FF2B5EF4-FFF2-40B4-BE49-F238E27FC236}">
+                <a16:creationId xmlns:a16="http://schemas.microsoft.com/office/drawing/2014/main" id="{115DBAEB-0531-4886-9F18-B2D6D2CD8872}"/>
+              </a:ext>
+            </a:extLst>
+          </p:cNvPr>
+          <p:cNvPicPr>
+            <a:picLocks noChangeAspect="1"/>
+          </p:cNvPicPr>
+          <p:nvPr/>
+        </p:nvPicPr>
+        <p:blipFill>
+          <a:blip r:embed="rId7">
+            <a:extLst>
+              <a:ext uri="{28A0092B-C50C-407E-A947-70E740481C1C}">
+                <a14:useLocalDpi xmlns:a14="http://schemas.microsoft.com/office/drawing/2010/main" val="0"/>
+              </a:ext>
+            </a:extLst>
+          </a:blip>
+          <a:stretch>
+            <a:fillRect/>
+          </a:stretch>
+        </p:blipFill>
+        <p:spPr>
+          <a:xfrm>
+            <a:off x="9992166" y="2708704"/>
+            <a:ext cx="378811" cy="392260"/>
+          </a:xfrm>
+          <a:prstGeom prst="rect">
+            <a:avLst/>
+          </a:prstGeom>
+        </p:spPr>
+      </p:pic>
+      <p:pic>
+        <p:nvPicPr>
+          <p:cNvPr id="28" name="Picture 27">
+            <a:extLst>
+              <a:ext uri="{FF2B5EF4-FFF2-40B4-BE49-F238E27FC236}">
+                <a16:creationId xmlns:a16="http://schemas.microsoft.com/office/drawing/2014/main" id="{86A2FF9B-BC20-4D72-B4A9-3B3CB50C2850}"/>
+              </a:ext>
+            </a:extLst>
+          </p:cNvPr>
+          <p:cNvPicPr>
+            <a:picLocks noChangeAspect="1"/>
+          </p:cNvPicPr>
+          <p:nvPr/>
+        </p:nvPicPr>
+        <p:blipFill>
+          <a:blip r:embed="rId7">
+            <a:extLst>
+              <a:ext uri="{28A0092B-C50C-407E-A947-70E740481C1C}">
+                <a14:useLocalDpi xmlns:a14="http://schemas.microsoft.com/office/drawing/2010/main" val="0"/>
+              </a:ext>
+            </a:extLst>
+          </a:blip>
+          <a:stretch>
+            <a:fillRect/>
+          </a:stretch>
+        </p:blipFill>
+        <p:spPr>
+          <a:xfrm>
+            <a:off x="10370977" y="2708704"/>
+            <a:ext cx="378811" cy="392260"/>
+          </a:xfrm>
+          <a:prstGeom prst="rect">
+            <a:avLst/>
+          </a:prstGeom>
+        </p:spPr>
+      </p:pic>
+      <p:pic>
+        <p:nvPicPr>
+          <p:cNvPr id="29" name="Picture 28">
+            <a:extLst>
+              <a:ext uri="{FF2B5EF4-FFF2-40B4-BE49-F238E27FC236}">
+                <a16:creationId xmlns:a16="http://schemas.microsoft.com/office/drawing/2014/main" id="{72F4CB13-4D69-4E37-A5D6-5FD68E2D8F7F}"/>
+              </a:ext>
+            </a:extLst>
+          </p:cNvPr>
+          <p:cNvPicPr>
+            <a:picLocks noChangeAspect="1"/>
+          </p:cNvPicPr>
+          <p:nvPr/>
+        </p:nvPicPr>
+        <p:blipFill>
+          <a:blip r:embed="rId7">
+            <a:extLst>
+              <a:ext uri="{28A0092B-C50C-407E-A947-70E740481C1C}">
+                <a14:useLocalDpi xmlns:a14="http://schemas.microsoft.com/office/drawing/2010/main" val="0"/>
+              </a:ext>
+            </a:extLst>
+          </a:blip>
+          <a:stretch>
+            <a:fillRect/>
+          </a:stretch>
+        </p:blipFill>
+        <p:spPr>
+          <a:xfrm>
+            <a:off x="10766813" y="2708704"/>
+            <a:ext cx="378811" cy="392260"/>
+          </a:xfrm>
+          <a:prstGeom prst="rect">
+            <a:avLst/>
+          </a:prstGeom>
+        </p:spPr>
+      </p:pic>
+      <p:pic>
+        <p:nvPicPr>
+          <p:cNvPr id="30" name="Picture 6" descr="컴퓨터, 데이터, 데이터 베이스, 도표, 예배 규칙서, 문서, 파일, 폴더, 회로망, 인쇄기">
+            <a:extLst>
+              <a:ext uri="{FF2B5EF4-FFF2-40B4-BE49-F238E27FC236}">
+                <a16:creationId xmlns:a16="http://schemas.microsoft.com/office/drawing/2014/main" id="{1E2C81B5-2FCE-4F7F-9EC2-E808BFA2740D}"/>
+              </a:ext>
+            </a:extLst>
+          </p:cNvPr>
+          <p:cNvPicPr>
+            <a:picLocks noChangeAspect="1" noChangeArrowheads="1"/>
+          </p:cNvPicPr>
+          <p:nvPr/>
+        </p:nvPicPr>
+        <p:blipFill rotWithShape="1">
+          <a:blip r:embed="rId3">
+            <a:extLst>
+              <a:ext uri="{28A0092B-C50C-407E-A947-70E740481C1C}">
+                <a14:useLocalDpi xmlns:a14="http://schemas.microsoft.com/office/drawing/2010/main" val="0"/>
+              </a:ext>
+            </a:extLst>
+          </a:blip>
+          <a:srcRect l="39644" t="70274" r="41198"/>
+          <a:stretch/>
+        </p:blipFill>
+        <p:spPr bwMode="auto">
+          <a:xfrm>
+            <a:off x="7961234" y="2340552"/>
+            <a:ext cx="378811" cy="587771"/>
+          </a:xfrm>
+          <a:prstGeom prst="rect">
+            <a:avLst/>
+          </a:prstGeom>
+          <a:noFill/>
+          <a:extLst>
+            <a:ext uri="{909E8E84-426E-40DD-AFC4-6F175D3DCCD1}">
+              <a14:hiddenFill xmlns:a14="http://schemas.microsoft.com/office/drawing/2010/main">
+                <a:solidFill>
+                  <a:srgbClr val="FFFFFF"/>
+                </a:solidFill>
+              </a14:hiddenFill>
+            </a:ext>
+          </a:extLst>
+        </p:spPr>
+      </p:pic>
+      <p:pic>
+        <p:nvPicPr>
+          <p:cNvPr id="31" name="Picture 6" descr="컴퓨터, 데이터, 데이터 베이스, 도표, 예배 규칙서, 문서, 파일, 폴더, 회로망, 인쇄기">
+            <a:extLst>
+              <a:ext uri="{FF2B5EF4-FFF2-40B4-BE49-F238E27FC236}">
+                <a16:creationId xmlns:a16="http://schemas.microsoft.com/office/drawing/2014/main" id="{39CE0168-6034-4234-80AF-F5AA6C8AE31C}"/>
+              </a:ext>
+            </a:extLst>
+          </p:cNvPr>
+          <p:cNvPicPr>
+            <a:picLocks noChangeAspect="1" noChangeArrowheads="1"/>
+          </p:cNvPicPr>
+          <p:nvPr/>
+        </p:nvPicPr>
+        <p:blipFill rotWithShape="1">
+          <a:blip r:embed="rId3">
+            <a:extLst>
+              <a:ext uri="{28A0092B-C50C-407E-A947-70E740481C1C}">
+                <a14:useLocalDpi xmlns:a14="http://schemas.microsoft.com/office/drawing/2010/main" val="0"/>
+              </a:ext>
+            </a:extLst>
+          </a:blip>
+          <a:srcRect l="39644" t="70274" r="41198"/>
+          <a:stretch/>
+        </p:blipFill>
+        <p:spPr bwMode="auto">
+          <a:xfrm>
+            <a:off x="6840451" y="2340467"/>
+            <a:ext cx="378811" cy="587771"/>
+          </a:xfrm>
+          <a:prstGeom prst="rect">
+            <a:avLst/>
+          </a:prstGeom>
+          <a:noFill/>
+          <a:extLst>
+            <a:ext uri="{909E8E84-426E-40DD-AFC4-6F175D3DCCD1}">
+              <a14:hiddenFill xmlns:a14="http://schemas.microsoft.com/office/drawing/2010/main">
+                <a:solidFill>
+                  <a:srgbClr val="FFFFFF"/>
+                </a:solidFill>
+              </a14:hiddenFill>
+            </a:ext>
+          </a:extLst>
+        </p:spPr>
+      </p:pic>
+      <p:pic>
+        <p:nvPicPr>
+          <p:cNvPr id="32" name="Picture 6" descr="컴퓨터, 데이터, 데이터 베이스, 도표, 예배 규칙서, 문서, 파일, 폴더, 회로망, 인쇄기">
+            <a:extLst>
+              <a:ext uri="{FF2B5EF4-FFF2-40B4-BE49-F238E27FC236}">
+                <a16:creationId xmlns:a16="http://schemas.microsoft.com/office/drawing/2014/main" id="{32245D71-54B5-4A30-91E7-661517DA0D78}"/>
+              </a:ext>
+            </a:extLst>
+          </p:cNvPr>
+          <p:cNvPicPr>
+            <a:picLocks noChangeAspect="1" noChangeArrowheads="1"/>
+          </p:cNvPicPr>
+          <p:nvPr/>
+        </p:nvPicPr>
+        <p:blipFill rotWithShape="1">
+          <a:blip r:embed="rId3">
+            <a:extLst>
+              <a:ext uri="{28A0092B-C50C-407E-A947-70E740481C1C}">
+                <a14:useLocalDpi xmlns:a14="http://schemas.microsoft.com/office/drawing/2010/main" val="0"/>
+              </a:ext>
+            </a:extLst>
+          </a:blip>
+          <a:srcRect l="39644" t="70274" r="41198"/>
+          <a:stretch/>
+        </p:blipFill>
+        <p:spPr bwMode="auto">
+          <a:xfrm>
+            <a:off x="7596339" y="2340552"/>
+            <a:ext cx="378811" cy="587771"/>
+          </a:xfrm>
+          <a:prstGeom prst="rect">
+            <a:avLst/>
+          </a:prstGeom>
+          <a:noFill/>
+          <a:extLst>
+            <a:ext uri="{909E8E84-426E-40DD-AFC4-6F175D3DCCD1}">
+              <a14:hiddenFill xmlns:a14="http://schemas.microsoft.com/office/drawing/2010/main">
+                <a:solidFill>
+                  <a:srgbClr val="FFFFFF"/>
+                </a:solidFill>
+              </a14:hiddenFill>
+            </a:ext>
+          </a:extLst>
+        </p:spPr>
+      </p:pic>
+      <p:sp>
+        <p:nvSpPr>
+          <p:cNvPr id="33" name="TextBox 32">
+            <a:extLst>
+              <a:ext uri="{FF2B5EF4-FFF2-40B4-BE49-F238E27FC236}">
+                <a16:creationId xmlns:a16="http://schemas.microsoft.com/office/drawing/2014/main" id="{7F2B586E-D01B-49BF-BC34-81AFE6E648AF}"/>
+              </a:ext>
+            </a:extLst>
+          </p:cNvPr>
+          <p:cNvSpPr txBox="1"/>
+          <p:nvPr/>
+        </p:nvSpPr>
+        <p:spPr>
+          <a:xfrm>
+            <a:off x="8848570" y="3214507"/>
+            <a:ext cx="526811" cy="276999"/>
+          </a:xfrm>
+          <a:prstGeom prst="rect">
+            <a:avLst/>
+          </a:prstGeom>
+          <a:noFill/>
+        </p:spPr>
+        <p:txBody>
+          <a:bodyPr wrap="none" rtlCol="0">
+            <a:spAutoFit/>
+          </a:bodyPr>
+          <a:lstStyle/>
+          <a:p>
+            <a:r>
+              <a:rPr lang="en-US" sz="1200" dirty="0"/>
+              <a:t>Peers</a:t>
+            </a:r>
+          </a:p>
+        </p:txBody>
+      </p:sp>
+      <p:sp>
+        <p:nvSpPr>
+          <p:cNvPr id="34" name="TextBox 33">
+            <a:extLst>
+              <a:ext uri="{FF2B5EF4-FFF2-40B4-BE49-F238E27FC236}">
+                <a16:creationId xmlns:a16="http://schemas.microsoft.com/office/drawing/2014/main" id="{989E0E9A-5923-4332-8441-CA612F1F2D2B}"/>
+              </a:ext>
+            </a:extLst>
+          </p:cNvPr>
+          <p:cNvSpPr txBox="1"/>
+          <p:nvPr/>
+        </p:nvSpPr>
+        <p:spPr>
+          <a:xfrm>
+            <a:off x="10287040" y="3069006"/>
+            <a:ext cx="752129" cy="276999"/>
+          </a:xfrm>
+          <a:prstGeom prst="rect">
+            <a:avLst/>
+          </a:prstGeom>
+          <a:noFill/>
+        </p:spPr>
+        <p:txBody>
+          <a:bodyPr wrap="none" rtlCol="0">
+            <a:spAutoFit/>
+          </a:bodyPr>
+          <a:lstStyle/>
+          <a:p>
+            <a:r>
+              <a:rPr lang="en-US" sz="1200" dirty="0"/>
+              <a:t>CouchDB</a:t>
+            </a:r>
+          </a:p>
+        </p:txBody>
+      </p:sp>
+      <p:sp>
+        <p:nvSpPr>
+          <p:cNvPr id="35" name="TextBox 34">
+            <a:extLst>
+              <a:ext uri="{FF2B5EF4-FFF2-40B4-BE49-F238E27FC236}">
+                <a16:creationId xmlns:a16="http://schemas.microsoft.com/office/drawing/2014/main" id="{0E72F4C8-2475-4F71-B155-95E355E7C845}"/>
+              </a:ext>
+            </a:extLst>
+          </p:cNvPr>
+          <p:cNvSpPr txBox="1"/>
+          <p:nvPr/>
+        </p:nvSpPr>
+        <p:spPr>
+          <a:xfrm>
+            <a:off x="7613432" y="2876895"/>
+            <a:ext cx="675826" cy="276999"/>
+          </a:xfrm>
+          <a:prstGeom prst="rect">
+            <a:avLst/>
+          </a:prstGeom>
+          <a:noFill/>
+        </p:spPr>
+        <p:txBody>
+          <a:bodyPr wrap="none" rtlCol="0">
+            <a:spAutoFit/>
+          </a:bodyPr>
+          <a:lstStyle/>
+          <a:p>
+            <a:r>
+              <a:rPr lang="en-US" sz="1200" dirty="0"/>
+              <a:t>Orderer</a:t>
+            </a:r>
+          </a:p>
+        </p:txBody>
+      </p:sp>
+      <p:sp>
+        <p:nvSpPr>
+          <p:cNvPr id="36" name="TextBox 35">
+            <a:extLst>
+              <a:ext uri="{FF2B5EF4-FFF2-40B4-BE49-F238E27FC236}">
+                <a16:creationId xmlns:a16="http://schemas.microsoft.com/office/drawing/2014/main" id="{199782FF-5A20-4187-9A18-D4037D14882C}"/>
+              </a:ext>
+            </a:extLst>
+          </p:cNvPr>
+          <p:cNvSpPr txBox="1"/>
+          <p:nvPr/>
+        </p:nvSpPr>
+        <p:spPr>
+          <a:xfrm>
+            <a:off x="6805885" y="2870391"/>
+            <a:ext cx="486030" cy="276999"/>
+          </a:xfrm>
+          <a:prstGeom prst="rect">
+            <a:avLst/>
+          </a:prstGeom>
+          <a:noFill/>
+        </p:spPr>
+        <p:txBody>
+          <a:bodyPr wrap="none" rtlCol="0">
+            <a:spAutoFit/>
+          </a:bodyPr>
+          <a:lstStyle/>
+          <a:p>
+            <a:r>
+              <a:rPr lang="en-US" sz="1200" dirty="0"/>
+              <a:t>Auth</a:t>
+            </a:r>
+          </a:p>
+        </p:txBody>
+      </p:sp>
+      <p:sp>
+        <p:nvSpPr>
+          <p:cNvPr id="37" name="TextBox 36">
+            <a:extLst>
+              <a:ext uri="{FF2B5EF4-FFF2-40B4-BE49-F238E27FC236}">
+                <a16:creationId xmlns:a16="http://schemas.microsoft.com/office/drawing/2014/main" id="{B248C2B3-C91F-470C-A81D-98E2D1B02777}"/>
+              </a:ext>
+            </a:extLst>
+          </p:cNvPr>
+          <p:cNvSpPr txBox="1"/>
+          <p:nvPr/>
+        </p:nvSpPr>
+        <p:spPr>
+          <a:xfrm>
+            <a:off x="5041125" y="3052767"/>
+            <a:ext cx="1197444" cy="461665"/>
+          </a:xfrm>
+          <a:prstGeom prst="rect">
+            <a:avLst/>
+          </a:prstGeom>
+          <a:noFill/>
+        </p:spPr>
+        <p:txBody>
+          <a:bodyPr wrap="none" rtlCol="0">
+            <a:spAutoFit/>
+          </a:bodyPr>
+          <a:lstStyle/>
+          <a:p>
+            <a:pPr algn="ctr"/>
+            <a:r>
+              <a:rPr lang="en-US" sz="1200" dirty="0"/>
+              <a:t>Web application</a:t>
+            </a:r>
+          </a:p>
+          <a:p>
+            <a:pPr algn="ctr"/>
+            <a:r>
+              <a:rPr lang="en-US" sz="1200" dirty="0"/>
+              <a:t>Server</a:t>
+            </a:r>
+          </a:p>
+        </p:txBody>
+      </p:sp>
+      <p:cxnSp>
+        <p:nvCxnSpPr>
+          <p:cNvPr id="40" name="Straight Arrow Connector 39">
+            <a:extLst>
+              <a:ext uri="{FF2B5EF4-FFF2-40B4-BE49-F238E27FC236}">
+                <a16:creationId xmlns:a16="http://schemas.microsoft.com/office/drawing/2014/main" id="{F4BAD15A-FEAE-4EF6-B026-853F9B314DDE}"/>
+              </a:ext>
+            </a:extLst>
+          </p:cNvPr>
+          <p:cNvCxnSpPr>
+            <a:cxnSpLocks/>
+          </p:cNvCxnSpPr>
+          <p:nvPr/>
+        </p:nvCxnSpPr>
+        <p:spPr>
+          <a:xfrm>
+            <a:off x="1444239" y="2543681"/>
+            <a:ext cx="953155" cy="18334"/>
+          </a:xfrm>
+          <a:prstGeom prst="straightConnector1">
+            <a:avLst/>
+          </a:prstGeom>
+          <a:ln>
+            <a:tailEnd type="triangle"/>
+          </a:ln>
+        </p:spPr>
+        <p:style>
+          <a:lnRef idx="1">
+            <a:schemeClr val="accent1"/>
+          </a:lnRef>
+          <a:fillRef idx="0">
+            <a:schemeClr val="accent1"/>
+          </a:fillRef>
+          <a:effectRef idx="0">
+            <a:schemeClr val="accent1"/>
+          </a:effectRef>
+          <a:fontRef idx="minor">
+            <a:schemeClr val="tx1"/>
+          </a:fontRef>
+        </p:style>
+      </p:cxnSp>
+      <p:cxnSp>
+        <p:nvCxnSpPr>
+          <p:cNvPr id="43" name="Straight Arrow Connector 42">
+            <a:extLst>
+              <a:ext uri="{FF2B5EF4-FFF2-40B4-BE49-F238E27FC236}">
+                <a16:creationId xmlns:a16="http://schemas.microsoft.com/office/drawing/2014/main" id="{44ADA389-4C06-4610-99F4-B8537B39807C}"/>
+              </a:ext>
+            </a:extLst>
+          </p:cNvPr>
+          <p:cNvCxnSpPr>
+            <a:cxnSpLocks/>
+          </p:cNvCxnSpPr>
+          <p:nvPr/>
+        </p:nvCxnSpPr>
+        <p:spPr>
+          <a:xfrm>
+            <a:off x="5977904" y="2683426"/>
+            <a:ext cx="548439" cy="0"/>
+          </a:xfrm>
+          <a:prstGeom prst="straightConnector1">
+            <a:avLst/>
+          </a:prstGeom>
+          <a:ln>
+            <a:tailEnd type="triangle"/>
+          </a:ln>
+        </p:spPr>
+        <p:style>
+          <a:lnRef idx="1">
+            <a:schemeClr val="accent1"/>
+          </a:lnRef>
+          <a:fillRef idx="0">
+            <a:schemeClr val="accent1"/>
+          </a:fillRef>
+          <a:effectRef idx="0">
+            <a:schemeClr val="accent1"/>
+          </a:effectRef>
+          <a:fontRef idx="minor">
+            <a:schemeClr val="tx1"/>
+          </a:fontRef>
+        </p:style>
+      </p:cxnSp>
+      <p:sp>
+        <p:nvSpPr>
+          <p:cNvPr id="42" name="TextBox 41">
+            <a:extLst>
+              <a:ext uri="{FF2B5EF4-FFF2-40B4-BE49-F238E27FC236}">
+                <a16:creationId xmlns:a16="http://schemas.microsoft.com/office/drawing/2014/main" id="{78279341-EE0F-4322-8CDE-4B3EDDA84E7F}"/>
+              </a:ext>
+            </a:extLst>
+          </p:cNvPr>
+          <p:cNvSpPr txBox="1"/>
+          <p:nvPr/>
+        </p:nvSpPr>
+        <p:spPr>
+          <a:xfrm>
+            <a:off x="2469485" y="1612903"/>
+            <a:ext cx="1782924" cy="307777"/>
+          </a:xfrm>
+          <a:prstGeom prst="rect">
+            <a:avLst/>
+          </a:prstGeom>
+          <a:noFill/>
+        </p:spPr>
+        <p:txBody>
+          <a:bodyPr wrap="none" rtlCol="0">
+            <a:spAutoFit/>
+          </a:bodyPr>
+          <a:lstStyle/>
+          <a:p>
+            <a:r>
+              <a:rPr lang="en-US" sz="1400" dirty="0"/>
+              <a:t>Shopping mall Service</a:t>
+            </a:r>
+          </a:p>
+        </p:txBody>
+      </p:sp>
+      <p:pic>
+        <p:nvPicPr>
+          <p:cNvPr id="44" name="Picture 43">
+            <a:extLst>
+              <a:ext uri="{FF2B5EF4-FFF2-40B4-BE49-F238E27FC236}">
+                <a16:creationId xmlns:a16="http://schemas.microsoft.com/office/drawing/2014/main" id="{BE8EBADC-DF35-49A4-8C4D-DC1B8AF2982A}"/>
+              </a:ext>
+            </a:extLst>
+          </p:cNvPr>
+          <p:cNvPicPr>
+            <a:picLocks noChangeAspect="1"/>
+          </p:cNvPicPr>
+          <p:nvPr/>
+        </p:nvPicPr>
+        <p:blipFill>
+          <a:blip r:embed="rId5">
+            <a:extLst>
+              <a:ext uri="{28A0092B-C50C-407E-A947-70E740481C1C}">
+                <a14:useLocalDpi xmlns:a14="http://schemas.microsoft.com/office/drawing/2010/main" val="0"/>
+              </a:ext>
+            </a:extLst>
+          </a:blip>
+          <a:stretch>
+            <a:fillRect/>
+          </a:stretch>
+        </p:blipFill>
+        <p:spPr>
+          <a:xfrm>
+            <a:off x="2533421" y="2146039"/>
+            <a:ext cx="762000" cy="762000"/>
+          </a:xfrm>
+          <a:prstGeom prst="rect">
+            <a:avLst/>
+          </a:prstGeom>
+        </p:spPr>
+      </p:pic>
+      <p:pic>
+        <p:nvPicPr>
+          <p:cNvPr id="45" name="Picture 44">
+            <a:extLst>
+              <a:ext uri="{FF2B5EF4-FFF2-40B4-BE49-F238E27FC236}">
+                <a16:creationId xmlns:a16="http://schemas.microsoft.com/office/drawing/2014/main" id="{60D71F8E-1ED4-4F5A-8BDC-037436E35E08}"/>
+              </a:ext>
+            </a:extLst>
+          </p:cNvPr>
+          <p:cNvPicPr>
+            <a:picLocks noChangeAspect="1"/>
+          </p:cNvPicPr>
+          <p:nvPr/>
+        </p:nvPicPr>
+        <p:blipFill>
+          <a:blip r:embed="rId8">
+            <a:extLst>
+              <a:ext uri="{28A0092B-C50C-407E-A947-70E740481C1C}">
+                <a14:useLocalDpi xmlns:a14="http://schemas.microsoft.com/office/drawing/2010/main" val="0"/>
+              </a:ext>
+            </a:extLst>
+          </a:blip>
+          <a:stretch>
+            <a:fillRect/>
+          </a:stretch>
+        </p:blipFill>
+        <p:spPr>
+          <a:xfrm>
+            <a:off x="3416478" y="2280845"/>
+            <a:ext cx="623982" cy="623982"/>
+          </a:xfrm>
+          <a:prstGeom prst="rect">
+            <a:avLst/>
+          </a:prstGeom>
+        </p:spPr>
+      </p:pic>
+      <p:sp>
+        <p:nvSpPr>
+          <p:cNvPr id="46" name="Rectangle: Rounded Corners 45">
+            <a:extLst>
+              <a:ext uri="{FF2B5EF4-FFF2-40B4-BE49-F238E27FC236}">
+                <a16:creationId xmlns:a16="http://schemas.microsoft.com/office/drawing/2014/main" id="{1EB7D24F-5A6E-466B-96D7-E893F59B34E4}"/>
+              </a:ext>
+            </a:extLst>
+          </p:cNvPr>
+          <p:cNvSpPr/>
+          <p:nvPr/>
+        </p:nvSpPr>
+        <p:spPr>
+          <a:xfrm>
+            <a:off x="2412364" y="1945079"/>
+            <a:ext cx="1897167" cy="1287119"/>
+          </a:xfrm>
+          <a:prstGeom prst="roundRect">
+            <a:avLst>
+              <a:gd name="adj" fmla="val 6131"/>
+            </a:avLst>
+          </a:prstGeom>
+          <a:noFill/>
+        </p:spPr>
+        <p:style>
+          <a:lnRef idx="2">
+            <a:schemeClr val="accent1">
+              <a:shade val="50000"/>
+            </a:schemeClr>
+          </a:lnRef>
+          <a:fillRef idx="1">
+            <a:schemeClr val="accent1"/>
+          </a:fillRef>
+          <a:effectRef idx="0">
+            <a:schemeClr val="accent1"/>
+          </a:effectRef>
+          <a:fontRef idx="minor">
+            <a:schemeClr val="lt1"/>
+          </a:fontRef>
+        </p:style>
+        <p:txBody>
+          <a:bodyPr rtlCol="0" anchor="ctr"/>
+          <a:lstStyle/>
+          <a:p>
+            <a:pPr algn="ctr"/>
+            <a:endParaRPr lang="en-US"/>
+          </a:p>
+        </p:txBody>
+      </p:sp>
+      <p:pic>
+        <p:nvPicPr>
+          <p:cNvPr id="3" name="Picture 2" descr="A blue and yellow brain with a square in the middle&#10;&#10;Description automatically generated">
+            <a:extLst>
+              <a:ext uri="{FF2B5EF4-FFF2-40B4-BE49-F238E27FC236}">
+                <a16:creationId xmlns:a16="http://schemas.microsoft.com/office/drawing/2014/main" id="{6B6A689E-018A-443B-ABBE-5618EF37E1A6}"/>
+              </a:ext>
+            </a:extLst>
+          </p:cNvPr>
+          <p:cNvPicPr>
+            <a:picLocks noChangeAspect="1"/>
+          </p:cNvPicPr>
+          <p:nvPr/>
+        </p:nvPicPr>
+        <p:blipFill>
+          <a:blip r:embed="rId9">
+            <a:extLst>
+              <a:ext uri="{28A0092B-C50C-407E-A947-70E740481C1C}">
+                <a14:useLocalDpi xmlns:a14="http://schemas.microsoft.com/office/drawing/2010/main" val="0"/>
+              </a:ext>
+            </a:extLst>
+          </a:blip>
+          <a:stretch>
+            <a:fillRect/>
+          </a:stretch>
+        </p:blipFill>
+        <p:spPr>
+          <a:xfrm>
+            <a:off x="2632215" y="3598981"/>
+            <a:ext cx="812698" cy="812698"/>
+          </a:xfrm>
+          <a:prstGeom prst="rect">
+            <a:avLst/>
+          </a:prstGeom>
+        </p:spPr>
+      </p:pic>
+      <p:sp>
+        <p:nvSpPr>
+          <p:cNvPr id="47" name="TextBox 46">
+            <a:extLst>
+              <a:ext uri="{FF2B5EF4-FFF2-40B4-BE49-F238E27FC236}">
+                <a16:creationId xmlns:a16="http://schemas.microsoft.com/office/drawing/2014/main" id="{4CD8E9F1-DEEB-4DC0-B6A9-BE11F7F56CF9}"/>
+              </a:ext>
+            </a:extLst>
+          </p:cNvPr>
+          <p:cNvSpPr txBox="1"/>
+          <p:nvPr/>
+        </p:nvSpPr>
+        <p:spPr>
+          <a:xfrm>
+            <a:off x="2289494" y="4605487"/>
+            <a:ext cx="1666097" cy="307777"/>
+          </a:xfrm>
+          <a:prstGeom prst="rect">
+            <a:avLst/>
+          </a:prstGeom>
+          <a:noFill/>
+        </p:spPr>
+        <p:txBody>
+          <a:bodyPr wrap="none" rtlCol="0">
+            <a:spAutoFit/>
+          </a:bodyPr>
+          <a:lstStyle/>
+          <a:p>
+            <a:r>
+              <a:rPr lang="en-US" sz="1400" dirty="0"/>
+              <a:t>Recommend Service</a:t>
+            </a:r>
+          </a:p>
+        </p:txBody>
+      </p:sp>
+      <p:pic>
+        <p:nvPicPr>
+          <p:cNvPr id="48" name="Picture 47">
+            <a:extLst>
+              <a:ext uri="{FF2B5EF4-FFF2-40B4-BE49-F238E27FC236}">
+                <a16:creationId xmlns:a16="http://schemas.microsoft.com/office/drawing/2014/main" id="{21EE50E6-92F8-4C60-B546-BD0615AEFD56}"/>
+              </a:ext>
+            </a:extLst>
+          </p:cNvPr>
+          <p:cNvPicPr>
+            <a:picLocks noChangeAspect="1"/>
+          </p:cNvPicPr>
+          <p:nvPr/>
+        </p:nvPicPr>
+        <p:blipFill>
+          <a:blip r:embed="rId10">
+            <a:extLst>
+              <a:ext uri="{28A0092B-C50C-407E-A947-70E740481C1C}">
+                <a14:useLocalDpi xmlns:a14="http://schemas.microsoft.com/office/drawing/2010/main" val="0"/>
+              </a:ext>
+            </a:extLst>
+          </a:blip>
+          <a:stretch>
+            <a:fillRect/>
+          </a:stretch>
+        </p:blipFill>
+        <p:spPr>
+          <a:xfrm>
+            <a:off x="7535196" y="3093015"/>
+            <a:ext cx="876832" cy="486482"/>
+          </a:xfrm>
+          <a:prstGeom prst="rect">
+            <a:avLst/>
+          </a:prstGeom>
+        </p:spPr>
+      </p:pic>
+      <p:cxnSp>
+        <p:nvCxnSpPr>
+          <p:cNvPr id="49" name="Straight Arrow Connector 48">
+            <a:extLst>
+              <a:ext uri="{FF2B5EF4-FFF2-40B4-BE49-F238E27FC236}">
+                <a16:creationId xmlns:a16="http://schemas.microsoft.com/office/drawing/2014/main" id="{CCF20663-326E-45F1-8CCC-400543FC35BE}"/>
+              </a:ext>
+            </a:extLst>
+          </p:cNvPr>
+          <p:cNvCxnSpPr>
+            <a:cxnSpLocks/>
+            <a:endCxn id="12" idx="1"/>
+          </p:cNvCxnSpPr>
+          <p:nvPr/>
+        </p:nvCxnSpPr>
+        <p:spPr>
+          <a:xfrm>
+            <a:off x="4353812" y="2754441"/>
+            <a:ext cx="522988" cy="0"/>
+          </a:xfrm>
+          <a:prstGeom prst="straightConnector1">
+            <a:avLst/>
+          </a:prstGeom>
+          <a:ln>
+            <a:tailEnd type="triangle"/>
+          </a:ln>
+        </p:spPr>
+        <p:style>
+          <a:lnRef idx="1">
+            <a:schemeClr val="accent1"/>
+          </a:lnRef>
+          <a:fillRef idx="0">
+            <a:schemeClr val="accent1"/>
+          </a:fillRef>
+          <a:effectRef idx="0">
+            <a:schemeClr val="accent1"/>
+          </a:effectRef>
+          <a:fontRef idx="minor">
+            <a:schemeClr val="tx1"/>
+          </a:fontRef>
+        </p:style>
+      </p:cxnSp>
+      <p:cxnSp>
+        <p:nvCxnSpPr>
+          <p:cNvPr id="50" name="Straight Arrow Connector 49">
+            <a:extLst>
+              <a:ext uri="{FF2B5EF4-FFF2-40B4-BE49-F238E27FC236}">
+                <a16:creationId xmlns:a16="http://schemas.microsoft.com/office/drawing/2014/main" id="{21B51679-E44C-48C9-855A-1949EF5D23AE}"/>
+              </a:ext>
+            </a:extLst>
+          </p:cNvPr>
+          <p:cNvCxnSpPr>
+            <a:cxnSpLocks/>
+          </p:cNvCxnSpPr>
+          <p:nvPr/>
+        </p:nvCxnSpPr>
+        <p:spPr>
+          <a:xfrm>
+            <a:off x="3060056" y="3232198"/>
+            <a:ext cx="0" cy="259308"/>
+          </a:xfrm>
+          <a:prstGeom prst="straightConnector1">
+            <a:avLst/>
+          </a:prstGeom>
+          <a:ln>
+            <a:tailEnd type="triangle"/>
+          </a:ln>
+        </p:spPr>
+        <p:style>
+          <a:lnRef idx="1">
+            <a:schemeClr val="accent1"/>
+          </a:lnRef>
+          <a:fillRef idx="0">
+            <a:schemeClr val="accent1"/>
+          </a:fillRef>
+          <a:effectRef idx="0">
+            <a:schemeClr val="accent1"/>
+          </a:effectRef>
+          <a:fontRef idx="minor">
+            <a:schemeClr val="tx1"/>
+          </a:fontRef>
+        </p:style>
+      </p:cxnSp>
+      <p:sp>
+        <p:nvSpPr>
+          <p:cNvPr id="51" name="Rectangle: Rounded Corners 50">
+            <a:extLst>
+              <a:ext uri="{FF2B5EF4-FFF2-40B4-BE49-F238E27FC236}">
+                <a16:creationId xmlns:a16="http://schemas.microsoft.com/office/drawing/2014/main" id="{FC021BCC-A267-4CAF-A6DA-7BCBC2224994}"/>
+              </a:ext>
+            </a:extLst>
+          </p:cNvPr>
+          <p:cNvSpPr/>
+          <p:nvPr/>
+        </p:nvSpPr>
+        <p:spPr>
+          <a:xfrm>
+            <a:off x="2469485" y="3491506"/>
+            <a:ext cx="1048778" cy="1036951"/>
+          </a:xfrm>
+          <a:prstGeom prst="roundRect">
+            <a:avLst>
+              <a:gd name="adj" fmla="val 6131"/>
+            </a:avLst>
+          </a:prstGeom>
+          <a:noFill/>
+        </p:spPr>
+        <p:style>
+          <a:lnRef idx="2">
+            <a:schemeClr val="accent1">
+              <a:shade val="50000"/>
+            </a:schemeClr>
+          </a:lnRef>
+          <a:fillRef idx="1">
+            <a:schemeClr val="accent1"/>
+          </a:fillRef>
+          <a:effectRef idx="0">
+            <a:schemeClr val="accent1"/>
+          </a:effectRef>
+          <a:fontRef idx="minor">
+            <a:schemeClr val="lt1"/>
+          </a:fontRef>
+        </p:style>
+        <p:txBody>
+          <a:bodyPr rtlCol="0" anchor="ctr"/>
+          <a:lstStyle/>
+          <a:p>
+            <a:pPr algn="ctr"/>
+            <a:endParaRPr lang="en-US"/>
+          </a:p>
+        </p:txBody>
+      </p:sp>
+    </p:spTree>
+    <p:extLst>
+      <p:ext uri="{BB962C8B-B14F-4D97-AF65-F5344CB8AC3E}">
+        <p14:creationId xmlns:p14="http://schemas.microsoft.com/office/powerpoint/2010/main" val="1186538360"/>
+      </p:ext>
+    </p:extLst>
+  </p:cSld>
+  <p:clrMapOvr>
+    <a:masterClrMapping/>
+  </p:clrMapOvr>
+  <p:timing>
+    <p:tnLst>
+      <p:par>
+        <p:cTn id="1" dur="indefinite" restart="never" nodeType="tmRoot">
+          <p:childTnLst>
+            <p:seq concurrent="1" nextAc="seek">
+              <p:cTn id="2" dur="indefinite" nodeType="mainSeq">
+                <p:childTnLst>
+                  <p:par>
+                    <p:cTn id="3" fill="hold">
+                      <p:stCondLst>
+                        <p:cond delay="indefinite"/>
+                      </p:stCondLst>
+                      <p:childTnLst>
+                        <p:par>
+                          <p:cTn id="4" fill="hold">
+                            <p:stCondLst>
+                              <p:cond delay="0"/>
+                            </p:stCondLst>
+                            <p:childTnLst>
+                              <p:par>
+                                <p:cTn id="5" presetID="10" presetClass="entr" presetSubtype="0" fill="hold" grpId="0" nodeType="clickEffect">
+                                  <p:stCondLst>
+                                    <p:cond delay="0"/>
+                                  </p:stCondLst>
+                                  <p:childTnLst>
+                                    <p:set>
+                                      <p:cBhvr>
+                                        <p:cTn id="6" dur="1" fill="hold">
+                                          <p:stCondLst>
+                                            <p:cond delay="0"/>
+                                          </p:stCondLst>
+                                        </p:cTn>
+                                        <p:tgtEl>
+                                          <p:spTgt spid="13"/>
+                                        </p:tgtEl>
+                                        <p:attrNameLst>
+                                          <p:attrName>style.visibility</p:attrName>
+                                        </p:attrNameLst>
+                                      </p:cBhvr>
+                                      <p:to>
+                                        <p:strVal val="visible"/>
+                                      </p:to>
+                                    </p:set>
+                                    <p:animEffect transition="in" filter="fade">
+                                      <p:cBhvr>
+                                        <p:cTn id="7" dur="500"/>
+                                        <p:tgtEl>
+                                          <p:spTgt spid="13"/>
+                                        </p:tgtEl>
+                                      </p:cBhvr>
+                                    </p:animEffect>
+                                  </p:childTnLst>
+                                </p:cTn>
+                              </p:par>
+                            </p:childTnLst>
+                          </p:cTn>
+                        </p:par>
+                      </p:childTnLst>
+                    </p:cTn>
+                  </p:par>
+                  <p:par>
+                    <p:cTn id="8" fill="hold">
+                      <p:stCondLst>
+                        <p:cond delay="indefinite"/>
+                      </p:stCondLst>
+                      <p:childTnLst>
+                        <p:par>
+                          <p:cTn id="9" fill="hold">
+                            <p:stCondLst>
+                              <p:cond delay="0"/>
+                            </p:stCondLst>
+                            <p:childTnLst>
+                              <p:par>
+                                <p:cTn id="10" presetID="10" presetClass="entr" presetSubtype="0" fill="hold" grpId="0" nodeType="clickEffect">
+                                  <p:stCondLst>
+                                    <p:cond delay="0"/>
+                                  </p:stCondLst>
+                                  <p:childTnLst>
+                                    <p:set>
+                                      <p:cBhvr>
+                                        <p:cTn id="11" dur="1" fill="hold">
+                                          <p:stCondLst>
+                                            <p:cond delay="0"/>
+                                          </p:stCondLst>
+                                        </p:cTn>
+                                        <p:tgtEl>
+                                          <p:spTgt spid="33"/>
+                                        </p:tgtEl>
+                                        <p:attrNameLst>
+                                          <p:attrName>style.visibility</p:attrName>
+                                        </p:attrNameLst>
+                                      </p:cBhvr>
+                                      <p:to>
+                                        <p:strVal val="visible"/>
+                                      </p:to>
+                                    </p:set>
+                                    <p:animEffect transition="in" filter="fade">
+                                      <p:cBhvr>
+                                        <p:cTn id="12" dur="500"/>
+                                        <p:tgtEl>
+                                          <p:spTgt spid="33"/>
+                                        </p:tgtEl>
+                                      </p:cBhvr>
+                                    </p:animEffect>
+                                  </p:childTnLst>
+                                </p:cTn>
+                              </p:par>
+                            </p:childTnLst>
+                          </p:cTn>
+                        </p:par>
+                      </p:childTnLst>
+                    </p:cTn>
+                  </p:par>
+                  <p:par>
+                    <p:cTn id="13" fill="hold">
+                      <p:stCondLst>
+                        <p:cond delay="indefinite"/>
+                      </p:stCondLst>
+                      <p:childTnLst>
+                        <p:par>
+                          <p:cTn id="14" fill="hold">
+                            <p:stCondLst>
+                              <p:cond delay="0"/>
+                            </p:stCondLst>
+                            <p:childTnLst>
+                              <p:par>
+                                <p:cTn id="15" presetID="10" presetClass="entr" presetSubtype="0" fill="hold" grpId="0" nodeType="clickEffect">
+                                  <p:stCondLst>
+                                    <p:cond delay="0"/>
+                                  </p:stCondLst>
+                                  <p:childTnLst>
+                                    <p:set>
+                                      <p:cBhvr>
+                                        <p:cTn id="16" dur="1" fill="hold">
+                                          <p:stCondLst>
+                                            <p:cond delay="0"/>
+                                          </p:stCondLst>
+                                        </p:cTn>
+                                        <p:tgtEl>
+                                          <p:spTgt spid="34"/>
+                                        </p:tgtEl>
+                                        <p:attrNameLst>
+                                          <p:attrName>style.visibility</p:attrName>
+                                        </p:attrNameLst>
+                                      </p:cBhvr>
+                                      <p:to>
+                                        <p:strVal val="visible"/>
+                                      </p:to>
+                                    </p:set>
+                                    <p:animEffect transition="in" filter="fade">
+                                      <p:cBhvr>
+                                        <p:cTn id="17" dur="500"/>
+                                        <p:tgtEl>
+                                          <p:spTgt spid="34"/>
+                                        </p:tgtEl>
+                                      </p:cBhvr>
+                                    </p:animEffect>
+                                  </p:childTnLst>
+                                </p:cTn>
+                              </p:par>
+                            </p:childTnLst>
+                          </p:cTn>
+                        </p:par>
+                      </p:childTnLst>
+                    </p:cTn>
+                  </p:par>
+                  <p:par>
+                    <p:cTn id="18" fill="hold">
+                      <p:stCondLst>
+                        <p:cond delay="indefinite"/>
+                      </p:stCondLst>
+                      <p:childTnLst>
+                        <p:par>
+                          <p:cTn id="19" fill="hold">
+                            <p:stCondLst>
+                              <p:cond delay="0"/>
+                            </p:stCondLst>
+                            <p:childTnLst>
+                              <p:par>
+                                <p:cTn id="20" presetID="10" presetClass="entr" presetSubtype="0" fill="hold" grpId="0" nodeType="clickEffect">
+                                  <p:stCondLst>
+                                    <p:cond delay="0"/>
+                                  </p:stCondLst>
+                                  <p:childTnLst>
+                                    <p:set>
+                                      <p:cBhvr>
+                                        <p:cTn id="21" dur="1" fill="hold">
+                                          <p:stCondLst>
+                                            <p:cond delay="0"/>
+                                          </p:stCondLst>
+                                        </p:cTn>
+                                        <p:tgtEl>
+                                          <p:spTgt spid="35"/>
+                                        </p:tgtEl>
+                                        <p:attrNameLst>
+                                          <p:attrName>style.visibility</p:attrName>
+                                        </p:attrNameLst>
+                                      </p:cBhvr>
+                                      <p:to>
+                                        <p:strVal val="visible"/>
+                                      </p:to>
+                                    </p:set>
+                                    <p:animEffect transition="in" filter="fade">
+                                      <p:cBhvr>
+                                        <p:cTn id="22" dur="500"/>
+                                        <p:tgtEl>
+                                          <p:spTgt spid="35"/>
+                                        </p:tgtEl>
+                                      </p:cBhvr>
+                                    </p:animEffect>
+                                  </p:childTnLst>
+                                </p:cTn>
+                              </p:par>
+                            </p:childTnLst>
+                          </p:cTn>
+                        </p:par>
+                      </p:childTnLst>
+                    </p:cTn>
+                  </p:par>
+                  <p:par>
+                    <p:cTn id="23" fill="hold">
+                      <p:stCondLst>
+                        <p:cond delay="indefinite"/>
+                      </p:stCondLst>
+                      <p:childTnLst>
+                        <p:par>
+                          <p:cTn id="24" fill="hold">
+                            <p:stCondLst>
+                              <p:cond delay="0"/>
+                            </p:stCondLst>
+                            <p:childTnLst>
+                              <p:par>
+                                <p:cTn id="25" presetID="10" presetClass="entr" presetSubtype="0" fill="hold" grpId="0" nodeType="clickEffect">
+                                  <p:stCondLst>
+                                    <p:cond delay="0"/>
+                                  </p:stCondLst>
+                                  <p:childTnLst>
+                                    <p:set>
+                                      <p:cBhvr>
+                                        <p:cTn id="26" dur="1" fill="hold">
+                                          <p:stCondLst>
+                                            <p:cond delay="0"/>
+                                          </p:stCondLst>
+                                        </p:cTn>
+                                        <p:tgtEl>
+                                          <p:spTgt spid="36"/>
+                                        </p:tgtEl>
+                                        <p:attrNameLst>
+                                          <p:attrName>style.visibility</p:attrName>
+                                        </p:attrNameLst>
+                                      </p:cBhvr>
+                                      <p:to>
+                                        <p:strVal val="visible"/>
+                                      </p:to>
+                                    </p:set>
+                                    <p:animEffect transition="in" filter="fade">
+                                      <p:cBhvr>
+                                        <p:cTn id="27" dur="500"/>
+                                        <p:tgtEl>
+                                          <p:spTgt spid="36"/>
+                                        </p:tgtEl>
+                                      </p:cBhvr>
+                                    </p:animEffect>
+                                  </p:childTnLst>
+                                </p:cTn>
+                              </p:par>
+                            </p:childTnLst>
+                          </p:cTn>
+                        </p:par>
+                      </p:childTnLst>
+                    </p:cTn>
+                  </p:par>
+                  <p:par>
+                    <p:cTn id="28" fill="hold">
+                      <p:stCondLst>
+                        <p:cond delay="indefinite"/>
+                      </p:stCondLst>
+                      <p:childTnLst>
+                        <p:par>
+                          <p:cTn id="29" fill="hold">
+                            <p:stCondLst>
+                              <p:cond delay="0"/>
+                            </p:stCondLst>
+                            <p:childTnLst>
+                              <p:par>
+                                <p:cTn id="30" presetID="10" presetClass="entr" presetSubtype="0" fill="hold" grpId="0" nodeType="clickEffect">
+                                  <p:stCondLst>
+                                    <p:cond delay="0"/>
+                                  </p:stCondLst>
+                                  <p:childTnLst>
+                                    <p:set>
+                                      <p:cBhvr>
+                                        <p:cTn id="31" dur="1" fill="hold">
+                                          <p:stCondLst>
+                                            <p:cond delay="0"/>
+                                          </p:stCondLst>
+                                        </p:cTn>
+                                        <p:tgtEl>
+                                          <p:spTgt spid="37"/>
+                                        </p:tgtEl>
+                                        <p:attrNameLst>
+                                          <p:attrName>style.visibility</p:attrName>
+                                        </p:attrNameLst>
+                                      </p:cBhvr>
+                                      <p:to>
+                                        <p:strVal val="visible"/>
+                                      </p:to>
+                                    </p:set>
+                                    <p:animEffect transition="in" filter="fade">
+                                      <p:cBhvr>
+                                        <p:cTn id="32" dur="500"/>
+                                        <p:tgtEl>
+                                          <p:spTgt spid="37"/>
+                                        </p:tgtEl>
+                                      </p:cBhvr>
+                                    </p:animEffect>
+                                  </p:childTnLst>
+                                </p:cTn>
+                              </p:par>
+                            </p:childTnLst>
+                          </p:cTn>
+                        </p:par>
+                      </p:childTnLst>
+                    </p:cTn>
+                  </p:par>
+                  <p:par>
+                    <p:cTn id="33" fill="hold">
+                      <p:stCondLst>
+                        <p:cond delay="indefinite"/>
+                      </p:stCondLst>
+                      <p:childTnLst>
+                        <p:par>
+                          <p:cTn id="34" fill="hold">
+                            <p:stCondLst>
+                              <p:cond delay="0"/>
+                            </p:stCondLst>
+                            <p:childTnLst>
+                              <p:par>
+                                <p:cTn id="35" presetID="10" presetClass="entr" presetSubtype="0" fill="hold" grpId="0" nodeType="clickEffect">
+                                  <p:stCondLst>
+                                    <p:cond delay="0"/>
+                                  </p:stCondLst>
+                                  <p:childTnLst>
+                                    <p:set>
+                                      <p:cBhvr>
+                                        <p:cTn id="36" dur="1" fill="hold">
+                                          <p:stCondLst>
+                                            <p:cond delay="0"/>
+                                          </p:stCondLst>
+                                        </p:cTn>
+                                        <p:tgtEl>
+                                          <p:spTgt spid="42"/>
+                                        </p:tgtEl>
+                                        <p:attrNameLst>
+                                          <p:attrName>style.visibility</p:attrName>
+                                        </p:attrNameLst>
+                                      </p:cBhvr>
+                                      <p:to>
+                                        <p:strVal val="visible"/>
+                                      </p:to>
+                                    </p:set>
+                                    <p:animEffect transition="in" filter="fade">
+                                      <p:cBhvr>
+                                        <p:cTn id="37" dur="500"/>
+                                        <p:tgtEl>
+                                          <p:spTgt spid="42"/>
+                                        </p:tgtEl>
+                                      </p:cBhvr>
+                                    </p:animEffect>
+                                  </p:childTnLst>
+                                </p:cTn>
+                              </p:par>
+                            </p:childTnLst>
+                          </p:cTn>
+                        </p:par>
+                      </p:childTnLst>
+                    </p:cTn>
+                  </p:par>
+                  <p:par>
+                    <p:cTn id="38" fill="hold">
+                      <p:stCondLst>
+                        <p:cond delay="indefinite"/>
+                      </p:stCondLst>
+                      <p:childTnLst>
+                        <p:par>
+                          <p:cTn id="39" fill="hold">
+                            <p:stCondLst>
+                              <p:cond delay="0"/>
+                            </p:stCondLst>
+                            <p:childTnLst>
+                              <p:par>
+                                <p:cTn id="40" presetID="10" presetClass="entr" presetSubtype="0" fill="hold" grpId="0" nodeType="clickEffect">
+                                  <p:stCondLst>
+                                    <p:cond delay="0"/>
+                                  </p:stCondLst>
+                                  <p:childTnLst>
+                                    <p:set>
+                                      <p:cBhvr>
+                                        <p:cTn id="41" dur="1" fill="hold">
+                                          <p:stCondLst>
+                                            <p:cond delay="0"/>
+                                          </p:stCondLst>
+                                        </p:cTn>
+                                        <p:tgtEl>
+                                          <p:spTgt spid="47"/>
+                                        </p:tgtEl>
+                                        <p:attrNameLst>
+                                          <p:attrName>style.visibility</p:attrName>
+                                        </p:attrNameLst>
+                                      </p:cBhvr>
+                                      <p:to>
+                                        <p:strVal val="visible"/>
+                                      </p:to>
+                                    </p:set>
+                                    <p:animEffect transition="in" filter="fade">
+                                      <p:cBhvr>
+                                        <p:cTn id="42" dur="500"/>
+                                        <p:tgtEl>
+                                          <p:spTgt spid="47"/>
+                                        </p:tgtEl>
+                                      </p:cBhvr>
+                                    </p:animEffect>
+                                  </p:childTnLst>
+                                </p:cTn>
+                              </p:par>
+                            </p:childTnLst>
+                          </p:cTn>
+                        </p:par>
+                      </p:childTnLst>
+                    </p:cTn>
+                  </p:par>
+                </p:childTnLst>
+              </p:cTn>
+              <p:prevCondLst>
+                <p:cond evt="onPrev" delay="0">
+                  <p:tgtEl>
+                    <p:sldTgt/>
+                  </p:tgtEl>
+                </p:cond>
+              </p:prevCondLst>
+              <p:nextCondLst>
+                <p:cond evt="onNext" delay="0">
+                  <p:tgtEl>
+                    <p:sldTgt/>
+                  </p:tgtEl>
+                </p:cond>
+              </p:nextCondLst>
+            </p:seq>
+          </p:childTnLst>
+        </p:cTn>
+      </p:par>
+    </p:tnLst>
+    <p:bldLst>
+      <p:bldP spid="13" grpId="0"/>
+      <p:bldP spid="33" grpId="0"/>
+      <p:bldP spid="34" grpId="0"/>
+      <p:bldP spid="35" grpId="0"/>
+      <p:bldP spid="36" grpId="0"/>
+      <p:bldP spid="37" grpId="0"/>
+      <p:bldP spid="42" grpId="0"/>
+      <p:bldP spid="47" grpId="0"/>
+    </p:bldLst>
+  </p:timing>
+</p:sld>
+</file>
+
 <file path=ppt/theme/theme1.xml><?xml version="1.0" encoding="utf-8"?>
 <a:theme xmlns:a="http://schemas.openxmlformats.org/drawingml/2006/main" name="Office Theme">
   <a:themeElements>
